--- a/phasespace/fig/fig.pptx
+++ b/phasespace/fig/fig.pptx
@@ -6,6 +6,7 @@
   </p:sldMasterIdLst>
   <p:sldIdLst>
     <p:sldId id="256" r:id="rId2"/>
+    <p:sldId id="257" r:id="rId3"/>
   </p:sldIdLst>
   <p:sldSz cx="12192000" cy="6858000"/>
   <p:notesSz cx="6858000" cy="9144000"/>
@@ -737,8 +738,8 @@
           </a:fontRef>
         </p:style>
       </p:cxnSp>
-      <mc:AlternateContent xmlns:mc="http://schemas.openxmlformats.org/markup-compatibility/2006">
-        <mc:Choice xmlns:a14="http://schemas.microsoft.com/office/drawing/2010/main" Requires="a14">
+      <mc:AlternateContent xmlns:mc="http://schemas.openxmlformats.org/markup-compatibility/2006" xmlns:a14="http://schemas.microsoft.com/office/drawing/2010/main">
+        <mc:Choice Requires="a14">
           <p:sp>
             <p:nvSpPr>
               <p:cNvPr id="37" name="テキスト ボックス 36">
@@ -767,6 +768,7 @@
               </a:bodyPr>
               <a:lstStyle/>
               <a:p>
+                <a:pPr/>
                 <a14:m>
                   <m:oMathPara xmlns:m="http://schemas.openxmlformats.org/officeDocument/2006/math">
                     <m:oMathParaPr>
@@ -787,7 +789,7 @@
             </p:txBody>
           </p:sp>
         </mc:Choice>
-        <mc:Fallback>
+        <mc:Fallback xmlns="">
           <p:sp>
             <p:nvSpPr>
               <p:cNvPr id="37" name="テキスト ボックス 36">
@@ -832,8 +834,8 @@
           </p:sp>
         </mc:Fallback>
       </mc:AlternateContent>
-      <mc:AlternateContent xmlns:mc="http://schemas.openxmlformats.org/markup-compatibility/2006">
-        <mc:Choice xmlns:a14="http://schemas.microsoft.com/office/drawing/2010/main" Requires="a14">
+      <mc:AlternateContent xmlns:mc="http://schemas.openxmlformats.org/markup-compatibility/2006" xmlns:a14="http://schemas.microsoft.com/office/drawing/2010/main">
+        <mc:Choice Requires="a14">
           <p:sp>
             <p:nvSpPr>
               <p:cNvPr id="38" name="テキスト ボックス 37">
@@ -862,6 +864,7 @@
               </a:bodyPr>
               <a:lstStyle/>
               <a:p>
+                <a:pPr/>
                 <a14:m>
                   <m:oMathPara xmlns:m="http://schemas.openxmlformats.org/officeDocument/2006/math">
                     <m:oMathParaPr>
@@ -882,7 +885,7 @@
             </p:txBody>
           </p:sp>
         </mc:Choice>
-        <mc:Fallback>
+        <mc:Fallback xmlns="">
           <p:sp>
             <p:nvSpPr>
               <p:cNvPr id="38" name="テキスト ボックス 37">
@@ -927,8 +930,8 @@
           </p:sp>
         </mc:Fallback>
       </mc:AlternateContent>
-      <mc:AlternateContent xmlns:mc="http://schemas.openxmlformats.org/markup-compatibility/2006">
-        <mc:Choice xmlns:a14="http://schemas.microsoft.com/office/drawing/2010/main" Requires="a14">
+      <mc:AlternateContent xmlns:mc="http://schemas.openxmlformats.org/markup-compatibility/2006" xmlns:a14="http://schemas.microsoft.com/office/drawing/2010/main">
+        <mc:Choice Requires="a14">
           <p:sp>
             <p:nvSpPr>
               <p:cNvPr id="42" name="テキスト ボックス 41">
@@ -957,6 +960,7 @@
               </a:bodyPr>
               <a:lstStyle/>
               <a:p>
+                <a:pPr/>
                 <a14:m>
                   <m:oMathPara xmlns:m="http://schemas.openxmlformats.org/officeDocument/2006/math">
                     <m:oMathParaPr>
@@ -977,7 +981,7 @@
             </p:txBody>
           </p:sp>
         </mc:Choice>
-        <mc:Fallback>
+        <mc:Fallback xmlns="">
           <p:sp>
             <p:nvSpPr>
               <p:cNvPr id="42" name="テキスト ボックス 41">
@@ -1903,8 +1907,8 @@
           </a:p>
         </p:txBody>
       </p:sp>
-      <mc:AlternateContent xmlns:mc="http://schemas.openxmlformats.org/markup-compatibility/2006">
-        <mc:Choice xmlns:a14="http://schemas.microsoft.com/office/drawing/2010/main" Requires="a14">
+      <mc:AlternateContent xmlns:mc="http://schemas.openxmlformats.org/markup-compatibility/2006" xmlns:a14="http://schemas.microsoft.com/office/drawing/2010/main">
+        <mc:Choice Requires="a14">
           <p:sp>
             <p:nvSpPr>
               <p:cNvPr id="100" name="テキスト ボックス 99">
@@ -1933,6 +1937,7 @@
               </a:bodyPr>
               <a:lstStyle/>
               <a:p>
+                <a:pPr/>
                 <a14:m>
                   <m:oMathPara xmlns:m="http://schemas.openxmlformats.org/officeDocument/2006/math">
                     <m:oMathParaPr>
@@ -1953,7 +1958,7 @@
             </p:txBody>
           </p:sp>
         </mc:Choice>
-        <mc:Fallback>
+        <mc:Fallback xmlns="">
           <p:sp>
             <p:nvSpPr>
               <p:cNvPr id="100" name="テキスト ボックス 99">
@@ -2039,8 +2044,8 @@
           </a:fontRef>
         </p:style>
       </p:cxnSp>
-      <mc:AlternateContent xmlns:mc="http://schemas.openxmlformats.org/markup-compatibility/2006">
-        <mc:Choice xmlns:a14="http://schemas.microsoft.com/office/drawing/2010/main" Requires="a14">
+      <mc:AlternateContent xmlns:mc="http://schemas.openxmlformats.org/markup-compatibility/2006" xmlns:a14="http://schemas.microsoft.com/office/drawing/2010/main">
+        <mc:Choice Requires="a14">
           <p:sp>
             <p:nvSpPr>
               <p:cNvPr id="103" name="テキスト ボックス 102">
@@ -2069,6 +2074,7 @@
               </a:bodyPr>
               <a:lstStyle/>
               <a:p>
+                <a:pPr/>
                 <a14:m>
                   <m:oMathPara xmlns:m="http://schemas.openxmlformats.org/officeDocument/2006/math">
                     <m:oMathParaPr>
@@ -2089,7 +2095,7 @@
             </p:txBody>
           </p:sp>
         </mc:Choice>
-        <mc:Fallback>
+        <mc:Fallback xmlns="">
           <p:sp>
             <p:nvSpPr>
               <p:cNvPr id="103" name="テキスト ボックス 102">
@@ -3069,8 +3075,8 @@
           </a:p>
         </p:txBody>
       </p:sp>
-      <mc:AlternateContent xmlns:mc="http://schemas.openxmlformats.org/markup-compatibility/2006">
-        <mc:Choice xmlns:a14="http://schemas.microsoft.com/office/drawing/2010/main" Requires="a14">
+      <mc:AlternateContent xmlns:mc="http://schemas.openxmlformats.org/markup-compatibility/2006" xmlns:a14="http://schemas.microsoft.com/office/drawing/2010/main">
+        <mc:Choice Requires="a14">
           <p:sp>
             <p:nvSpPr>
               <p:cNvPr id="138" name="テキスト ボックス 137">
@@ -3099,6 +3105,7 @@
               </a:bodyPr>
               <a:lstStyle/>
               <a:p>
+                <a:pPr/>
                 <a14:m>
                   <m:oMathPara xmlns:m="http://schemas.openxmlformats.org/officeDocument/2006/math">
                     <m:oMathParaPr>
@@ -3119,7 +3126,7 @@
             </p:txBody>
           </p:sp>
         </mc:Choice>
-        <mc:Fallback>
+        <mc:Fallback xmlns="">
           <p:sp>
             <p:nvSpPr>
               <p:cNvPr id="138" name="テキスト ボックス 137">
@@ -3205,8 +3212,8 @@
           </a:fontRef>
         </p:style>
       </p:cxnSp>
-      <mc:AlternateContent xmlns:mc="http://schemas.openxmlformats.org/markup-compatibility/2006">
-        <mc:Choice xmlns:a14="http://schemas.microsoft.com/office/drawing/2010/main" Requires="a14">
+      <mc:AlternateContent xmlns:mc="http://schemas.openxmlformats.org/markup-compatibility/2006" xmlns:a14="http://schemas.microsoft.com/office/drawing/2010/main">
+        <mc:Choice Requires="a14">
           <p:sp>
             <p:nvSpPr>
               <p:cNvPr id="140" name="テキスト ボックス 139">
@@ -3235,6 +3242,7 @@
               </a:bodyPr>
               <a:lstStyle/>
               <a:p>
+                <a:pPr/>
                 <a14:m>
                   <m:oMathPara xmlns:m="http://schemas.openxmlformats.org/officeDocument/2006/math">
                     <m:oMathParaPr>
@@ -3255,7 +3263,7 @@
             </p:txBody>
           </p:sp>
         </mc:Choice>
-        <mc:Fallback>
+        <mc:Fallback xmlns="">
           <p:sp>
             <p:nvSpPr>
               <p:cNvPr id="140" name="テキスト ボックス 139">
@@ -4235,8 +4243,8 @@
           </a:p>
         </p:txBody>
       </p:sp>
-      <mc:AlternateContent xmlns:mc="http://schemas.openxmlformats.org/markup-compatibility/2006">
-        <mc:Choice xmlns:a14="http://schemas.microsoft.com/office/drawing/2010/main" Requires="a14">
+      <mc:AlternateContent xmlns:mc="http://schemas.openxmlformats.org/markup-compatibility/2006" xmlns:a14="http://schemas.microsoft.com/office/drawing/2010/main">
+        <mc:Choice Requires="a14">
           <p:sp>
             <p:nvSpPr>
               <p:cNvPr id="160" name="テキスト ボックス 159">
@@ -4265,6 +4273,7 @@
               </a:bodyPr>
               <a:lstStyle/>
               <a:p>
+                <a:pPr/>
                 <a14:m>
                   <m:oMathPara xmlns:m="http://schemas.openxmlformats.org/officeDocument/2006/math">
                     <m:oMathParaPr>
@@ -4285,7 +4294,7 @@
             </p:txBody>
           </p:sp>
         </mc:Choice>
-        <mc:Fallback>
+        <mc:Fallback xmlns="">
           <p:sp>
             <p:nvSpPr>
               <p:cNvPr id="160" name="テキスト ボックス 159">
@@ -4371,8 +4380,8 @@
           </a:fontRef>
         </p:style>
       </p:cxnSp>
-      <mc:AlternateContent xmlns:mc="http://schemas.openxmlformats.org/markup-compatibility/2006">
-        <mc:Choice xmlns:a14="http://schemas.microsoft.com/office/drawing/2010/main" Requires="a14">
+      <mc:AlternateContent xmlns:mc="http://schemas.openxmlformats.org/markup-compatibility/2006" xmlns:a14="http://schemas.microsoft.com/office/drawing/2010/main">
+        <mc:Choice Requires="a14">
           <p:sp>
             <p:nvSpPr>
               <p:cNvPr id="162" name="テキスト ボックス 161">
@@ -4401,6 +4410,7 @@
               </a:bodyPr>
               <a:lstStyle/>
               <a:p>
+                <a:pPr/>
                 <a14:m>
                   <m:oMathPara xmlns:m="http://schemas.openxmlformats.org/officeDocument/2006/math">
                     <m:oMathParaPr>
@@ -4421,7 +4431,7 @@
             </p:txBody>
           </p:sp>
         </mc:Choice>
-        <mc:Fallback>
+        <mc:Fallback xmlns="">
           <p:sp>
             <p:nvSpPr>
               <p:cNvPr id="162" name="テキスト ボックス 161">
@@ -5401,8 +5411,8 @@
           </a:p>
         </p:txBody>
       </p:sp>
-      <mc:AlternateContent xmlns:mc="http://schemas.openxmlformats.org/markup-compatibility/2006">
-        <mc:Choice xmlns:a14="http://schemas.microsoft.com/office/drawing/2010/main" Requires="a14">
+      <mc:AlternateContent xmlns:mc="http://schemas.openxmlformats.org/markup-compatibility/2006" xmlns:a14="http://schemas.microsoft.com/office/drawing/2010/main">
+        <mc:Choice Requires="a14">
           <p:sp>
             <p:nvSpPr>
               <p:cNvPr id="182" name="テキスト ボックス 181">
@@ -5431,6 +5441,7 @@
               </a:bodyPr>
               <a:lstStyle/>
               <a:p>
+                <a:pPr/>
                 <a14:m>
                   <m:oMathPara xmlns:m="http://schemas.openxmlformats.org/officeDocument/2006/math">
                     <m:oMathParaPr>
@@ -5451,7 +5462,7 @@
             </p:txBody>
           </p:sp>
         </mc:Choice>
-        <mc:Fallback>
+        <mc:Fallback xmlns="">
           <p:sp>
             <p:nvSpPr>
               <p:cNvPr id="182" name="テキスト ボックス 181">
@@ -5537,8 +5548,8 @@
           </a:fontRef>
         </p:style>
       </p:cxnSp>
-      <mc:AlternateContent xmlns:mc="http://schemas.openxmlformats.org/markup-compatibility/2006">
-        <mc:Choice xmlns:a14="http://schemas.microsoft.com/office/drawing/2010/main" Requires="a14">
+      <mc:AlternateContent xmlns:mc="http://schemas.openxmlformats.org/markup-compatibility/2006" xmlns:a14="http://schemas.microsoft.com/office/drawing/2010/main">
+        <mc:Choice Requires="a14">
           <p:sp>
             <p:nvSpPr>
               <p:cNvPr id="184" name="テキスト ボックス 183">
@@ -5567,6 +5578,7 @@
               </a:bodyPr>
               <a:lstStyle/>
               <a:p>
+                <a:pPr/>
                 <a14:m>
                   <m:oMathPara xmlns:m="http://schemas.openxmlformats.org/officeDocument/2006/math">
                     <m:oMathParaPr>
@@ -5587,7 +5599,7 @@
             </p:txBody>
           </p:sp>
         </mc:Choice>
-        <mc:Fallback>
+        <mc:Fallback xmlns="">
           <p:sp>
             <p:nvSpPr>
               <p:cNvPr id="184" name="テキスト ボックス 183">
@@ -5848,8 +5860,8 @@
           </a:p>
         </p:txBody>
       </p:sp>
-      <mc:AlternateContent xmlns:mc="http://schemas.openxmlformats.org/markup-compatibility/2006">
-        <mc:Choice xmlns:a14="http://schemas.microsoft.com/office/drawing/2010/main" Requires="a14">
+      <mc:AlternateContent xmlns:mc="http://schemas.openxmlformats.org/markup-compatibility/2006" xmlns:a14="http://schemas.microsoft.com/office/drawing/2010/main">
+        <mc:Choice Requires="a14">
           <p:sp>
             <p:nvSpPr>
               <p:cNvPr id="211" name="テキスト ボックス 210">
@@ -5878,6 +5890,7 @@
               </a:bodyPr>
               <a:lstStyle/>
               <a:p>
+                <a:pPr/>
                 <a14:m>
                   <m:oMathPara xmlns:m="http://schemas.openxmlformats.org/officeDocument/2006/math">
                     <m:oMathParaPr>
@@ -5898,7 +5911,7 @@
             </p:txBody>
           </p:sp>
         </mc:Choice>
-        <mc:Fallback>
+        <mc:Fallback xmlns="">
           <p:sp>
             <p:nvSpPr>
               <p:cNvPr id="211" name="テキスト ボックス 210">
@@ -5943,8 +5956,8 @@
           </p:sp>
         </mc:Fallback>
       </mc:AlternateContent>
-      <mc:AlternateContent xmlns:mc="http://schemas.openxmlformats.org/markup-compatibility/2006">
-        <mc:Choice xmlns:a14="http://schemas.microsoft.com/office/drawing/2010/main" Requires="a14">
+      <mc:AlternateContent xmlns:mc="http://schemas.openxmlformats.org/markup-compatibility/2006" xmlns:a14="http://schemas.microsoft.com/office/drawing/2010/main">
+        <mc:Choice Requires="a14">
           <p:sp>
             <p:nvSpPr>
               <p:cNvPr id="212" name="テキスト ボックス 211">
@@ -5973,6 +5986,7 @@
               </a:bodyPr>
               <a:lstStyle/>
               <a:p>
+                <a:pPr/>
                 <a14:m>
                   <m:oMathPara xmlns:m="http://schemas.openxmlformats.org/officeDocument/2006/math">
                     <m:oMathParaPr>
@@ -5993,7 +6007,7 @@
             </p:txBody>
           </p:sp>
         </mc:Choice>
-        <mc:Fallback>
+        <mc:Fallback xmlns="">
           <p:sp>
             <p:nvSpPr>
               <p:cNvPr id="212" name="テキスト ボックス 211">
@@ -6592,6 +6606,3921 @@
     <p:extLst>
       <p:ext uri="{BB962C8B-B14F-4D97-AF65-F5344CB8AC3E}">
         <p14:creationId xmlns:p14="http://schemas.microsoft.com/office/powerpoint/2010/main" val="2539458832"/>
+      </p:ext>
+    </p:extLst>
+  </p:cSld>
+  <p:clrMapOvr>
+    <a:masterClrMapping/>
+  </p:clrMapOvr>
+</p:sld>
+</file>
+
+<file path=ppt/slides/slide2.xml><?xml version="1.0" encoding="utf-8"?>
+<p:sld xmlns:a="http://schemas.openxmlformats.org/drawingml/2006/main" xmlns:r="http://schemas.openxmlformats.org/officeDocument/2006/relationships" xmlns:p="http://schemas.openxmlformats.org/presentationml/2006/main">
+  <p:cSld>
+    <p:spTree>
+      <p:nvGrpSpPr>
+        <p:cNvPr id="1" name=""/>
+        <p:cNvGrpSpPr/>
+        <p:nvPr/>
+      </p:nvGrpSpPr>
+      <p:grpSpPr>
+        <a:xfrm>
+          <a:off x="0" y="0"/>
+          <a:ext cx="0" cy="0"/>
+          <a:chOff x="0" y="0"/>
+          <a:chExt cx="0" cy="0"/>
+        </a:xfrm>
+      </p:grpSpPr>
+      <p:cxnSp>
+        <p:nvCxnSpPr>
+          <p:cNvPr id="2" name="直線矢印コネクタ 1">
+            <a:extLst>
+              <a:ext uri="{FF2B5EF4-FFF2-40B4-BE49-F238E27FC236}">
+                <a16:creationId xmlns:a16="http://schemas.microsoft.com/office/drawing/2014/main" id="{BA69C14A-D67A-9F9D-31FE-E4FB2A432D77}"/>
+              </a:ext>
+            </a:extLst>
+          </p:cNvPr>
+          <p:cNvCxnSpPr>
+            <a:cxnSpLocks/>
+          </p:cNvCxnSpPr>
+          <p:nvPr/>
+        </p:nvCxnSpPr>
+        <p:spPr>
+          <a:xfrm flipV="1">
+            <a:off x="1775520" y="1268760"/>
+            <a:ext cx="0" cy="2880320"/>
+          </a:xfrm>
+          <a:prstGeom prst="straightConnector1">
+            <a:avLst/>
+          </a:prstGeom>
+          <a:ln>
+            <a:solidFill>
+              <a:schemeClr val="tx1"/>
+            </a:solidFill>
+            <a:tailEnd type="triangle"/>
+          </a:ln>
+        </p:spPr>
+        <p:style>
+          <a:lnRef idx="1">
+            <a:schemeClr val="accent1"/>
+          </a:lnRef>
+          <a:fillRef idx="0">
+            <a:schemeClr val="accent1"/>
+          </a:fillRef>
+          <a:effectRef idx="0">
+            <a:schemeClr val="accent1"/>
+          </a:effectRef>
+          <a:fontRef idx="minor">
+            <a:schemeClr val="tx1"/>
+          </a:fontRef>
+        </p:style>
+      </p:cxnSp>
+      <p:cxnSp>
+        <p:nvCxnSpPr>
+          <p:cNvPr id="3" name="直線矢印コネクタ 2">
+            <a:extLst>
+              <a:ext uri="{FF2B5EF4-FFF2-40B4-BE49-F238E27FC236}">
+                <a16:creationId xmlns:a16="http://schemas.microsoft.com/office/drawing/2014/main" id="{40294EB5-3C93-99E1-AF49-D8E0C9C0F487}"/>
+              </a:ext>
+            </a:extLst>
+          </p:cNvPr>
+          <p:cNvCxnSpPr>
+            <a:cxnSpLocks/>
+          </p:cNvCxnSpPr>
+          <p:nvPr/>
+        </p:nvCxnSpPr>
+        <p:spPr>
+          <a:xfrm>
+            <a:off x="335360" y="2708920"/>
+            <a:ext cx="2880320" cy="0"/>
+          </a:xfrm>
+          <a:prstGeom prst="straightConnector1">
+            <a:avLst/>
+          </a:prstGeom>
+          <a:ln>
+            <a:solidFill>
+              <a:schemeClr val="tx1"/>
+            </a:solidFill>
+            <a:tailEnd type="triangle"/>
+          </a:ln>
+        </p:spPr>
+        <p:style>
+          <a:lnRef idx="1">
+            <a:schemeClr val="accent1"/>
+          </a:lnRef>
+          <a:fillRef idx="0">
+            <a:schemeClr val="accent1"/>
+          </a:fillRef>
+          <a:effectRef idx="0">
+            <a:schemeClr val="accent1"/>
+          </a:effectRef>
+          <a:fontRef idx="minor">
+            <a:schemeClr val="tx1"/>
+          </a:fontRef>
+        </p:style>
+      </p:cxnSp>
+      <mc:AlternateContent xmlns:mc="http://schemas.openxmlformats.org/markup-compatibility/2006">
+        <mc:Choice xmlns:a14="http://schemas.microsoft.com/office/drawing/2010/main" Requires="a14">
+          <p:sp>
+            <p:nvSpPr>
+              <p:cNvPr id="6" name="テキスト ボックス 5">
+                <a:extLst>
+                  <a:ext uri="{FF2B5EF4-FFF2-40B4-BE49-F238E27FC236}">
+                    <a16:creationId xmlns:a16="http://schemas.microsoft.com/office/drawing/2014/main" id="{378747AA-8E26-14A4-D903-56DC1D934BAB}"/>
+                  </a:ext>
+                </a:extLst>
+              </p:cNvPr>
+              <p:cNvSpPr txBox="1"/>
+              <p:nvPr/>
+            </p:nvSpPr>
+            <p:spPr>
+              <a:xfrm>
+                <a:off x="2495600" y="1268760"/>
+                <a:ext cx="769954" cy="276999"/>
+              </a:xfrm>
+              <a:prstGeom prst="rect">
+                <a:avLst/>
+              </a:prstGeom>
+              <a:noFill/>
+            </p:spPr>
+            <p:txBody>
+              <a:bodyPr wrap="none" lIns="0" tIns="0" rIns="0" bIns="0" rtlCol="0">
+                <a:spAutoFit/>
+              </a:bodyPr>
+              <a:lstStyle/>
+              <a:p>
+                <a14:m>
+                  <m:oMathPara xmlns:m="http://schemas.openxmlformats.org/officeDocument/2006/math">
+                    <m:oMathParaPr>
+                      <m:jc m:val="centerGroup"/>
+                    </m:oMathParaPr>
+                    <m:oMath xmlns:m="http://schemas.openxmlformats.org/officeDocument/2006/math">
+                      <m:r>
+                        <a:rPr kumimoji="1" lang="en-US" altLang="ja-JP" b="0" i="1" smtClean="0">
+                          <a:latin typeface="Cambria Math" panose="02040503050406030204" pitchFamily="18" charset="0"/>
+                        </a:rPr>
+                        <m:t>𝐻</m:t>
+                      </m:r>
+                      <m:r>
+                        <a:rPr kumimoji="1" lang="en-US" altLang="ja-JP" b="0" i="1" smtClean="0">
+                          <a:latin typeface="Cambria Math" panose="02040503050406030204" pitchFamily="18" charset="0"/>
+                        </a:rPr>
+                        <m:t>(</m:t>
+                      </m:r>
+                      <m:r>
+                        <a:rPr kumimoji="1" lang="en-US" altLang="ja-JP" b="0" i="1" smtClean="0">
+                          <a:latin typeface="Cambria Math" panose="02040503050406030204" pitchFamily="18" charset="0"/>
+                        </a:rPr>
+                        <m:t>𝑞</m:t>
+                      </m:r>
+                      <m:r>
+                        <a:rPr kumimoji="1" lang="en-US" altLang="ja-JP" b="0" i="1" smtClean="0">
+                          <a:latin typeface="Cambria Math" panose="02040503050406030204" pitchFamily="18" charset="0"/>
+                        </a:rPr>
+                        <m:t>,</m:t>
+                      </m:r>
+                      <m:r>
+                        <a:rPr kumimoji="1" lang="en-US" altLang="ja-JP" b="0" i="1" smtClean="0">
+                          <a:latin typeface="Cambria Math" panose="02040503050406030204" pitchFamily="18" charset="0"/>
+                        </a:rPr>
+                        <m:t>𝑝</m:t>
+                      </m:r>
+                      <m:r>
+                        <a:rPr kumimoji="1" lang="en-US" altLang="ja-JP" b="0" i="1" smtClean="0">
+                          <a:latin typeface="Cambria Math" panose="02040503050406030204" pitchFamily="18" charset="0"/>
+                        </a:rPr>
+                        <m:t>)</m:t>
+                      </m:r>
+                    </m:oMath>
+                  </m:oMathPara>
+                </a14:m>
+                <a:endParaRPr kumimoji="1" lang="ja-JP" altLang="en-US" dirty="0"/>
+              </a:p>
+            </p:txBody>
+          </p:sp>
+        </mc:Choice>
+        <mc:Fallback>
+          <p:sp>
+            <p:nvSpPr>
+              <p:cNvPr id="6" name="テキスト ボックス 5">
+                <a:extLst>
+                  <a:ext uri="{FF2B5EF4-FFF2-40B4-BE49-F238E27FC236}">
+                    <a16:creationId xmlns:a16="http://schemas.microsoft.com/office/drawing/2014/main" id="{378747AA-8E26-14A4-D903-56DC1D934BAB}"/>
+                  </a:ext>
+                </a:extLst>
+              </p:cNvPr>
+              <p:cNvSpPr txBox="1">
+                <a:spLocks noRot="1" noChangeAspect="1" noMove="1" noResize="1" noEditPoints="1" noAdjustHandles="1" noChangeArrowheads="1" noChangeShapeType="1" noTextEdit="1"/>
+              </p:cNvSpPr>
+              <p:nvPr/>
+            </p:nvSpPr>
+            <p:spPr>
+              <a:xfrm>
+                <a:off x="2495600" y="1268760"/>
+                <a:ext cx="769954" cy="276999"/>
+              </a:xfrm>
+              <a:prstGeom prst="rect">
+                <a:avLst/>
+              </a:prstGeom>
+              <a:blipFill>
+                <a:blip r:embed="rId2"/>
+                <a:stretch>
+                  <a:fillRect l="-6299" t="-2174" r="-10236" b="-32609"/>
+                </a:stretch>
+              </a:blipFill>
+            </p:spPr>
+            <p:txBody>
+              <a:bodyPr/>
+              <a:lstStyle/>
+              <a:p>
+                <a:r>
+                  <a:rPr lang="ja-JP" altLang="en-US">
+                    <a:noFill/>
+                  </a:rPr>
+                  <a:t> </a:t>
+                </a:r>
+              </a:p>
+            </p:txBody>
+          </p:sp>
+        </mc:Fallback>
+      </mc:AlternateContent>
+      <mc:AlternateContent xmlns:mc="http://schemas.openxmlformats.org/markup-compatibility/2006">
+        <mc:Choice xmlns:a14="http://schemas.microsoft.com/office/drawing/2010/main" Requires="a14">
+          <p:sp>
+            <p:nvSpPr>
+              <p:cNvPr id="7" name="テキスト ボックス 6">
+                <a:extLst>
+                  <a:ext uri="{FF2B5EF4-FFF2-40B4-BE49-F238E27FC236}">
+                    <a16:creationId xmlns:a16="http://schemas.microsoft.com/office/drawing/2014/main" id="{ACC85471-5B6E-3840-9A03-EBBB07DCD721}"/>
+                  </a:ext>
+                </a:extLst>
+              </p:cNvPr>
+              <p:cNvSpPr txBox="1"/>
+              <p:nvPr/>
+            </p:nvSpPr>
+            <p:spPr>
+              <a:xfrm>
+                <a:off x="6096000" y="1268760"/>
+                <a:ext cx="907813" cy="276999"/>
+              </a:xfrm>
+              <a:prstGeom prst="rect">
+                <a:avLst/>
+              </a:prstGeom>
+              <a:noFill/>
+            </p:spPr>
+            <p:txBody>
+              <a:bodyPr wrap="none" lIns="0" tIns="0" rIns="0" bIns="0" rtlCol="0">
+                <a:spAutoFit/>
+              </a:bodyPr>
+              <a:lstStyle/>
+              <a:p>
+                <a14:m>
+                  <m:oMathPara xmlns:m="http://schemas.openxmlformats.org/officeDocument/2006/math">
+                    <m:oMathParaPr>
+                      <m:jc m:val="centerGroup"/>
+                    </m:oMathParaPr>
+                    <m:oMath xmlns:m="http://schemas.openxmlformats.org/officeDocument/2006/math">
+                      <m:r>
+                        <m:rPr>
+                          <m:sty m:val="p"/>
+                        </m:rPr>
+                        <a:rPr kumimoji="1" lang="en-US" altLang="ja-JP" b="0" i="0" smtClean="0">
+                          <a:latin typeface="Cambria Math" panose="02040503050406030204" pitchFamily="18" charset="0"/>
+                        </a:rPr>
+                        <m:t>∇</m:t>
+                      </m:r>
+                      <m:r>
+                        <a:rPr kumimoji="1" lang="en-US" altLang="ja-JP" b="0" i="1" smtClean="0">
+                          <a:latin typeface="Cambria Math" panose="02040503050406030204" pitchFamily="18" charset="0"/>
+                        </a:rPr>
+                        <m:t>𝐻</m:t>
+                      </m:r>
+                      <m:r>
+                        <a:rPr kumimoji="1" lang="en-US" altLang="ja-JP" b="0" i="1" smtClean="0">
+                          <a:latin typeface="Cambria Math" panose="02040503050406030204" pitchFamily="18" charset="0"/>
+                        </a:rPr>
+                        <m:t>(</m:t>
+                      </m:r>
+                      <m:r>
+                        <a:rPr kumimoji="1" lang="en-US" altLang="ja-JP" b="0" i="1" smtClean="0">
+                          <a:latin typeface="Cambria Math" panose="02040503050406030204" pitchFamily="18" charset="0"/>
+                        </a:rPr>
+                        <m:t>𝑞</m:t>
+                      </m:r>
+                      <m:r>
+                        <a:rPr kumimoji="1" lang="en-US" altLang="ja-JP" b="0" i="1" smtClean="0">
+                          <a:latin typeface="Cambria Math" panose="02040503050406030204" pitchFamily="18" charset="0"/>
+                        </a:rPr>
+                        <m:t>,</m:t>
+                      </m:r>
+                      <m:r>
+                        <a:rPr kumimoji="1" lang="en-US" altLang="ja-JP" b="0" i="1" smtClean="0">
+                          <a:latin typeface="Cambria Math" panose="02040503050406030204" pitchFamily="18" charset="0"/>
+                        </a:rPr>
+                        <m:t>𝑝</m:t>
+                      </m:r>
+                      <m:r>
+                        <a:rPr kumimoji="1" lang="en-US" altLang="ja-JP" b="0" i="1" smtClean="0">
+                          <a:latin typeface="Cambria Math" panose="02040503050406030204" pitchFamily="18" charset="0"/>
+                        </a:rPr>
+                        <m:t>)</m:t>
+                      </m:r>
+                    </m:oMath>
+                  </m:oMathPara>
+                </a14:m>
+                <a:endParaRPr kumimoji="1" lang="ja-JP" altLang="en-US" dirty="0"/>
+              </a:p>
+            </p:txBody>
+          </p:sp>
+        </mc:Choice>
+        <mc:Fallback>
+          <p:sp>
+            <p:nvSpPr>
+              <p:cNvPr id="7" name="テキスト ボックス 6">
+                <a:extLst>
+                  <a:ext uri="{FF2B5EF4-FFF2-40B4-BE49-F238E27FC236}">
+                    <a16:creationId xmlns:a16="http://schemas.microsoft.com/office/drawing/2014/main" id="{ACC85471-5B6E-3840-9A03-EBBB07DCD721}"/>
+                  </a:ext>
+                </a:extLst>
+              </p:cNvPr>
+              <p:cNvSpPr txBox="1">
+                <a:spLocks noRot="1" noChangeAspect="1" noMove="1" noResize="1" noEditPoints="1" noAdjustHandles="1" noChangeArrowheads="1" noChangeShapeType="1" noTextEdit="1"/>
+              </p:cNvSpPr>
+              <p:nvPr/>
+            </p:nvSpPr>
+            <p:spPr>
+              <a:xfrm>
+                <a:off x="6096000" y="1268760"/>
+                <a:ext cx="907813" cy="276999"/>
+              </a:xfrm>
+              <a:prstGeom prst="rect">
+                <a:avLst/>
+              </a:prstGeom>
+              <a:blipFill>
+                <a:blip r:embed="rId3"/>
+                <a:stretch>
+                  <a:fillRect l="-5369" t="-2174" r="-8725" b="-32609"/>
+                </a:stretch>
+              </a:blipFill>
+            </p:spPr>
+            <p:txBody>
+              <a:bodyPr/>
+              <a:lstStyle/>
+              <a:p>
+                <a:r>
+                  <a:rPr lang="ja-JP" altLang="en-US">
+                    <a:noFill/>
+                  </a:rPr>
+                  <a:t> </a:t>
+                </a:r>
+              </a:p>
+            </p:txBody>
+          </p:sp>
+        </mc:Fallback>
+      </mc:AlternateContent>
+      <mc:AlternateContent xmlns:mc="http://schemas.openxmlformats.org/markup-compatibility/2006">
+        <mc:Choice xmlns:a14="http://schemas.microsoft.com/office/drawing/2010/main" Requires="a14">
+          <p:sp>
+            <p:nvSpPr>
+              <p:cNvPr id="8" name="テキスト ボックス 7">
+                <a:extLst>
+                  <a:ext uri="{FF2B5EF4-FFF2-40B4-BE49-F238E27FC236}">
+                    <a16:creationId xmlns:a16="http://schemas.microsoft.com/office/drawing/2014/main" id="{0CF2CFAC-9ECB-68D2-300E-D38E678E8281}"/>
+                  </a:ext>
+                </a:extLst>
+              </p:cNvPr>
+              <p:cNvSpPr txBox="1"/>
+              <p:nvPr/>
+            </p:nvSpPr>
+            <p:spPr>
+              <a:xfrm>
+                <a:off x="9768408" y="1268760"/>
+                <a:ext cx="1064907" cy="276999"/>
+              </a:xfrm>
+              <a:prstGeom prst="rect">
+                <a:avLst/>
+              </a:prstGeom>
+              <a:noFill/>
+            </p:spPr>
+            <p:txBody>
+              <a:bodyPr wrap="none" lIns="0" tIns="0" rIns="0" bIns="0" rtlCol="0">
+                <a:spAutoFit/>
+              </a:bodyPr>
+              <a:lstStyle/>
+              <a:p>
+                <a14:m>
+                  <m:oMathPara xmlns:m="http://schemas.openxmlformats.org/officeDocument/2006/math">
+                    <m:oMathParaPr>
+                      <m:jc m:val="centerGroup"/>
+                    </m:oMathParaPr>
+                    <m:oMath xmlns:m="http://schemas.openxmlformats.org/officeDocument/2006/math">
+                      <m:r>
+                        <m:rPr>
+                          <m:sty m:val="p"/>
+                        </m:rPr>
+                        <a:rPr kumimoji="1" lang="en-US" altLang="ja-JP" b="0" i="0" smtClean="0">
+                          <a:latin typeface="Cambria Math" panose="02040503050406030204" pitchFamily="18" charset="0"/>
+                        </a:rPr>
+                        <m:t>Ω∇</m:t>
+                      </m:r>
+                      <m:r>
+                        <a:rPr kumimoji="1" lang="en-US" altLang="ja-JP" b="0" i="1" smtClean="0">
+                          <a:latin typeface="Cambria Math" panose="02040503050406030204" pitchFamily="18" charset="0"/>
+                        </a:rPr>
+                        <m:t>𝐻</m:t>
+                      </m:r>
+                      <m:r>
+                        <a:rPr kumimoji="1" lang="en-US" altLang="ja-JP" b="0" i="1" smtClean="0">
+                          <a:latin typeface="Cambria Math" panose="02040503050406030204" pitchFamily="18" charset="0"/>
+                        </a:rPr>
+                        <m:t>(</m:t>
+                      </m:r>
+                      <m:r>
+                        <a:rPr kumimoji="1" lang="en-US" altLang="ja-JP" b="0" i="1" smtClean="0">
+                          <a:latin typeface="Cambria Math" panose="02040503050406030204" pitchFamily="18" charset="0"/>
+                        </a:rPr>
+                        <m:t>𝑞</m:t>
+                      </m:r>
+                      <m:r>
+                        <a:rPr kumimoji="1" lang="en-US" altLang="ja-JP" b="0" i="1" smtClean="0">
+                          <a:latin typeface="Cambria Math" panose="02040503050406030204" pitchFamily="18" charset="0"/>
+                        </a:rPr>
+                        <m:t>,</m:t>
+                      </m:r>
+                      <m:r>
+                        <a:rPr kumimoji="1" lang="en-US" altLang="ja-JP" b="0" i="1" smtClean="0">
+                          <a:latin typeface="Cambria Math" panose="02040503050406030204" pitchFamily="18" charset="0"/>
+                        </a:rPr>
+                        <m:t>𝑝</m:t>
+                      </m:r>
+                      <m:r>
+                        <a:rPr kumimoji="1" lang="en-US" altLang="ja-JP" b="0" i="1" smtClean="0">
+                          <a:latin typeface="Cambria Math" panose="02040503050406030204" pitchFamily="18" charset="0"/>
+                        </a:rPr>
+                        <m:t>)</m:t>
+                      </m:r>
+                    </m:oMath>
+                  </m:oMathPara>
+                </a14:m>
+                <a:endParaRPr kumimoji="1" lang="ja-JP" altLang="en-US" dirty="0"/>
+              </a:p>
+            </p:txBody>
+          </p:sp>
+        </mc:Choice>
+        <mc:Fallback>
+          <p:sp>
+            <p:nvSpPr>
+              <p:cNvPr id="8" name="テキスト ボックス 7">
+                <a:extLst>
+                  <a:ext uri="{FF2B5EF4-FFF2-40B4-BE49-F238E27FC236}">
+                    <a16:creationId xmlns:a16="http://schemas.microsoft.com/office/drawing/2014/main" id="{0CF2CFAC-9ECB-68D2-300E-D38E678E8281}"/>
+                  </a:ext>
+                </a:extLst>
+              </p:cNvPr>
+              <p:cNvSpPr txBox="1">
+                <a:spLocks noRot="1" noChangeAspect="1" noMove="1" noResize="1" noEditPoints="1" noAdjustHandles="1" noChangeArrowheads="1" noChangeShapeType="1" noTextEdit="1"/>
+              </p:cNvSpPr>
+              <p:nvPr/>
+            </p:nvSpPr>
+            <p:spPr>
+              <a:xfrm>
+                <a:off x="9768408" y="1268760"/>
+                <a:ext cx="1064907" cy="276999"/>
+              </a:xfrm>
+              <a:prstGeom prst="rect">
+                <a:avLst/>
+              </a:prstGeom>
+              <a:blipFill>
+                <a:blip r:embed="rId4"/>
+                <a:stretch>
+                  <a:fillRect l="-4571" t="-2174" r="-7429" b="-32609"/>
+                </a:stretch>
+              </a:blipFill>
+            </p:spPr>
+            <p:txBody>
+              <a:bodyPr/>
+              <a:lstStyle/>
+              <a:p>
+                <a:r>
+                  <a:rPr lang="ja-JP" altLang="en-US">
+                    <a:noFill/>
+                  </a:rPr>
+                  <a:t> </a:t>
+                </a:r>
+              </a:p>
+            </p:txBody>
+          </p:sp>
+        </mc:Fallback>
+      </mc:AlternateContent>
+      <mc:AlternateContent xmlns:mc="http://schemas.openxmlformats.org/markup-compatibility/2006">
+        <mc:Choice xmlns:a14="http://schemas.microsoft.com/office/drawing/2010/main" Requires="a14">
+          <p:sp>
+            <p:nvSpPr>
+              <p:cNvPr id="9" name="テキスト ボックス 8">
+                <a:extLst>
+                  <a:ext uri="{FF2B5EF4-FFF2-40B4-BE49-F238E27FC236}">
+                    <a16:creationId xmlns:a16="http://schemas.microsoft.com/office/drawing/2014/main" id="{4CB0B1BB-6E3D-4B63-E8AD-49575A75F594}"/>
+                  </a:ext>
+                </a:extLst>
+              </p:cNvPr>
+              <p:cNvSpPr txBox="1"/>
+              <p:nvPr/>
+            </p:nvSpPr>
+            <p:spPr>
+              <a:xfrm>
+                <a:off x="1559496" y="2708920"/>
+                <a:ext cx="214033" cy="276999"/>
+              </a:xfrm>
+              <a:prstGeom prst="rect">
+                <a:avLst/>
+              </a:prstGeom>
+              <a:noFill/>
+            </p:spPr>
+            <p:txBody>
+              <a:bodyPr wrap="none" lIns="0" tIns="0" rIns="0" bIns="0" rtlCol="0">
+                <a:spAutoFit/>
+              </a:bodyPr>
+              <a:lstStyle/>
+              <a:p>
+                <a:pPr/>
+                <a14:m>
+                  <m:oMathPara xmlns:m="http://schemas.openxmlformats.org/officeDocument/2006/math">
+                    <m:oMathParaPr>
+                      <m:jc m:val="centerGroup"/>
+                    </m:oMathParaPr>
+                    <m:oMath xmlns:m="http://schemas.openxmlformats.org/officeDocument/2006/math">
+                      <m:r>
+                        <a:rPr kumimoji="1" lang="en-US" altLang="ja-JP" b="0" i="1" smtClean="0">
+                          <a:latin typeface="Cambria Math" panose="02040503050406030204" pitchFamily="18" charset="0"/>
+                        </a:rPr>
+                        <m:t>𝑂</m:t>
+                      </m:r>
+                    </m:oMath>
+                  </m:oMathPara>
+                </a14:m>
+                <a:endParaRPr kumimoji="1" lang="ja-JP" altLang="en-US" dirty="0"/>
+              </a:p>
+            </p:txBody>
+          </p:sp>
+        </mc:Choice>
+        <mc:Fallback>
+          <p:sp>
+            <p:nvSpPr>
+              <p:cNvPr id="9" name="テキスト ボックス 8">
+                <a:extLst>
+                  <a:ext uri="{FF2B5EF4-FFF2-40B4-BE49-F238E27FC236}">
+                    <a16:creationId xmlns:a16="http://schemas.microsoft.com/office/drawing/2014/main" id="{4CB0B1BB-6E3D-4B63-E8AD-49575A75F594}"/>
+                  </a:ext>
+                </a:extLst>
+              </p:cNvPr>
+              <p:cNvSpPr txBox="1">
+                <a:spLocks noRot="1" noChangeAspect="1" noMove="1" noResize="1" noEditPoints="1" noAdjustHandles="1" noChangeArrowheads="1" noChangeShapeType="1" noTextEdit="1"/>
+              </p:cNvSpPr>
+              <p:nvPr/>
+            </p:nvSpPr>
+            <p:spPr>
+              <a:xfrm>
+                <a:off x="1559496" y="2708920"/>
+                <a:ext cx="214033" cy="276999"/>
+              </a:xfrm>
+              <a:prstGeom prst="rect">
+                <a:avLst/>
+              </a:prstGeom>
+              <a:blipFill>
+                <a:blip r:embed="rId5"/>
+                <a:stretch>
+                  <a:fillRect l="-28571" r="-22857" b="-6522"/>
+                </a:stretch>
+              </a:blipFill>
+            </p:spPr>
+            <p:txBody>
+              <a:bodyPr/>
+              <a:lstStyle/>
+              <a:p>
+                <a:r>
+                  <a:rPr lang="ja-JP" altLang="en-US">
+                    <a:noFill/>
+                  </a:rPr>
+                  <a:t> </a:t>
+                </a:r>
+              </a:p>
+            </p:txBody>
+          </p:sp>
+        </mc:Fallback>
+      </mc:AlternateContent>
+      <mc:AlternateContent xmlns:mc="http://schemas.openxmlformats.org/markup-compatibility/2006">
+        <mc:Choice xmlns:a14="http://schemas.microsoft.com/office/drawing/2010/main" Requires="a14">
+          <p:sp>
+            <p:nvSpPr>
+              <p:cNvPr id="10" name="テキスト ボックス 9">
+                <a:extLst>
+                  <a:ext uri="{FF2B5EF4-FFF2-40B4-BE49-F238E27FC236}">
+                    <a16:creationId xmlns:a16="http://schemas.microsoft.com/office/drawing/2014/main" id="{C5D8031E-D35C-3582-6DD1-4464AF748FB4}"/>
+                  </a:ext>
+                </a:extLst>
+              </p:cNvPr>
+              <p:cNvSpPr txBox="1"/>
+              <p:nvPr/>
+            </p:nvSpPr>
+            <p:spPr>
+              <a:xfrm>
+                <a:off x="3287688" y="2564904"/>
+                <a:ext cx="184922" cy="276999"/>
+              </a:xfrm>
+              <a:prstGeom prst="rect">
+                <a:avLst/>
+              </a:prstGeom>
+              <a:noFill/>
+            </p:spPr>
+            <p:txBody>
+              <a:bodyPr wrap="none" lIns="0" tIns="0" rIns="0" bIns="0" rtlCol="0">
+                <a:spAutoFit/>
+              </a:bodyPr>
+              <a:lstStyle/>
+              <a:p>
+                <a:pPr/>
+                <a14:m>
+                  <m:oMathPara xmlns:m="http://schemas.openxmlformats.org/officeDocument/2006/math">
+                    <m:oMathParaPr>
+                      <m:jc m:val="centerGroup"/>
+                    </m:oMathParaPr>
+                    <m:oMath xmlns:m="http://schemas.openxmlformats.org/officeDocument/2006/math">
+                      <m:r>
+                        <a:rPr kumimoji="1" lang="en-US" altLang="ja-JP" b="0" i="1" smtClean="0">
+                          <a:latin typeface="Cambria Math" panose="02040503050406030204" pitchFamily="18" charset="0"/>
+                        </a:rPr>
+                        <m:t>𝑞</m:t>
+                      </m:r>
+                    </m:oMath>
+                  </m:oMathPara>
+                </a14:m>
+                <a:endParaRPr kumimoji="1" lang="ja-JP" altLang="en-US" dirty="0"/>
+              </a:p>
+            </p:txBody>
+          </p:sp>
+        </mc:Choice>
+        <mc:Fallback>
+          <p:sp>
+            <p:nvSpPr>
+              <p:cNvPr id="10" name="テキスト ボックス 9">
+                <a:extLst>
+                  <a:ext uri="{FF2B5EF4-FFF2-40B4-BE49-F238E27FC236}">
+                    <a16:creationId xmlns:a16="http://schemas.microsoft.com/office/drawing/2014/main" id="{C5D8031E-D35C-3582-6DD1-4464AF748FB4}"/>
+                  </a:ext>
+                </a:extLst>
+              </p:cNvPr>
+              <p:cNvSpPr txBox="1">
+                <a:spLocks noRot="1" noChangeAspect="1" noMove="1" noResize="1" noEditPoints="1" noAdjustHandles="1" noChangeArrowheads="1" noChangeShapeType="1" noTextEdit="1"/>
+              </p:cNvSpPr>
+              <p:nvPr/>
+            </p:nvSpPr>
+            <p:spPr>
+              <a:xfrm>
+                <a:off x="3287688" y="2564904"/>
+                <a:ext cx="184922" cy="276999"/>
+              </a:xfrm>
+              <a:prstGeom prst="rect">
+                <a:avLst/>
+              </a:prstGeom>
+              <a:blipFill>
+                <a:blip r:embed="rId6"/>
+                <a:stretch>
+                  <a:fillRect l="-32258" r="-22581" b="-26667"/>
+                </a:stretch>
+              </a:blipFill>
+            </p:spPr>
+            <p:txBody>
+              <a:bodyPr/>
+              <a:lstStyle/>
+              <a:p>
+                <a:r>
+                  <a:rPr lang="ja-JP" altLang="en-US">
+                    <a:noFill/>
+                  </a:rPr>
+                  <a:t> </a:t>
+                </a:r>
+              </a:p>
+            </p:txBody>
+          </p:sp>
+        </mc:Fallback>
+      </mc:AlternateContent>
+      <mc:AlternateContent xmlns:mc="http://schemas.openxmlformats.org/markup-compatibility/2006">
+        <mc:Choice xmlns:a14="http://schemas.microsoft.com/office/drawing/2010/main" Requires="a14">
+          <p:sp>
+            <p:nvSpPr>
+              <p:cNvPr id="11" name="テキスト ボックス 10">
+                <a:extLst>
+                  <a:ext uri="{FF2B5EF4-FFF2-40B4-BE49-F238E27FC236}">
+                    <a16:creationId xmlns:a16="http://schemas.microsoft.com/office/drawing/2014/main" id="{C73B623B-C056-E6DE-DE04-C302B493ADD7}"/>
+                  </a:ext>
+                </a:extLst>
+              </p:cNvPr>
+              <p:cNvSpPr txBox="1"/>
+              <p:nvPr/>
+            </p:nvSpPr>
+            <p:spPr>
+              <a:xfrm>
+                <a:off x="1703512" y="908720"/>
+                <a:ext cx="183961" cy="276999"/>
+              </a:xfrm>
+              <a:prstGeom prst="rect">
+                <a:avLst/>
+              </a:prstGeom>
+              <a:noFill/>
+            </p:spPr>
+            <p:txBody>
+              <a:bodyPr wrap="none" lIns="0" tIns="0" rIns="0" bIns="0" rtlCol="0">
+                <a:spAutoFit/>
+              </a:bodyPr>
+              <a:lstStyle/>
+              <a:p>
+                <a:pPr/>
+                <a14:m>
+                  <m:oMathPara xmlns:m="http://schemas.openxmlformats.org/officeDocument/2006/math">
+                    <m:oMathParaPr>
+                      <m:jc m:val="centerGroup"/>
+                    </m:oMathParaPr>
+                    <m:oMath xmlns:m="http://schemas.openxmlformats.org/officeDocument/2006/math">
+                      <m:r>
+                        <a:rPr kumimoji="1" lang="en-US" altLang="ja-JP" b="0" i="1" smtClean="0">
+                          <a:latin typeface="Cambria Math" panose="02040503050406030204" pitchFamily="18" charset="0"/>
+                        </a:rPr>
+                        <m:t>𝑝</m:t>
+                      </m:r>
+                    </m:oMath>
+                  </m:oMathPara>
+                </a14:m>
+                <a:endParaRPr kumimoji="1" lang="ja-JP" altLang="en-US" dirty="0"/>
+              </a:p>
+            </p:txBody>
+          </p:sp>
+        </mc:Choice>
+        <mc:Fallback>
+          <p:sp>
+            <p:nvSpPr>
+              <p:cNvPr id="11" name="テキスト ボックス 10">
+                <a:extLst>
+                  <a:ext uri="{FF2B5EF4-FFF2-40B4-BE49-F238E27FC236}">
+                    <a16:creationId xmlns:a16="http://schemas.microsoft.com/office/drawing/2014/main" id="{C73B623B-C056-E6DE-DE04-C302B493ADD7}"/>
+                  </a:ext>
+                </a:extLst>
+              </p:cNvPr>
+              <p:cNvSpPr txBox="1">
+                <a:spLocks noRot="1" noChangeAspect="1" noMove="1" noResize="1" noEditPoints="1" noAdjustHandles="1" noChangeArrowheads="1" noChangeShapeType="1" noTextEdit="1"/>
+              </p:cNvSpPr>
+              <p:nvPr/>
+            </p:nvSpPr>
+            <p:spPr>
+              <a:xfrm>
+                <a:off x="1703512" y="908720"/>
+                <a:ext cx="183961" cy="276999"/>
+              </a:xfrm>
+              <a:prstGeom prst="rect">
+                <a:avLst/>
+              </a:prstGeom>
+              <a:blipFill>
+                <a:blip r:embed="rId7"/>
+                <a:stretch>
+                  <a:fillRect l="-32258" r="-25806" b="-23913"/>
+                </a:stretch>
+              </a:blipFill>
+            </p:spPr>
+            <p:txBody>
+              <a:bodyPr/>
+              <a:lstStyle/>
+              <a:p>
+                <a:r>
+                  <a:rPr lang="ja-JP" altLang="en-US">
+                    <a:noFill/>
+                  </a:rPr>
+                  <a:t> </a:t>
+                </a:r>
+              </a:p>
+            </p:txBody>
+          </p:sp>
+        </mc:Fallback>
+      </mc:AlternateContent>
+      <p:sp>
+        <p:nvSpPr>
+          <p:cNvPr id="15" name="楕円 14">
+            <a:extLst>
+              <a:ext uri="{FF2B5EF4-FFF2-40B4-BE49-F238E27FC236}">
+                <a16:creationId xmlns:a16="http://schemas.microsoft.com/office/drawing/2014/main" id="{4A539B07-43C2-21ED-4656-D2ED629B8C1B}"/>
+              </a:ext>
+            </a:extLst>
+          </p:cNvPr>
+          <p:cNvSpPr/>
+          <p:nvPr/>
+        </p:nvSpPr>
+        <p:spPr>
+          <a:xfrm>
+            <a:off x="1415480" y="2348880"/>
+            <a:ext cx="720080" cy="720080"/>
+          </a:xfrm>
+          <a:prstGeom prst="ellipse">
+            <a:avLst/>
+          </a:prstGeom>
+          <a:noFill/>
+          <a:ln>
+            <a:solidFill>
+              <a:srgbClr val="FF0000"/>
+            </a:solidFill>
+          </a:ln>
+        </p:spPr>
+        <p:style>
+          <a:lnRef idx="2">
+            <a:schemeClr val="accent1">
+              <a:shade val="50000"/>
+            </a:schemeClr>
+          </a:lnRef>
+          <a:fillRef idx="1">
+            <a:schemeClr val="accent1"/>
+          </a:fillRef>
+          <a:effectRef idx="0">
+            <a:schemeClr val="accent1"/>
+          </a:effectRef>
+          <a:fontRef idx="minor">
+            <a:schemeClr val="lt1"/>
+          </a:fontRef>
+        </p:style>
+        <p:txBody>
+          <a:bodyPr rtlCol="0" anchor="ctr"/>
+          <a:lstStyle/>
+          <a:p>
+            <a:pPr algn="ctr"/>
+            <a:endParaRPr kumimoji="1" lang="ja-JP" altLang="en-US"/>
+          </a:p>
+        </p:txBody>
+      </p:sp>
+      <p:sp>
+        <p:nvSpPr>
+          <p:cNvPr id="16" name="楕円 15">
+            <a:extLst>
+              <a:ext uri="{FF2B5EF4-FFF2-40B4-BE49-F238E27FC236}">
+                <a16:creationId xmlns:a16="http://schemas.microsoft.com/office/drawing/2014/main" id="{4A0AB48E-F216-43AD-6444-3F17353D1891}"/>
+              </a:ext>
+            </a:extLst>
+          </p:cNvPr>
+          <p:cNvSpPr/>
+          <p:nvPr/>
+        </p:nvSpPr>
+        <p:spPr>
+          <a:xfrm>
+            <a:off x="1055440" y="1988840"/>
+            <a:ext cx="1440160" cy="1440160"/>
+          </a:xfrm>
+          <a:prstGeom prst="ellipse">
+            <a:avLst/>
+          </a:prstGeom>
+          <a:noFill/>
+          <a:ln>
+            <a:solidFill>
+              <a:srgbClr val="FF0000"/>
+            </a:solidFill>
+          </a:ln>
+        </p:spPr>
+        <p:style>
+          <a:lnRef idx="2">
+            <a:schemeClr val="accent1">
+              <a:shade val="50000"/>
+            </a:schemeClr>
+          </a:lnRef>
+          <a:fillRef idx="1">
+            <a:schemeClr val="accent1"/>
+          </a:fillRef>
+          <a:effectRef idx="0">
+            <a:schemeClr val="accent1"/>
+          </a:effectRef>
+          <a:fontRef idx="minor">
+            <a:schemeClr val="lt1"/>
+          </a:fontRef>
+        </p:style>
+        <p:txBody>
+          <a:bodyPr rtlCol="0" anchor="ctr"/>
+          <a:lstStyle/>
+          <a:p>
+            <a:pPr algn="ctr"/>
+            <a:endParaRPr kumimoji="1" lang="ja-JP" altLang="en-US"/>
+          </a:p>
+        </p:txBody>
+      </p:sp>
+      <p:sp>
+        <p:nvSpPr>
+          <p:cNvPr id="17" name="楕円 16">
+            <a:extLst>
+              <a:ext uri="{FF2B5EF4-FFF2-40B4-BE49-F238E27FC236}">
+                <a16:creationId xmlns:a16="http://schemas.microsoft.com/office/drawing/2014/main" id="{6DED92E4-5C78-2D2B-0637-A4AB26FE8565}"/>
+              </a:ext>
+            </a:extLst>
+          </p:cNvPr>
+          <p:cNvSpPr/>
+          <p:nvPr/>
+        </p:nvSpPr>
+        <p:spPr>
+          <a:xfrm>
+            <a:off x="695400" y="1628800"/>
+            <a:ext cx="2160240" cy="2160240"/>
+          </a:xfrm>
+          <a:prstGeom prst="ellipse">
+            <a:avLst/>
+          </a:prstGeom>
+          <a:noFill/>
+          <a:ln>
+            <a:solidFill>
+              <a:srgbClr val="FF0000"/>
+            </a:solidFill>
+          </a:ln>
+        </p:spPr>
+        <p:style>
+          <a:lnRef idx="2">
+            <a:schemeClr val="accent1">
+              <a:shade val="50000"/>
+            </a:schemeClr>
+          </a:lnRef>
+          <a:fillRef idx="1">
+            <a:schemeClr val="accent1"/>
+          </a:fillRef>
+          <a:effectRef idx="0">
+            <a:schemeClr val="accent1"/>
+          </a:effectRef>
+          <a:fontRef idx="minor">
+            <a:schemeClr val="lt1"/>
+          </a:fontRef>
+        </p:style>
+        <p:txBody>
+          <a:bodyPr rtlCol="0" anchor="ctr"/>
+          <a:lstStyle/>
+          <a:p>
+            <a:pPr algn="ctr"/>
+            <a:endParaRPr kumimoji="1" lang="ja-JP" altLang="en-US"/>
+          </a:p>
+        </p:txBody>
+      </p:sp>
+      <p:cxnSp>
+        <p:nvCxnSpPr>
+          <p:cNvPr id="18" name="直線矢印コネクタ 17">
+            <a:extLst>
+              <a:ext uri="{FF2B5EF4-FFF2-40B4-BE49-F238E27FC236}">
+                <a16:creationId xmlns:a16="http://schemas.microsoft.com/office/drawing/2014/main" id="{70FF1614-27CE-5DC4-1FC6-16DA80AE9C48}"/>
+              </a:ext>
+            </a:extLst>
+          </p:cNvPr>
+          <p:cNvCxnSpPr>
+            <a:cxnSpLocks/>
+          </p:cNvCxnSpPr>
+          <p:nvPr/>
+        </p:nvCxnSpPr>
+        <p:spPr>
+          <a:xfrm flipV="1">
+            <a:off x="5375920" y="1268760"/>
+            <a:ext cx="0" cy="2880320"/>
+          </a:xfrm>
+          <a:prstGeom prst="straightConnector1">
+            <a:avLst/>
+          </a:prstGeom>
+          <a:ln>
+            <a:solidFill>
+              <a:schemeClr val="tx1"/>
+            </a:solidFill>
+            <a:tailEnd type="triangle"/>
+          </a:ln>
+        </p:spPr>
+        <p:style>
+          <a:lnRef idx="1">
+            <a:schemeClr val="accent1"/>
+          </a:lnRef>
+          <a:fillRef idx="0">
+            <a:schemeClr val="accent1"/>
+          </a:fillRef>
+          <a:effectRef idx="0">
+            <a:schemeClr val="accent1"/>
+          </a:effectRef>
+          <a:fontRef idx="minor">
+            <a:schemeClr val="tx1"/>
+          </a:fontRef>
+        </p:style>
+      </p:cxnSp>
+      <p:cxnSp>
+        <p:nvCxnSpPr>
+          <p:cNvPr id="19" name="直線矢印コネクタ 18">
+            <a:extLst>
+              <a:ext uri="{FF2B5EF4-FFF2-40B4-BE49-F238E27FC236}">
+                <a16:creationId xmlns:a16="http://schemas.microsoft.com/office/drawing/2014/main" id="{F44977D7-1528-8A7E-FEAD-332ED2FDC09C}"/>
+              </a:ext>
+            </a:extLst>
+          </p:cNvPr>
+          <p:cNvCxnSpPr>
+            <a:cxnSpLocks/>
+          </p:cNvCxnSpPr>
+          <p:nvPr/>
+        </p:nvCxnSpPr>
+        <p:spPr>
+          <a:xfrm>
+            <a:off x="3935760" y="2708920"/>
+            <a:ext cx="2880320" cy="0"/>
+          </a:xfrm>
+          <a:prstGeom prst="straightConnector1">
+            <a:avLst/>
+          </a:prstGeom>
+          <a:ln>
+            <a:solidFill>
+              <a:schemeClr val="tx1"/>
+            </a:solidFill>
+            <a:tailEnd type="triangle"/>
+          </a:ln>
+        </p:spPr>
+        <p:style>
+          <a:lnRef idx="1">
+            <a:schemeClr val="accent1"/>
+          </a:lnRef>
+          <a:fillRef idx="0">
+            <a:schemeClr val="accent1"/>
+          </a:fillRef>
+          <a:effectRef idx="0">
+            <a:schemeClr val="accent1"/>
+          </a:effectRef>
+          <a:fontRef idx="minor">
+            <a:schemeClr val="tx1"/>
+          </a:fontRef>
+        </p:style>
+      </p:cxnSp>
+      <mc:AlternateContent xmlns:mc="http://schemas.openxmlformats.org/markup-compatibility/2006">
+        <mc:Choice xmlns:a14="http://schemas.microsoft.com/office/drawing/2010/main" Requires="a14">
+          <p:sp>
+            <p:nvSpPr>
+              <p:cNvPr id="20" name="テキスト ボックス 19">
+                <a:extLst>
+                  <a:ext uri="{FF2B5EF4-FFF2-40B4-BE49-F238E27FC236}">
+                    <a16:creationId xmlns:a16="http://schemas.microsoft.com/office/drawing/2014/main" id="{0DE38F2E-9B91-D3DE-8102-A3D7676D0C86}"/>
+                  </a:ext>
+                </a:extLst>
+              </p:cNvPr>
+              <p:cNvSpPr txBox="1"/>
+              <p:nvPr/>
+            </p:nvSpPr>
+            <p:spPr>
+              <a:xfrm>
+                <a:off x="5159896" y="2708920"/>
+                <a:ext cx="214033" cy="276999"/>
+              </a:xfrm>
+              <a:prstGeom prst="rect">
+                <a:avLst/>
+              </a:prstGeom>
+              <a:noFill/>
+            </p:spPr>
+            <p:txBody>
+              <a:bodyPr wrap="none" lIns="0" tIns="0" rIns="0" bIns="0" rtlCol="0">
+                <a:spAutoFit/>
+              </a:bodyPr>
+              <a:lstStyle/>
+              <a:p>
+                <a:pPr/>
+                <a14:m>
+                  <m:oMathPara xmlns:m="http://schemas.openxmlformats.org/officeDocument/2006/math">
+                    <m:oMathParaPr>
+                      <m:jc m:val="centerGroup"/>
+                    </m:oMathParaPr>
+                    <m:oMath xmlns:m="http://schemas.openxmlformats.org/officeDocument/2006/math">
+                      <m:r>
+                        <a:rPr kumimoji="1" lang="en-US" altLang="ja-JP" b="0" i="1" smtClean="0">
+                          <a:latin typeface="Cambria Math" panose="02040503050406030204" pitchFamily="18" charset="0"/>
+                        </a:rPr>
+                        <m:t>𝑂</m:t>
+                      </m:r>
+                    </m:oMath>
+                  </m:oMathPara>
+                </a14:m>
+                <a:endParaRPr kumimoji="1" lang="ja-JP" altLang="en-US" dirty="0"/>
+              </a:p>
+            </p:txBody>
+          </p:sp>
+        </mc:Choice>
+        <mc:Fallback>
+          <p:sp>
+            <p:nvSpPr>
+              <p:cNvPr id="20" name="テキスト ボックス 19">
+                <a:extLst>
+                  <a:ext uri="{FF2B5EF4-FFF2-40B4-BE49-F238E27FC236}">
+                    <a16:creationId xmlns:a16="http://schemas.microsoft.com/office/drawing/2014/main" id="{0DE38F2E-9B91-D3DE-8102-A3D7676D0C86}"/>
+                  </a:ext>
+                </a:extLst>
+              </p:cNvPr>
+              <p:cNvSpPr txBox="1">
+                <a:spLocks noRot="1" noChangeAspect="1" noMove="1" noResize="1" noEditPoints="1" noAdjustHandles="1" noChangeArrowheads="1" noChangeShapeType="1" noTextEdit="1"/>
+              </p:cNvSpPr>
+              <p:nvPr/>
+            </p:nvSpPr>
+            <p:spPr>
+              <a:xfrm>
+                <a:off x="5159896" y="2708920"/>
+                <a:ext cx="214033" cy="276999"/>
+              </a:xfrm>
+              <a:prstGeom prst="rect">
+                <a:avLst/>
+              </a:prstGeom>
+              <a:blipFill>
+                <a:blip r:embed="rId8"/>
+                <a:stretch>
+                  <a:fillRect l="-25000" r="-22222" b="-6522"/>
+                </a:stretch>
+              </a:blipFill>
+            </p:spPr>
+            <p:txBody>
+              <a:bodyPr/>
+              <a:lstStyle/>
+              <a:p>
+                <a:r>
+                  <a:rPr lang="ja-JP" altLang="en-US">
+                    <a:noFill/>
+                  </a:rPr>
+                  <a:t> </a:t>
+                </a:r>
+              </a:p>
+            </p:txBody>
+          </p:sp>
+        </mc:Fallback>
+      </mc:AlternateContent>
+      <mc:AlternateContent xmlns:mc="http://schemas.openxmlformats.org/markup-compatibility/2006">
+        <mc:Choice xmlns:a14="http://schemas.microsoft.com/office/drawing/2010/main" Requires="a14">
+          <p:sp>
+            <p:nvSpPr>
+              <p:cNvPr id="21" name="テキスト ボックス 20">
+                <a:extLst>
+                  <a:ext uri="{FF2B5EF4-FFF2-40B4-BE49-F238E27FC236}">
+                    <a16:creationId xmlns:a16="http://schemas.microsoft.com/office/drawing/2014/main" id="{759924C2-13C1-0A30-B70F-F75577ED2201}"/>
+                  </a:ext>
+                </a:extLst>
+              </p:cNvPr>
+              <p:cNvSpPr txBox="1"/>
+              <p:nvPr/>
+            </p:nvSpPr>
+            <p:spPr>
+              <a:xfrm>
+                <a:off x="6888088" y="2564904"/>
+                <a:ext cx="184922" cy="276999"/>
+              </a:xfrm>
+              <a:prstGeom prst="rect">
+                <a:avLst/>
+              </a:prstGeom>
+              <a:noFill/>
+            </p:spPr>
+            <p:txBody>
+              <a:bodyPr wrap="none" lIns="0" tIns="0" rIns="0" bIns="0" rtlCol="0">
+                <a:spAutoFit/>
+              </a:bodyPr>
+              <a:lstStyle/>
+              <a:p>
+                <a:pPr/>
+                <a14:m>
+                  <m:oMathPara xmlns:m="http://schemas.openxmlformats.org/officeDocument/2006/math">
+                    <m:oMathParaPr>
+                      <m:jc m:val="centerGroup"/>
+                    </m:oMathParaPr>
+                    <m:oMath xmlns:m="http://schemas.openxmlformats.org/officeDocument/2006/math">
+                      <m:r>
+                        <a:rPr kumimoji="1" lang="en-US" altLang="ja-JP" b="0" i="1" smtClean="0">
+                          <a:latin typeface="Cambria Math" panose="02040503050406030204" pitchFamily="18" charset="0"/>
+                        </a:rPr>
+                        <m:t>𝑞</m:t>
+                      </m:r>
+                    </m:oMath>
+                  </m:oMathPara>
+                </a14:m>
+                <a:endParaRPr kumimoji="1" lang="ja-JP" altLang="en-US" dirty="0"/>
+              </a:p>
+            </p:txBody>
+          </p:sp>
+        </mc:Choice>
+        <mc:Fallback>
+          <p:sp>
+            <p:nvSpPr>
+              <p:cNvPr id="21" name="テキスト ボックス 20">
+                <a:extLst>
+                  <a:ext uri="{FF2B5EF4-FFF2-40B4-BE49-F238E27FC236}">
+                    <a16:creationId xmlns:a16="http://schemas.microsoft.com/office/drawing/2014/main" id="{759924C2-13C1-0A30-B70F-F75577ED2201}"/>
+                  </a:ext>
+                </a:extLst>
+              </p:cNvPr>
+              <p:cNvSpPr txBox="1">
+                <a:spLocks noRot="1" noChangeAspect="1" noMove="1" noResize="1" noEditPoints="1" noAdjustHandles="1" noChangeArrowheads="1" noChangeShapeType="1" noTextEdit="1"/>
+              </p:cNvSpPr>
+              <p:nvPr/>
+            </p:nvSpPr>
+            <p:spPr>
+              <a:xfrm>
+                <a:off x="6888088" y="2564904"/>
+                <a:ext cx="184922" cy="276999"/>
+              </a:xfrm>
+              <a:prstGeom prst="rect">
+                <a:avLst/>
+              </a:prstGeom>
+              <a:blipFill>
+                <a:blip r:embed="rId9"/>
+                <a:stretch>
+                  <a:fillRect l="-33333" r="-26667" b="-26667"/>
+                </a:stretch>
+              </a:blipFill>
+            </p:spPr>
+            <p:txBody>
+              <a:bodyPr/>
+              <a:lstStyle/>
+              <a:p>
+                <a:r>
+                  <a:rPr lang="ja-JP" altLang="en-US">
+                    <a:noFill/>
+                  </a:rPr>
+                  <a:t> </a:t>
+                </a:r>
+              </a:p>
+            </p:txBody>
+          </p:sp>
+        </mc:Fallback>
+      </mc:AlternateContent>
+      <mc:AlternateContent xmlns:mc="http://schemas.openxmlformats.org/markup-compatibility/2006">
+        <mc:Choice xmlns:a14="http://schemas.microsoft.com/office/drawing/2010/main" Requires="a14">
+          <p:sp>
+            <p:nvSpPr>
+              <p:cNvPr id="22" name="テキスト ボックス 21">
+                <a:extLst>
+                  <a:ext uri="{FF2B5EF4-FFF2-40B4-BE49-F238E27FC236}">
+                    <a16:creationId xmlns:a16="http://schemas.microsoft.com/office/drawing/2014/main" id="{01C88BB4-D8E9-028F-5C67-C8F06558B175}"/>
+                  </a:ext>
+                </a:extLst>
+              </p:cNvPr>
+              <p:cNvSpPr txBox="1"/>
+              <p:nvPr/>
+            </p:nvSpPr>
+            <p:spPr>
+              <a:xfrm>
+                <a:off x="5303912" y="908720"/>
+                <a:ext cx="183961" cy="276999"/>
+              </a:xfrm>
+              <a:prstGeom prst="rect">
+                <a:avLst/>
+              </a:prstGeom>
+              <a:noFill/>
+            </p:spPr>
+            <p:txBody>
+              <a:bodyPr wrap="none" lIns="0" tIns="0" rIns="0" bIns="0" rtlCol="0">
+                <a:spAutoFit/>
+              </a:bodyPr>
+              <a:lstStyle/>
+              <a:p>
+                <a:pPr/>
+                <a14:m>
+                  <m:oMathPara xmlns:m="http://schemas.openxmlformats.org/officeDocument/2006/math">
+                    <m:oMathParaPr>
+                      <m:jc m:val="centerGroup"/>
+                    </m:oMathParaPr>
+                    <m:oMath xmlns:m="http://schemas.openxmlformats.org/officeDocument/2006/math">
+                      <m:r>
+                        <a:rPr kumimoji="1" lang="en-US" altLang="ja-JP" b="0" i="1" smtClean="0">
+                          <a:latin typeface="Cambria Math" panose="02040503050406030204" pitchFamily="18" charset="0"/>
+                        </a:rPr>
+                        <m:t>𝑝</m:t>
+                      </m:r>
+                    </m:oMath>
+                  </m:oMathPara>
+                </a14:m>
+                <a:endParaRPr kumimoji="1" lang="ja-JP" altLang="en-US" dirty="0"/>
+              </a:p>
+            </p:txBody>
+          </p:sp>
+        </mc:Choice>
+        <mc:Fallback>
+          <p:sp>
+            <p:nvSpPr>
+              <p:cNvPr id="22" name="テキスト ボックス 21">
+                <a:extLst>
+                  <a:ext uri="{FF2B5EF4-FFF2-40B4-BE49-F238E27FC236}">
+                    <a16:creationId xmlns:a16="http://schemas.microsoft.com/office/drawing/2014/main" id="{01C88BB4-D8E9-028F-5C67-C8F06558B175}"/>
+                  </a:ext>
+                </a:extLst>
+              </p:cNvPr>
+              <p:cNvSpPr txBox="1">
+                <a:spLocks noRot="1" noChangeAspect="1" noMove="1" noResize="1" noEditPoints="1" noAdjustHandles="1" noChangeArrowheads="1" noChangeShapeType="1" noTextEdit="1"/>
+              </p:cNvSpPr>
+              <p:nvPr/>
+            </p:nvSpPr>
+            <p:spPr>
+              <a:xfrm>
+                <a:off x="5303912" y="908720"/>
+                <a:ext cx="183961" cy="276999"/>
+              </a:xfrm>
+              <a:prstGeom prst="rect">
+                <a:avLst/>
+              </a:prstGeom>
+              <a:blipFill>
+                <a:blip r:embed="rId10"/>
+                <a:stretch>
+                  <a:fillRect l="-33333" r="-30000" b="-23913"/>
+                </a:stretch>
+              </a:blipFill>
+            </p:spPr>
+            <p:txBody>
+              <a:bodyPr/>
+              <a:lstStyle/>
+              <a:p>
+                <a:r>
+                  <a:rPr lang="ja-JP" altLang="en-US">
+                    <a:noFill/>
+                  </a:rPr>
+                  <a:t> </a:t>
+                </a:r>
+              </a:p>
+            </p:txBody>
+          </p:sp>
+        </mc:Fallback>
+      </mc:AlternateContent>
+      <p:sp>
+        <p:nvSpPr>
+          <p:cNvPr id="23" name="楕円 22">
+            <a:extLst>
+              <a:ext uri="{FF2B5EF4-FFF2-40B4-BE49-F238E27FC236}">
+                <a16:creationId xmlns:a16="http://schemas.microsoft.com/office/drawing/2014/main" id="{6E84599B-2E85-6B1B-9315-BCFD460C3AEB}"/>
+              </a:ext>
+            </a:extLst>
+          </p:cNvPr>
+          <p:cNvSpPr/>
+          <p:nvPr/>
+        </p:nvSpPr>
+        <p:spPr>
+          <a:xfrm>
+            <a:off x="5015880" y="2348880"/>
+            <a:ext cx="720080" cy="720080"/>
+          </a:xfrm>
+          <a:prstGeom prst="ellipse">
+            <a:avLst/>
+          </a:prstGeom>
+          <a:noFill/>
+          <a:ln>
+            <a:solidFill>
+              <a:schemeClr val="bg1">
+                <a:lumMod val="50000"/>
+              </a:schemeClr>
+            </a:solidFill>
+          </a:ln>
+        </p:spPr>
+        <p:style>
+          <a:lnRef idx="2">
+            <a:schemeClr val="accent1">
+              <a:shade val="50000"/>
+            </a:schemeClr>
+          </a:lnRef>
+          <a:fillRef idx="1">
+            <a:schemeClr val="accent1"/>
+          </a:fillRef>
+          <a:effectRef idx="0">
+            <a:schemeClr val="accent1"/>
+          </a:effectRef>
+          <a:fontRef idx="minor">
+            <a:schemeClr val="lt1"/>
+          </a:fontRef>
+        </p:style>
+        <p:txBody>
+          <a:bodyPr rtlCol="0" anchor="ctr"/>
+          <a:lstStyle/>
+          <a:p>
+            <a:pPr algn="ctr"/>
+            <a:endParaRPr kumimoji="1" lang="ja-JP" altLang="en-US"/>
+          </a:p>
+        </p:txBody>
+      </p:sp>
+      <p:sp>
+        <p:nvSpPr>
+          <p:cNvPr id="24" name="楕円 23">
+            <a:extLst>
+              <a:ext uri="{FF2B5EF4-FFF2-40B4-BE49-F238E27FC236}">
+                <a16:creationId xmlns:a16="http://schemas.microsoft.com/office/drawing/2014/main" id="{409900AB-E7AA-9281-1965-BA8359A84D91}"/>
+              </a:ext>
+            </a:extLst>
+          </p:cNvPr>
+          <p:cNvSpPr/>
+          <p:nvPr/>
+        </p:nvSpPr>
+        <p:spPr>
+          <a:xfrm>
+            <a:off x="4655840" y="1988840"/>
+            <a:ext cx="1440160" cy="1440160"/>
+          </a:xfrm>
+          <a:prstGeom prst="ellipse">
+            <a:avLst/>
+          </a:prstGeom>
+          <a:noFill/>
+          <a:ln>
+            <a:solidFill>
+              <a:schemeClr val="bg1">
+                <a:lumMod val="50000"/>
+              </a:schemeClr>
+            </a:solidFill>
+          </a:ln>
+        </p:spPr>
+        <p:style>
+          <a:lnRef idx="2">
+            <a:schemeClr val="accent1">
+              <a:shade val="50000"/>
+            </a:schemeClr>
+          </a:lnRef>
+          <a:fillRef idx="1">
+            <a:schemeClr val="accent1"/>
+          </a:fillRef>
+          <a:effectRef idx="0">
+            <a:schemeClr val="accent1"/>
+          </a:effectRef>
+          <a:fontRef idx="minor">
+            <a:schemeClr val="lt1"/>
+          </a:fontRef>
+        </p:style>
+        <p:txBody>
+          <a:bodyPr rtlCol="0" anchor="ctr"/>
+          <a:lstStyle/>
+          <a:p>
+            <a:pPr algn="ctr"/>
+            <a:endParaRPr kumimoji="1" lang="ja-JP" altLang="en-US"/>
+          </a:p>
+        </p:txBody>
+      </p:sp>
+      <p:sp>
+        <p:nvSpPr>
+          <p:cNvPr id="25" name="楕円 24">
+            <a:extLst>
+              <a:ext uri="{FF2B5EF4-FFF2-40B4-BE49-F238E27FC236}">
+                <a16:creationId xmlns:a16="http://schemas.microsoft.com/office/drawing/2014/main" id="{F816D32C-11D6-F358-DB4C-0F983A4728EF}"/>
+              </a:ext>
+            </a:extLst>
+          </p:cNvPr>
+          <p:cNvSpPr/>
+          <p:nvPr/>
+        </p:nvSpPr>
+        <p:spPr>
+          <a:xfrm>
+            <a:off x="4295800" y="1628800"/>
+            <a:ext cx="2160240" cy="2160240"/>
+          </a:xfrm>
+          <a:prstGeom prst="ellipse">
+            <a:avLst/>
+          </a:prstGeom>
+          <a:noFill/>
+          <a:ln>
+            <a:solidFill>
+              <a:schemeClr val="bg1">
+                <a:lumMod val="50000"/>
+              </a:schemeClr>
+            </a:solidFill>
+          </a:ln>
+        </p:spPr>
+        <p:style>
+          <a:lnRef idx="2">
+            <a:schemeClr val="accent1">
+              <a:shade val="50000"/>
+            </a:schemeClr>
+          </a:lnRef>
+          <a:fillRef idx="1">
+            <a:schemeClr val="accent1"/>
+          </a:fillRef>
+          <a:effectRef idx="0">
+            <a:schemeClr val="accent1"/>
+          </a:effectRef>
+          <a:fontRef idx="minor">
+            <a:schemeClr val="lt1"/>
+          </a:fontRef>
+        </p:style>
+        <p:txBody>
+          <a:bodyPr rtlCol="0" anchor="ctr"/>
+          <a:lstStyle/>
+          <a:p>
+            <a:pPr algn="ctr"/>
+            <a:endParaRPr kumimoji="1" lang="ja-JP" altLang="en-US"/>
+          </a:p>
+        </p:txBody>
+      </p:sp>
+      <p:cxnSp>
+        <p:nvCxnSpPr>
+          <p:cNvPr id="27" name="直線矢印コネクタ 26">
+            <a:extLst>
+              <a:ext uri="{FF2B5EF4-FFF2-40B4-BE49-F238E27FC236}">
+                <a16:creationId xmlns:a16="http://schemas.microsoft.com/office/drawing/2014/main" id="{0D7EAC9A-464C-F12D-EF34-9DDDA6508A2E}"/>
+              </a:ext>
+            </a:extLst>
+          </p:cNvPr>
+          <p:cNvCxnSpPr>
+            <a:stCxn id="23" idx="6"/>
+            <a:endCxn id="24" idx="6"/>
+          </p:cNvCxnSpPr>
+          <p:nvPr/>
+        </p:nvCxnSpPr>
+        <p:spPr>
+          <a:xfrm>
+            <a:off x="5735960" y="2708920"/>
+            <a:ext cx="360040" cy="0"/>
+          </a:xfrm>
+          <a:prstGeom prst="straightConnector1">
+            <a:avLst/>
+          </a:prstGeom>
+          <a:ln w="19050">
+            <a:solidFill>
+              <a:srgbClr val="FF0000"/>
+            </a:solidFill>
+            <a:tailEnd type="triangle"/>
+          </a:ln>
+        </p:spPr>
+        <p:style>
+          <a:lnRef idx="1">
+            <a:schemeClr val="accent1"/>
+          </a:lnRef>
+          <a:fillRef idx="0">
+            <a:schemeClr val="accent1"/>
+          </a:fillRef>
+          <a:effectRef idx="0">
+            <a:schemeClr val="accent1"/>
+          </a:effectRef>
+          <a:fontRef idx="minor">
+            <a:schemeClr val="tx1"/>
+          </a:fontRef>
+        </p:style>
+      </p:cxnSp>
+      <p:cxnSp>
+        <p:nvCxnSpPr>
+          <p:cNvPr id="28" name="直線矢印コネクタ 27">
+            <a:extLst>
+              <a:ext uri="{FF2B5EF4-FFF2-40B4-BE49-F238E27FC236}">
+                <a16:creationId xmlns:a16="http://schemas.microsoft.com/office/drawing/2014/main" id="{DFC65578-DE24-0C04-B881-AB88300AE289}"/>
+              </a:ext>
+            </a:extLst>
+          </p:cNvPr>
+          <p:cNvCxnSpPr/>
+          <p:nvPr/>
+        </p:nvCxnSpPr>
+        <p:spPr>
+          <a:xfrm>
+            <a:off x="6096000" y="2708920"/>
+            <a:ext cx="360040" cy="0"/>
+          </a:xfrm>
+          <a:prstGeom prst="straightConnector1">
+            <a:avLst/>
+          </a:prstGeom>
+          <a:ln w="19050">
+            <a:solidFill>
+              <a:srgbClr val="FF0000"/>
+            </a:solidFill>
+            <a:tailEnd type="triangle"/>
+          </a:ln>
+        </p:spPr>
+        <p:style>
+          <a:lnRef idx="1">
+            <a:schemeClr val="accent1"/>
+          </a:lnRef>
+          <a:fillRef idx="0">
+            <a:schemeClr val="accent1"/>
+          </a:fillRef>
+          <a:effectRef idx="0">
+            <a:schemeClr val="accent1"/>
+          </a:effectRef>
+          <a:fontRef idx="minor">
+            <a:schemeClr val="tx1"/>
+          </a:fontRef>
+        </p:style>
+      </p:cxnSp>
+      <p:cxnSp>
+        <p:nvCxnSpPr>
+          <p:cNvPr id="29" name="直線矢印コネクタ 28">
+            <a:extLst>
+              <a:ext uri="{FF2B5EF4-FFF2-40B4-BE49-F238E27FC236}">
+                <a16:creationId xmlns:a16="http://schemas.microsoft.com/office/drawing/2014/main" id="{BAE85195-6229-A28D-1379-BBE348449F06}"/>
+              </a:ext>
+            </a:extLst>
+          </p:cNvPr>
+          <p:cNvCxnSpPr/>
+          <p:nvPr/>
+        </p:nvCxnSpPr>
+        <p:spPr>
+          <a:xfrm>
+            <a:off x="6456040" y="2708920"/>
+            <a:ext cx="360040" cy="0"/>
+          </a:xfrm>
+          <a:prstGeom prst="straightConnector1">
+            <a:avLst/>
+          </a:prstGeom>
+          <a:ln w="19050">
+            <a:solidFill>
+              <a:srgbClr val="FF0000"/>
+            </a:solidFill>
+            <a:tailEnd type="triangle"/>
+          </a:ln>
+        </p:spPr>
+        <p:style>
+          <a:lnRef idx="1">
+            <a:schemeClr val="accent1"/>
+          </a:lnRef>
+          <a:fillRef idx="0">
+            <a:schemeClr val="accent1"/>
+          </a:fillRef>
+          <a:effectRef idx="0">
+            <a:schemeClr val="accent1"/>
+          </a:effectRef>
+          <a:fontRef idx="minor">
+            <a:schemeClr val="tx1"/>
+          </a:fontRef>
+        </p:style>
+      </p:cxnSp>
+      <p:cxnSp>
+        <p:nvCxnSpPr>
+          <p:cNvPr id="30" name="直線矢印コネクタ 29">
+            <a:extLst>
+              <a:ext uri="{FF2B5EF4-FFF2-40B4-BE49-F238E27FC236}">
+                <a16:creationId xmlns:a16="http://schemas.microsoft.com/office/drawing/2014/main" id="{93B597C4-8591-115E-38C0-05CB5D409EA5}"/>
+              </a:ext>
+            </a:extLst>
+          </p:cNvPr>
+          <p:cNvCxnSpPr>
+            <a:cxnSpLocks/>
+            <a:endCxn id="24" idx="4"/>
+          </p:cNvCxnSpPr>
+          <p:nvPr/>
+        </p:nvCxnSpPr>
+        <p:spPr>
+          <a:xfrm>
+            <a:off x="5375920" y="3068960"/>
+            <a:ext cx="0" cy="360040"/>
+          </a:xfrm>
+          <a:prstGeom prst="straightConnector1">
+            <a:avLst/>
+          </a:prstGeom>
+          <a:ln w="19050">
+            <a:solidFill>
+              <a:srgbClr val="FF0000"/>
+            </a:solidFill>
+            <a:tailEnd type="triangle"/>
+          </a:ln>
+        </p:spPr>
+        <p:style>
+          <a:lnRef idx="1">
+            <a:schemeClr val="accent1"/>
+          </a:lnRef>
+          <a:fillRef idx="0">
+            <a:schemeClr val="accent1"/>
+          </a:fillRef>
+          <a:effectRef idx="0">
+            <a:schemeClr val="accent1"/>
+          </a:effectRef>
+          <a:fontRef idx="minor">
+            <a:schemeClr val="tx1"/>
+          </a:fontRef>
+        </p:style>
+      </p:cxnSp>
+      <p:cxnSp>
+        <p:nvCxnSpPr>
+          <p:cNvPr id="33" name="直線矢印コネクタ 32">
+            <a:extLst>
+              <a:ext uri="{FF2B5EF4-FFF2-40B4-BE49-F238E27FC236}">
+                <a16:creationId xmlns:a16="http://schemas.microsoft.com/office/drawing/2014/main" id="{A18A077C-8022-4E90-C57A-4A0ADCED2799}"/>
+              </a:ext>
+            </a:extLst>
+          </p:cNvPr>
+          <p:cNvCxnSpPr>
+            <a:cxnSpLocks/>
+          </p:cNvCxnSpPr>
+          <p:nvPr/>
+        </p:nvCxnSpPr>
+        <p:spPr>
+          <a:xfrm>
+            <a:off x="5375920" y="3429000"/>
+            <a:ext cx="0" cy="360040"/>
+          </a:xfrm>
+          <a:prstGeom prst="straightConnector1">
+            <a:avLst/>
+          </a:prstGeom>
+          <a:ln w="19050">
+            <a:solidFill>
+              <a:srgbClr val="FF0000"/>
+            </a:solidFill>
+            <a:tailEnd type="triangle"/>
+          </a:ln>
+        </p:spPr>
+        <p:style>
+          <a:lnRef idx="1">
+            <a:schemeClr val="accent1"/>
+          </a:lnRef>
+          <a:fillRef idx="0">
+            <a:schemeClr val="accent1"/>
+          </a:fillRef>
+          <a:effectRef idx="0">
+            <a:schemeClr val="accent1"/>
+          </a:effectRef>
+          <a:fontRef idx="minor">
+            <a:schemeClr val="tx1"/>
+          </a:fontRef>
+        </p:style>
+      </p:cxnSp>
+      <p:cxnSp>
+        <p:nvCxnSpPr>
+          <p:cNvPr id="34" name="直線矢印コネクタ 33">
+            <a:extLst>
+              <a:ext uri="{FF2B5EF4-FFF2-40B4-BE49-F238E27FC236}">
+                <a16:creationId xmlns:a16="http://schemas.microsoft.com/office/drawing/2014/main" id="{67DF7674-E028-FDDC-B535-00E9BF1F98CE}"/>
+              </a:ext>
+            </a:extLst>
+          </p:cNvPr>
+          <p:cNvCxnSpPr>
+            <a:cxnSpLocks/>
+          </p:cNvCxnSpPr>
+          <p:nvPr/>
+        </p:nvCxnSpPr>
+        <p:spPr>
+          <a:xfrm>
+            <a:off x="5375920" y="3789040"/>
+            <a:ext cx="0" cy="360040"/>
+          </a:xfrm>
+          <a:prstGeom prst="straightConnector1">
+            <a:avLst/>
+          </a:prstGeom>
+          <a:ln w="19050">
+            <a:solidFill>
+              <a:srgbClr val="FF0000"/>
+            </a:solidFill>
+            <a:tailEnd type="triangle"/>
+          </a:ln>
+        </p:spPr>
+        <p:style>
+          <a:lnRef idx="1">
+            <a:schemeClr val="accent1"/>
+          </a:lnRef>
+          <a:fillRef idx="0">
+            <a:schemeClr val="accent1"/>
+          </a:fillRef>
+          <a:effectRef idx="0">
+            <a:schemeClr val="accent1"/>
+          </a:effectRef>
+          <a:fontRef idx="minor">
+            <a:schemeClr val="tx1"/>
+          </a:fontRef>
+        </p:style>
+      </p:cxnSp>
+      <p:cxnSp>
+        <p:nvCxnSpPr>
+          <p:cNvPr id="35" name="直線矢印コネクタ 34">
+            <a:extLst>
+              <a:ext uri="{FF2B5EF4-FFF2-40B4-BE49-F238E27FC236}">
+                <a16:creationId xmlns:a16="http://schemas.microsoft.com/office/drawing/2014/main" id="{8305AE2E-638D-47AE-0F35-5B4E32F613C5}"/>
+              </a:ext>
+            </a:extLst>
+          </p:cNvPr>
+          <p:cNvCxnSpPr>
+            <a:cxnSpLocks/>
+          </p:cNvCxnSpPr>
+          <p:nvPr/>
+        </p:nvCxnSpPr>
+        <p:spPr>
+          <a:xfrm flipH="1">
+            <a:off x="4655840" y="2708920"/>
+            <a:ext cx="368424" cy="0"/>
+          </a:xfrm>
+          <a:prstGeom prst="straightConnector1">
+            <a:avLst/>
+          </a:prstGeom>
+          <a:ln w="19050">
+            <a:solidFill>
+              <a:srgbClr val="FF0000"/>
+            </a:solidFill>
+            <a:tailEnd type="triangle"/>
+          </a:ln>
+        </p:spPr>
+        <p:style>
+          <a:lnRef idx="1">
+            <a:schemeClr val="accent1"/>
+          </a:lnRef>
+          <a:fillRef idx="0">
+            <a:schemeClr val="accent1"/>
+          </a:fillRef>
+          <a:effectRef idx="0">
+            <a:schemeClr val="accent1"/>
+          </a:effectRef>
+          <a:fontRef idx="minor">
+            <a:schemeClr val="tx1"/>
+          </a:fontRef>
+        </p:style>
+      </p:cxnSp>
+      <p:cxnSp>
+        <p:nvCxnSpPr>
+          <p:cNvPr id="37" name="直線矢印コネクタ 36">
+            <a:extLst>
+              <a:ext uri="{FF2B5EF4-FFF2-40B4-BE49-F238E27FC236}">
+                <a16:creationId xmlns:a16="http://schemas.microsoft.com/office/drawing/2014/main" id="{9F1FBA70-306A-469D-7DE8-DC71E941EAFA}"/>
+              </a:ext>
+            </a:extLst>
+          </p:cNvPr>
+          <p:cNvCxnSpPr>
+            <a:cxnSpLocks/>
+          </p:cNvCxnSpPr>
+          <p:nvPr/>
+        </p:nvCxnSpPr>
+        <p:spPr>
+          <a:xfrm flipH="1">
+            <a:off x="4295800" y="2708920"/>
+            <a:ext cx="368424" cy="0"/>
+          </a:xfrm>
+          <a:prstGeom prst="straightConnector1">
+            <a:avLst/>
+          </a:prstGeom>
+          <a:ln w="19050">
+            <a:solidFill>
+              <a:srgbClr val="FF0000"/>
+            </a:solidFill>
+            <a:tailEnd type="triangle"/>
+          </a:ln>
+        </p:spPr>
+        <p:style>
+          <a:lnRef idx="1">
+            <a:schemeClr val="accent1"/>
+          </a:lnRef>
+          <a:fillRef idx="0">
+            <a:schemeClr val="accent1"/>
+          </a:fillRef>
+          <a:effectRef idx="0">
+            <a:schemeClr val="accent1"/>
+          </a:effectRef>
+          <a:fontRef idx="minor">
+            <a:schemeClr val="tx1"/>
+          </a:fontRef>
+        </p:style>
+      </p:cxnSp>
+      <p:cxnSp>
+        <p:nvCxnSpPr>
+          <p:cNvPr id="38" name="直線矢印コネクタ 37">
+            <a:extLst>
+              <a:ext uri="{FF2B5EF4-FFF2-40B4-BE49-F238E27FC236}">
+                <a16:creationId xmlns:a16="http://schemas.microsoft.com/office/drawing/2014/main" id="{BEDD0F59-12B0-462A-E8A4-CA7CB11FD13C}"/>
+              </a:ext>
+            </a:extLst>
+          </p:cNvPr>
+          <p:cNvCxnSpPr>
+            <a:cxnSpLocks/>
+          </p:cNvCxnSpPr>
+          <p:nvPr/>
+        </p:nvCxnSpPr>
+        <p:spPr>
+          <a:xfrm flipH="1">
+            <a:off x="3935760" y="2708920"/>
+            <a:ext cx="368424" cy="0"/>
+          </a:xfrm>
+          <a:prstGeom prst="straightConnector1">
+            <a:avLst/>
+          </a:prstGeom>
+          <a:ln w="19050">
+            <a:solidFill>
+              <a:srgbClr val="FF0000"/>
+            </a:solidFill>
+            <a:tailEnd type="triangle"/>
+          </a:ln>
+        </p:spPr>
+        <p:style>
+          <a:lnRef idx="1">
+            <a:schemeClr val="accent1"/>
+          </a:lnRef>
+          <a:fillRef idx="0">
+            <a:schemeClr val="accent1"/>
+          </a:fillRef>
+          <a:effectRef idx="0">
+            <a:schemeClr val="accent1"/>
+          </a:effectRef>
+          <a:fontRef idx="minor">
+            <a:schemeClr val="tx1"/>
+          </a:fontRef>
+        </p:style>
+      </p:cxnSp>
+      <p:cxnSp>
+        <p:nvCxnSpPr>
+          <p:cNvPr id="39" name="直線矢印コネクタ 38">
+            <a:extLst>
+              <a:ext uri="{FF2B5EF4-FFF2-40B4-BE49-F238E27FC236}">
+                <a16:creationId xmlns:a16="http://schemas.microsoft.com/office/drawing/2014/main" id="{F138BFDE-FFC7-97CE-C43B-0E7C0D4BCF63}"/>
+              </a:ext>
+            </a:extLst>
+          </p:cNvPr>
+          <p:cNvCxnSpPr>
+            <a:cxnSpLocks/>
+            <a:stCxn id="23" idx="0"/>
+          </p:cNvCxnSpPr>
+          <p:nvPr/>
+        </p:nvCxnSpPr>
+        <p:spPr>
+          <a:xfrm flipV="1">
+            <a:off x="5375920" y="1988840"/>
+            <a:ext cx="0" cy="360040"/>
+          </a:xfrm>
+          <a:prstGeom prst="straightConnector1">
+            <a:avLst/>
+          </a:prstGeom>
+          <a:ln w="19050">
+            <a:solidFill>
+              <a:srgbClr val="FF0000"/>
+            </a:solidFill>
+            <a:tailEnd type="triangle"/>
+          </a:ln>
+        </p:spPr>
+        <p:style>
+          <a:lnRef idx="1">
+            <a:schemeClr val="accent1"/>
+          </a:lnRef>
+          <a:fillRef idx="0">
+            <a:schemeClr val="accent1"/>
+          </a:fillRef>
+          <a:effectRef idx="0">
+            <a:schemeClr val="accent1"/>
+          </a:effectRef>
+          <a:fontRef idx="minor">
+            <a:schemeClr val="tx1"/>
+          </a:fontRef>
+        </p:style>
+      </p:cxnSp>
+      <p:cxnSp>
+        <p:nvCxnSpPr>
+          <p:cNvPr id="42" name="直線矢印コネクタ 41">
+            <a:extLst>
+              <a:ext uri="{FF2B5EF4-FFF2-40B4-BE49-F238E27FC236}">
+                <a16:creationId xmlns:a16="http://schemas.microsoft.com/office/drawing/2014/main" id="{0406AB17-812C-E091-41E2-B066175A9795}"/>
+              </a:ext>
+            </a:extLst>
+          </p:cNvPr>
+          <p:cNvCxnSpPr>
+            <a:cxnSpLocks/>
+          </p:cNvCxnSpPr>
+          <p:nvPr/>
+        </p:nvCxnSpPr>
+        <p:spPr>
+          <a:xfrm flipV="1">
+            <a:off x="5375920" y="1628800"/>
+            <a:ext cx="0" cy="360040"/>
+          </a:xfrm>
+          <a:prstGeom prst="straightConnector1">
+            <a:avLst/>
+          </a:prstGeom>
+          <a:ln w="19050">
+            <a:solidFill>
+              <a:srgbClr val="FF0000"/>
+            </a:solidFill>
+            <a:tailEnd type="triangle"/>
+          </a:ln>
+        </p:spPr>
+        <p:style>
+          <a:lnRef idx="1">
+            <a:schemeClr val="accent1"/>
+          </a:lnRef>
+          <a:fillRef idx="0">
+            <a:schemeClr val="accent1"/>
+          </a:fillRef>
+          <a:effectRef idx="0">
+            <a:schemeClr val="accent1"/>
+          </a:effectRef>
+          <a:fontRef idx="minor">
+            <a:schemeClr val="tx1"/>
+          </a:fontRef>
+        </p:style>
+      </p:cxnSp>
+      <p:cxnSp>
+        <p:nvCxnSpPr>
+          <p:cNvPr id="43" name="直線矢印コネクタ 42">
+            <a:extLst>
+              <a:ext uri="{FF2B5EF4-FFF2-40B4-BE49-F238E27FC236}">
+                <a16:creationId xmlns:a16="http://schemas.microsoft.com/office/drawing/2014/main" id="{0AD1401C-3560-7E42-E019-DC5584438B01}"/>
+              </a:ext>
+            </a:extLst>
+          </p:cNvPr>
+          <p:cNvCxnSpPr>
+            <a:cxnSpLocks/>
+          </p:cNvCxnSpPr>
+          <p:nvPr/>
+        </p:nvCxnSpPr>
+        <p:spPr>
+          <a:xfrm flipV="1">
+            <a:off x="5375920" y="1268760"/>
+            <a:ext cx="0" cy="360040"/>
+          </a:xfrm>
+          <a:prstGeom prst="straightConnector1">
+            <a:avLst/>
+          </a:prstGeom>
+          <a:ln w="19050">
+            <a:solidFill>
+              <a:srgbClr val="FF0000"/>
+            </a:solidFill>
+            <a:tailEnd type="triangle"/>
+          </a:ln>
+        </p:spPr>
+        <p:style>
+          <a:lnRef idx="1">
+            <a:schemeClr val="accent1"/>
+          </a:lnRef>
+          <a:fillRef idx="0">
+            <a:schemeClr val="accent1"/>
+          </a:fillRef>
+          <a:effectRef idx="0">
+            <a:schemeClr val="accent1"/>
+          </a:effectRef>
+          <a:fontRef idx="minor">
+            <a:schemeClr val="tx1"/>
+          </a:fontRef>
+        </p:style>
+      </p:cxnSp>
+      <p:cxnSp>
+        <p:nvCxnSpPr>
+          <p:cNvPr id="45" name="直線矢印コネクタ 44">
+            <a:extLst>
+              <a:ext uri="{FF2B5EF4-FFF2-40B4-BE49-F238E27FC236}">
+                <a16:creationId xmlns:a16="http://schemas.microsoft.com/office/drawing/2014/main" id="{B67EA62D-674B-F5A8-279A-FBE2A67C8FCE}"/>
+              </a:ext>
+            </a:extLst>
+          </p:cNvPr>
+          <p:cNvCxnSpPr>
+            <a:cxnSpLocks/>
+          </p:cNvCxnSpPr>
+          <p:nvPr/>
+        </p:nvCxnSpPr>
+        <p:spPr>
+          <a:xfrm flipV="1">
+            <a:off x="9048328" y="1268760"/>
+            <a:ext cx="0" cy="2880320"/>
+          </a:xfrm>
+          <a:prstGeom prst="straightConnector1">
+            <a:avLst/>
+          </a:prstGeom>
+          <a:ln>
+            <a:solidFill>
+              <a:schemeClr val="tx1"/>
+            </a:solidFill>
+            <a:tailEnd type="triangle"/>
+          </a:ln>
+        </p:spPr>
+        <p:style>
+          <a:lnRef idx="1">
+            <a:schemeClr val="accent1"/>
+          </a:lnRef>
+          <a:fillRef idx="0">
+            <a:schemeClr val="accent1"/>
+          </a:fillRef>
+          <a:effectRef idx="0">
+            <a:schemeClr val="accent1"/>
+          </a:effectRef>
+          <a:fontRef idx="minor">
+            <a:schemeClr val="tx1"/>
+          </a:fontRef>
+        </p:style>
+      </p:cxnSp>
+      <p:cxnSp>
+        <p:nvCxnSpPr>
+          <p:cNvPr id="46" name="直線矢印コネクタ 45">
+            <a:extLst>
+              <a:ext uri="{FF2B5EF4-FFF2-40B4-BE49-F238E27FC236}">
+                <a16:creationId xmlns:a16="http://schemas.microsoft.com/office/drawing/2014/main" id="{3CD4AD3B-8839-157B-921B-579E6253E4D6}"/>
+              </a:ext>
+            </a:extLst>
+          </p:cNvPr>
+          <p:cNvCxnSpPr>
+            <a:cxnSpLocks/>
+          </p:cNvCxnSpPr>
+          <p:nvPr/>
+        </p:nvCxnSpPr>
+        <p:spPr>
+          <a:xfrm>
+            <a:off x="7608168" y="2708920"/>
+            <a:ext cx="2880320" cy="0"/>
+          </a:xfrm>
+          <a:prstGeom prst="straightConnector1">
+            <a:avLst/>
+          </a:prstGeom>
+          <a:ln>
+            <a:solidFill>
+              <a:schemeClr val="tx1"/>
+            </a:solidFill>
+            <a:tailEnd type="triangle"/>
+          </a:ln>
+        </p:spPr>
+        <p:style>
+          <a:lnRef idx="1">
+            <a:schemeClr val="accent1"/>
+          </a:lnRef>
+          <a:fillRef idx="0">
+            <a:schemeClr val="accent1"/>
+          </a:fillRef>
+          <a:effectRef idx="0">
+            <a:schemeClr val="accent1"/>
+          </a:effectRef>
+          <a:fontRef idx="minor">
+            <a:schemeClr val="tx1"/>
+          </a:fontRef>
+        </p:style>
+      </p:cxnSp>
+      <mc:AlternateContent xmlns:mc="http://schemas.openxmlformats.org/markup-compatibility/2006">
+        <mc:Choice xmlns:a14="http://schemas.microsoft.com/office/drawing/2010/main" Requires="a14">
+          <p:sp>
+            <p:nvSpPr>
+              <p:cNvPr id="47" name="テキスト ボックス 46">
+                <a:extLst>
+                  <a:ext uri="{FF2B5EF4-FFF2-40B4-BE49-F238E27FC236}">
+                    <a16:creationId xmlns:a16="http://schemas.microsoft.com/office/drawing/2014/main" id="{39AA4C6C-42FA-62F4-4BE3-48FA946A96BC}"/>
+                  </a:ext>
+                </a:extLst>
+              </p:cNvPr>
+              <p:cNvSpPr txBox="1"/>
+              <p:nvPr/>
+            </p:nvSpPr>
+            <p:spPr>
+              <a:xfrm>
+                <a:off x="8832304" y="2708920"/>
+                <a:ext cx="214033" cy="276999"/>
+              </a:xfrm>
+              <a:prstGeom prst="rect">
+                <a:avLst/>
+              </a:prstGeom>
+              <a:noFill/>
+            </p:spPr>
+            <p:txBody>
+              <a:bodyPr wrap="none" lIns="0" tIns="0" rIns="0" bIns="0" rtlCol="0">
+                <a:spAutoFit/>
+              </a:bodyPr>
+              <a:lstStyle/>
+              <a:p>
+                <a:pPr/>
+                <a14:m>
+                  <m:oMathPara xmlns:m="http://schemas.openxmlformats.org/officeDocument/2006/math">
+                    <m:oMathParaPr>
+                      <m:jc m:val="centerGroup"/>
+                    </m:oMathParaPr>
+                    <m:oMath xmlns:m="http://schemas.openxmlformats.org/officeDocument/2006/math">
+                      <m:r>
+                        <a:rPr kumimoji="1" lang="en-US" altLang="ja-JP" b="0" i="1" smtClean="0">
+                          <a:latin typeface="Cambria Math" panose="02040503050406030204" pitchFamily="18" charset="0"/>
+                        </a:rPr>
+                        <m:t>𝑂</m:t>
+                      </m:r>
+                    </m:oMath>
+                  </m:oMathPara>
+                </a14:m>
+                <a:endParaRPr kumimoji="1" lang="ja-JP" altLang="en-US" dirty="0"/>
+              </a:p>
+            </p:txBody>
+          </p:sp>
+        </mc:Choice>
+        <mc:Fallback>
+          <p:sp>
+            <p:nvSpPr>
+              <p:cNvPr id="47" name="テキスト ボックス 46">
+                <a:extLst>
+                  <a:ext uri="{FF2B5EF4-FFF2-40B4-BE49-F238E27FC236}">
+                    <a16:creationId xmlns:a16="http://schemas.microsoft.com/office/drawing/2014/main" id="{39AA4C6C-42FA-62F4-4BE3-48FA946A96BC}"/>
+                  </a:ext>
+                </a:extLst>
+              </p:cNvPr>
+              <p:cNvSpPr txBox="1">
+                <a:spLocks noRot="1" noChangeAspect="1" noMove="1" noResize="1" noEditPoints="1" noAdjustHandles="1" noChangeArrowheads="1" noChangeShapeType="1" noTextEdit="1"/>
+              </p:cNvSpPr>
+              <p:nvPr/>
+            </p:nvSpPr>
+            <p:spPr>
+              <a:xfrm>
+                <a:off x="8832304" y="2708920"/>
+                <a:ext cx="214033" cy="276999"/>
+              </a:xfrm>
+              <a:prstGeom prst="rect">
+                <a:avLst/>
+              </a:prstGeom>
+              <a:blipFill>
+                <a:blip r:embed="rId11"/>
+                <a:stretch>
+                  <a:fillRect l="-28571" r="-22857" b="-6522"/>
+                </a:stretch>
+              </a:blipFill>
+            </p:spPr>
+            <p:txBody>
+              <a:bodyPr/>
+              <a:lstStyle/>
+              <a:p>
+                <a:r>
+                  <a:rPr lang="ja-JP" altLang="en-US">
+                    <a:noFill/>
+                  </a:rPr>
+                  <a:t> </a:t>
+                </a:r>
+              </a:p>
+            </p:txBody>
+          </p:sp>
+        </mc:Fallback>
+      </mc:AlternateContent>
+      <mc:AlternateContent xmlns:mc="http://schemas.openxmlformats.org/markup-compatibility/2006">
+        <mc:Choice xmlns:a14="http://schemas.microsoft.com/office/drawing/2010/main" Requires="a14">
+          <p:sp>
+            <p:nvSpPr>
+              <p:cNvPr id="48" name="テキスト ボックス 47">
+                <a:extLst>
+                  <a:ext uri="{FF2B5EF4-FFF2-40B4-BE49-F238E27FC236}">
+                    <a16:creationId xmlns:a16="http://schemas.microsoft.com/office/drawing/2014/main" id="{34A8D2C1-72B1-C5D2-07E3-BF2FD937C1BC}"/>
+                  </a:ext>
+                </a:extLst>
+              </p:cNvPr>
+              <p:cNvSpPr txBox="1"/>
+              <p:nvPr/>
+            </p:nvSpPr>
+            <p:spPr>
+              <a:xfrm>
+                <a:off x="10560496" y="2564904"/>
+                <a:ext cx="184922" cy="276999"/>
+              </a:xfrm>
+              <a:prstGeom prst="rect">
+                <a:avLst/>
+              </a:prstGeom>
+              <a:noFill/>
+            </p:spPr>
+            <p:txBody>
+              <a:bodyPr wrap="none" lIns="0" tIns="0" rIns="0" bIns="0" rtlCol="0">
+                <a:spAutoFit/>
+              </a:bodyPr>
+              <a:lstStyle/>
+              <a:p>
+                <a:pPr/>
+                <a14:m>
+                  <m:oMathPara xmlns:m="http://schemas.openxmlformats.org/officeDocument/2006/math">
+                    <m:oMathParaPr>
+                      <m:jc m:val="centerGroup"/>
+                    </m:oMathParaPr>
+                    <m:oMath xmlns:m="http://schemas.openxmlformats.org/officeDocument/2006/math">
+                      <m:r>
+                        <a:rPr kumimoji="1" lang="en-US" altLang="ja-JP" b="0" i="1" smtClean="0">
+                          <a:latin typeface="Cambria Math" panose="02040503050406030204" pitchFamily="18" charset="0"/>
+                        </a:rPr>
+                        <m:t>𝑞</m:t>
+                      </m:r>
+                    </m:oMath>
+                  </m:oMathPara>
+                </a14:m>
+                <a:endParaRPr kumimoji="1" lang="ja-JP" altLang="en-US" dirty="0"/>
+              </a:p>
+            </p:txBody>
+          </p:sp>
+        </mc:Choice>
+        <mc:Fallback>
+          <p:sp>
+            <p:nvSpPr>
+              <p:cNvPr id="48" name="テキスト ボックス 47">
+                <a:extLst>
+                  <a:ext uri="{FF2B5EF4-FFF2-40B4-BE49-F238E27FC236}">
+                    <a16:creationId xmlns:a16="http://schemas.microsoft.com/office/drawing/2014/main" id="{34A8D2C1-72B1-C5D2-07E3-BF2FD937C1BC}"/>
+                  </a:ext>
+                </a:extLst>
+              </p:cNvPr>
+              <p:cNvSpPr txBox="1">
+                <a:spLocks noRot="1" noChangeAspect="1" noMove="1" noResize="1" noEditPoints="1" noAdjustHandles="1" noChangeArrowheads="1" noChangeShapeType="1" noTextEdit="1"/>
+              </p:cNvSpPr>
+              <p:nvPr/>
+            </p:nvSpPr>
+            <p:spPr>
+              <a:xfrm>
+                <a:off x="10560496" y="2564904"/>
+                <a:ext cx="184922" cy="276999"/>
+              </a:xfrm>
+              <a:prstGeom prst="rect">
+                <a:avLst/>
+              </a:prstGeom>
+              <a:blipFill>
+                <a:blip r:embed="rId12"/>
+                <a:stretch>
+                  <a:fillRect l="-32258" r="-22581" b="-26667"/>
+                </a:stretch>
+              </a:blipFill>
+            </p:spPr>
+            <p:txBody>
+              <a:bodyPr/>
+              <a:lstStyle/>
+              <a:p>
+                <a:r>
+                  <a:rPr lang="ja-JP" altLang="en-US">
+                    <a:noFill/>
+                  </a:rPr>
+                  <a:t> </a:t>
+                </a:r>
+              </a:p>
+            </p:txBody>
+          </p:sp>
+        </mc:Fallback>
+      </mc:AlternateContent>
+      <mc:AlternateContent xmlns:mc="http://schemas.openxmlformats.org/markup-compatibility/2006">
+        <mc:Choice xmlns:a14="http://schemas.microsoft.com/office/drawing/2010/main" Requires="a14">
+          <p:sp>
+            <p:nvSpPr>
+              <p:cNvPr id="49" name="テキスト ボックス 48">
+                <a:extLst>
+                  <a:ext uri="{FF2B5EF4-FFF2-40B4-BE49-F238E27FC236}">
+                    <a16:creationId xmlns:a16="http://schemas.microsoft.com/office/drawing/2014/main" id="{92D81C85-D8ED-DCF6-0207-B3A462C3DF94}"/>
+                  </a:ext>
+                </a:extLst>
+              </p:cNvPr>
+              <p:cNvSpPr txBox="1"/>
+              <p:nvPr/>
+            </p:nvSpPr>
+            <p:spPr>
+              <a:xfrm>
+                <a:off x="9624392" y="908720"/>
+                <a:ext cx="183961" cy="276999"/>
+              </a:xfrm>
+              <a:prstGeom prst="rect">
+                <a:avLst/>
+              </a:prstGeom>
+              <a:noFill/>
+            </p:spPr>
+            <p:txBody>
+              <a:bodyPr wrap="none" lIns="0" tIns="0" rIns="0" bIns="0" rtlCol="0">
+                <a:spAutoFit/>
+              </a:bodyPr>
+              <a:lstStyle/>
+              <a:p>
+                <a:pPr/>
+                <a14:m>
+                  <m:oMathPara xmlns:m="http://schemas.openxmlformats.org/officeDocument/2006/math">
+                    <m:oMathParaPr>
+                      <m:jc m:val="centerGroup"/>
+                    </m:oMathParaPr>
+                    <m:oMath xmlns:m="http://schemas.openxmlformats.org/officeDocument/2006/math">
+                      <m:r>
+                        <a:rPr kumimoji="1" lang="en-US" altLang="ja-JP" b="0" i="1" smtClean="0">
+                          <a:latin typeface="Cambria Math" panose="02040503050406030204" pitchFamily="18" charset="0"/>
+                        </a:rPr>
+                        <m:t>𝑝</m:t>
+                      </m:r>
+                    </m:oMath>
+                  </m:oMathPara>
+                </a14:m>
+                <a:endParaRPr kumimoji="1" lang="ja-JP" altLang="en-US" dirty="0"/>
+              </a:p>
+            </p:txBody>
+          </p:sp>
+        </mc:Choice>
+        <mc:Fallback>
+          <p:sp>
+            <p:nvSpPr>
+              <p:cNvPr id="49" name="テキスト ボックス 48">
+                <a:extLst>
+                  <a:ext uri="{FF2B5EF4-FFF2-40B4-BE49-F238E27FC236}">
+                    <a16:creationId xmlns:a16="http://schemas.microsoft.com/office/drawing/2014/main" id="{92D81C85-D8ED-DCF6-0207-B3A462C3DF94}"/>
+                  </a:ext>
+                </a:extLst>
+              </p:cNvPr>
+              <p:cNvSpPr txBox="1">
+                <a:spLocks noRot="1" noChangeAspect="1" noMove="1" noResize="1" noEditPoints="1" noAdjustHandles="1" noChangeArrowheads="1" noChangeShapeType="1" noTextEdit="1"/>
+              </p:cNvSpPr>
+              <p:nvPr/>
+            </p:nvSpPr>
+            <p:spPr>
+              <a:xfrm>
+                <a:off x="9624392" y="908720"/>
+                <a:ext cx="183961" cy="276999"/>
+              </a:xfrm>
+              <a:prstGeom prst="rect">
+                <a:avLst/>
+              </a:prstGeom>
+              <a:blipFill>
+                <a:blip r:embed="rId13"/>
+                <a:stretch>
+                  <a:fillRect l="-33333" r="-30000" b="-23913"/>
+                </a:stretch>
+              </a:blipFill>
+            </p:spPr>
+            <p:txBody>
+              <a:bodyPr/>
+              <a:lstStyle/>
+              <a:p>
+                <a:r>
+                  <a:rPr lang="ja-JP" altLang="en-US">
+                    <a:noFill/>
+                  </a:rPr>
+                  <a:t> </a:t>
+                </a:r>
+              </a:p>
+            </p:txBody>
+          </p:sp>
+        </mc:Fallback>
+      </mc:AlternateContent>
+      <p:sp>
+        <p:nvSpPr>
+          <p:cNvPr id="50" name="楕円 49">
+            <a:extLst>
+              <a:ext uri="{FF2B5EF4-FFF2-40B4-BE49-F238E27FC236}">
+                <a16:creationId xmlns:a16="http://schemas.microsoft.com/office/drawing/2014/main" id="{023D5C8D-159B-F367-E592-52979D32610A}"/>
+              </a:ext>
+            </a:extLst>
+          </p:cNvPr>
+          <p:cNvSpPr/>
+          <p:nvPr/>
+        </p:nvSpPr>
+        <p:spPr>
+          <a:xfrm>
+            <a:off x="8688288" y="2348880"/>
+            <a:ext cx="720080" cy="720080"/>
+          </a:xfrm>
+          <a:prstGeom prst="ellipse">
+            <a:avLst/>
+          </a:prstGeom>
+          <a:noFill/>
+          <a:ln>
+            <a:solidFill>
+              <a:schemeClr val="bg1">
+                <a:lumMod val="50000"/>
+              </a:schemeClr>
+            </a:solidFill>
+          </a:ln>
+        </p:spPr>
+        <p:style>
+          <a:lnRef idx="2">
+            <a:schemeClr val="accent1">
+              <a:shade val="50000"/>
+            </a:schemeClr>
+          </a:lnRef>
+          <a:fillRef idx="1">
+            <a:schemeClr val="accent1"/>
+          </a:fillRef>
+          <a:effectRef idx="0">
+            <a:schemeClr val="accent1"/>
+          </a:effectRef>
+          <a:fontRef idx="minor">
+            <a:schemeClr val="lt1"/>
+          </a:fontRef>
+        </p:style>
+        <p:txBody>
+          <a:bodyPr rtlCol="0" anchor="ctr"/>
+          <a:lstStyle/>
+          <a:p>
+            <a:pPr algn="ctr"/>
+            <a:endParaRPr kumimoji="1" lang="ja-JP" altLang="en-US"/>
+          </a:p>
+        </p:txBody>
+      </p:sp>
+      <p:sp>
+        <p:nvSpPr>
+          <p:cNvPr id="51" name="楕円 50">
+            <a:extLst>
+              <a:ext uri="{FF2B5EF4-FFF2-40B4-BE49-F238E27FC236}">
+                <a16:creationId xmlns:a16="http://schemas.microsoft.com/office/drawing/2014/main" id="{98028798-540D-6546-5549-8A964A12D4E4}"/>
+              </a:ext>
+            </a:extLst>
+          </p:cNvPr>
+          <p:cNvSpPr/>
+          <p:nvPr/>
+        </p:nvSpPr>
+        <p:spPr>
+          <a:xfrm>
+            <a:off x="8328248" y="1988840"/>
+            <a:ext cx="1440160" cy="1440160"/>
+          </a:xfrm>
+          <a:prstGeom prst="ellipse">
+            <a:avLst/>
+          </a:prstGeom>
+          <a:noFill/>
+          <a:ln>
+            <a:solidFill>
+              <a:schemeClr val="bg1">
+                <a:lumMod val="50000"/>
+              </a:schemeClr>
+            </a:solidFill>
+          </a:ln>
+        </p:spPr>
+        <p:style>
+          <a:lnRef idx="2">
+            <a:schemeClr val="accent1">
+              <a:shade val="50000"/>
+            </a:schemeClr>
+          </a:lnRef>
+          <a:fillRef idx="1">
+            <a:schemeClr val="accent1"/>
+          </a:fillRef>
+          <a:effectRef idx="0">
+            <a:schemeClr val="accent1"/>
+          </a:effectRef>
+          <a:fontRef idx="minor">
+            <a:schemeClr val="lt1"/>
+          </a:fontRef>
+        </p:style>
+        <p:txBody>
+          <a:bodyPr rtlCol="0" anchor="ctr"/>
+          <a:lstStyle/>
+          <a:p>
+            <a:pPr algn="ctr"/>
+            <a:endParaRPr kumimoji="1" lang="ja-JP" altLang="en-US"/>
+          </a:p>
+        </p:txBody>
+      </p:sp>
+      <p:sp>
+        <p:nvSpPr>
+          <p:cNvPr id="52" name="楕円 51">
+            <a:extLst>
+              <a:ext uri="{FF2B5EF4-FFF2-40B4-BE49-F238E27FC236}">
+                <a16:creationId xmlns:a16="http://schemas.microsoft.com/office/drawing/2014/main" id="{C365FD38-4811-9771-2545-A8C1D0516DFD}"/>
+              </a:ext>
+            </a:extLst>
+          </p:cNvPr>
+          <p:cNvSpPr/>
+          <p:nvPr/>
+        </p:nvSpPr>
+        <p:spPr>
+          <a:xfrm>
+            <a:off x="7968208" y="1628800"/>
+            <a:ext cx="2160240" cy="2160240"/>
+          </a:xfrm>
+          <a:prstGeom prst="ellipse">
+            <a:avLst/>
+          </a:prstGeom>
+          <a:noFill/>
+          <a:ln>
+            <a:solidFill>
+              <a:schemeClr val="bg1">
+                <a:lumMod val="50000"/>
+              </a:schemeClr>
+            </a:solidFill>
+          </a:ln>
+        </p:spPr>
+        <p:style>
+          <a:lnRef idx="2">
+            <a:schemeClr val="accent1">
+              <a:shade val="50000"/>
+            </a:schemeClr>
+          </a:lnRef>
+          <a:fillRef idx="1">
+            <a:schemeClr val="accent1"/>
+          </a:fillRef>
+          <a:effectRef idx="0">
+            <a:schemeClr val="accent1"/>
+          </a:effectRef>
+          <a:fontRef idx="minor">
+            <a:schemeClr val="lt1"/>
+          </a:fontRef>
+        </p:style>
+        <p:txBody>
+          <a:bodyPr rtlCol="0" anchor="ctr"/>
+          <a:lstStyle/>
+          <a:p>
+            <a:pPr algn="ctr"/>
+            <a:endParaRPr kumimoji="1" lang="ja-JP" altLang="en-US"/>
+          </a:p>
+        </p:txBody>
+      </p:sp>
+      <p:cxnSp>
+        <p:nvCxnSpPr>
+          <p:cNvPr id="53" name="直線矢印コネクタ 52">
+            <a:extLst>
+              <a:ext uri="{FF2B5EF4-FFF2-40B4-BE49-F238E27FC236}">
+                <a16:creationId xmlns:a16="http://schemas.microsoft.com/office/drawing/2014/main" id="{3EC68B22-327B-E70E-6728-B2CB827B5258}"/>
+              </a:ext>
+            </a:extLst>
+          </p:cNvPr>
+          <p:cNvCxnSpPr>
+            <a:stCxn id="50" idx="6"/>
+            <a:endCxn id="51" idx="6"/>
+          </p:cNvCxnSpPr>
+          <p:nvPr/>
+        </p:nvCxnSpPr>
+        <p:spPr>
+          <a:xfrm>
+            <a:off x="9408368" y="2708920"/>
+            <a:ext cx="360040" cy="0"/>
+          </a:xfrm>
+          <a:prstGeom prst="straightConnector1">
+            <a:avLst/>
+          </a:prstGeom>
+          <a:ln w="19050">
+            <a:solidFill>
+              <a:schemeClr val="bg1">
+                <a:lumMod val="50000"/>
+              </a:schemeClr>
+            </a:solidFill>
+            <a:tailEnd type="triangle"/>
+          </a:ln>
+        </p:spPr>
+        <p:style>
+          <a:lnRef idx="1">
+            <a:schemeClr val="accent1"/>
+          </a:lnRef>
+          <a:fillRef idx="0">
+            <a:schemeClr val="accent1"/>
+          </a:fillRef>
+          <a:effectRef idx="0">
+            <a:schemeClr val="accent1"/>
+          </a:effectRef>
+          <a:fontRef idx="minor">
+            <a:schemeClr val="tx1"/>
+          </a:fontRef>
+        </p:style>
+      </p:cxnSp>
+      <p:cxnSp>
+        <p:nvCxnSpPr>
+          <p:cNvPr id="54" name="直線矢印コネクタ 53">
+            <a:extLst>
+              <a:ext uri="{FF2B5EF4-FFF2-40B4-BE49-F238E27FC236}">
+                <a16:creationId xmlns:a16="http://schemas.microsoft.com/office/drawing/2014/main" id="{CEC85589-0391-E83A-5D5B-1E953404DC8C}"/>
+              </a:ext>
+            </a:extLst>
+          </p:cNvPr>
+          <p:cNvCxnSpPr/>
+          <p:nvPr/>
+        </p:nvCxnSpPr>
+        <p:spPr>
+          <a:xfrm>
+            <a:off x="9768408" y="2708920"/>
+            <a:ext cx="360040" cy="0"/>
+          </a:xfrm>
+          <a:prstGeom prst="straightConnector1">
+            <a:avLst/>
+          </a:prstGeom>
+          <a:ln w="19050">
+            <a:solidFill>
+              <a:schemeClr val="bg1">
+                <a:lumMod val="50000"/>
+              </a:schemeClr>
+            </a:solidFill>
+            <a:tailEnd type="triangle"/>
+          </a:ln>
+        </p:spPr>
+        <p:style>
+          <a:lnRef idx="1">
+            <a:schemeClr val="accent1"/>
+          </a:lnRef>
+          <a:fillRef idx="0">
+            <a:schemeClr val="accent1"/>
+          </a:fillRef>
+          <a:effectRef idx="0">
+            <a:schemeClr val="accent1"/>
+          </a:effectRef>
+          <a:fontRef idx="minor">
+            <a:schemeClr val="tx1"/>
+          </a:fontRef>
+        </p:style>
+      </p:cxnSp>
+      <p:cxnSp>
+        <p:nvCxnSpPr>
+          <p:cNvPr id="55" name="直線矢印コネクタ 54">
+            <a:extLst>
+              <a:ext uri="{FF2B5EF4-FFF2-40B4-BE49-F238E27FC236}">
+                <a16:creationId xmlns:a16="http://schemas.microsoft.com/office/drawing/2014/main" id="{45CFF049-3B64-5606-9BB9-1A105E15F910}"/>
+              </a:ext>
+            </a:extLst>
+          </p:cNvPr>
+          <p:cNvCxnSpPr/>
+          <p:nvPr/>
+        </p:nvCxnSpPr>
+        <p:spPr>
+          <a:xfrm>
+            <a:off x="10128448" y="2708920"/>
+            <a:ext cx="360040" cy="0"/>
+          </a:xfrm>
+          <a:prstGeom prst="straightConnector1">
+            <a:avLst/>
+          </a:prstGeom>
+          <a:ln w="19050">
+            <a:solidFill>
+              <a:schemeClr val="bg1">
+                <a:lumMod val="50000"/>
+              </a:schemeClr>
+            </a:solidFill>
+            <a:tailEnd type="triangle"/>
+          </a:ln>
+        </p:spPr>
+        <p:style>
+          <a:lnRef idx="1">
+            <a:schemeClr val="accent1"/>
+          </a:lnRef>
+          <a:fillRef idx="0">
+            <a:schemeClr val="accent1"/>
+          </a:fillRef>
+          <a:effectRef idx="0">
+            <a:schemeClr val="accent1"/>
+          </a:effectRef>
+          <a:fontRef idx="minor">
+            <a:schemeClr val="tx1"/>
+          </a:fontRef>
+        </p:style>
+      </p:cxnSp>
+      <p:cxnSp>
+        <p:nvCxnSpPr>
+          <p:cNvPr id="56" name="直線矢印コネクタ 55">
+            <a:extLst>
+              <a:ext uri="{FF2B5EF4-FFF2-40B4-BE49-F238E27FC236}">
+                <a16:creationId xmlns:a16="http://schemas.microsoft.com/office/drawing/2014/main" id="{7DC1B6AB-E9FD-9A88-AFD9-DD600EE0BBC6}"/>
+              </a:ext>
+            </a:extLst>
+          </p:cNvPr>
+          <p:cNvCxnSpPr>
+            <a:cxnSpLocks/>
+            <a:endCxn id="51" idx="4"/>
+          </p:cNvCxnSpPr>
+          <p:nvPr/>
+        </p:nvCxnSpPr>
+        <p:spPr>
+          <a:xfrm>
+            <a:off x="9048328" y="3068960"/>
+            <a:ext cx="0" cy="360040"/>
+          </a:xfrm>
+          <a:prstGeom prst="straightConnector1">
+            <a:avLst/>
+          </a:prstGeom>
+          <a:ln w="19050">
+            <a:solidFill>
+              <a:schemeClr val="bg1">
+                <a:lumMod val="50000"/>
+              </a:schemeClr>
+            </a:solidFill>
+            <a:tailEnd type="triangle"/>
+          </a:ln>
+        </p:spPr>
+        <p:style>
+          <a:lnRef idx="1">
+            <a:schemeClr val="accent1"/>
+          </a:lnRef>
+          <a:fillRef idx="0">
+            <a:schemeClr val="accent1"/>
+          </a:fillRef>
+          <a:effectRef idx="0">
+            <a:schemeClr val="accent1"/>
+          </a:effectRef>
+          <a:fontRef idx="minor">
+            <a:schemeClr val="tx1"/>
+          </a:fontRef>
+        </p:style>
+      </p:cxnSp>
+      <p:cxnSp>
+        <p:nvCxnSpPr>
+          <p:cNvPr id="57" name="直線矢印コネクタ 56">
+            <a:extLst>
+              <a:ext uri="{FF2B5EF4-FFF2-40B4-BE49-F238E27FC236}">
+                <a16:creationId xmlns:a16="http://schemas.microsoft.com/office/drawing/2014/main" id="{9FB8F238-A711-ABE5-4A9E-498B15B98B1A}"/>
+              </a:ext>
+            </a:extLst>
+          </p:cNvPr>
+          <p:cNvCxnSpPr>
+            <a:cxnSpLocks/>
+          </p:cNvCxnSpPr>
+          <p:nvPr/>
+        </p:nvCxnSpPr>
+        <p:spPr>
+          <a:xfrm>
+            <a:off x="9048328" y="3429000"/>
+            <a:ext cx="0" cy="360040"/>
+          </a:xfrm>
+          <a:prstGeom prst="straightConnector1">
+            <a:avLst/>
+          </a:prstGeom>
+          <a:ln w="19050">
+            <a:solidFill>
+              <a:schemeClr val="bg1">
+                <a:lumMod val="50000"/>
+              </a:schemeClr>
+            </a:solidFill>
+            <a:tailEnd type="triangle"/>
+          </a:ln>
+        </p:spPr>
+        <p:style>
+          <a:lnRef idx="1">
+            <a:schemeClr val="accent1"/>
+          </a:lnRef>
+          <a:fillRef idx="0">
+            <a:schemeClr val="accent1"/>
+          </a:fillRef>
+          <a:effectRef idx="0">
+            <a:schemeClr val="accent1"/>
+          </a:effectRef>
+          <a:fontRef idx="minor">
+            <a:schemeClr val="tx1"/>
+          </a:fontRef>
+        </p:style>
+      </p:cxnSp>
+      <p:cxnSp>
+        <p:nvCxnSpPr>
+          <p:cNvPr id="58" name="直線矢印コネクタ 57">
+            <a:extLst>
+              <a:ext uri="{FF2B5EF4-FFF2-40B4-BE49-F238E27FC236}">
+                <a16:creationId xmlns:a16="http://schemas.microsoft.com/office/drawing/2014/main" id="{3C86F1A1-7F57-3D12-871D-FEA1E71D6E2E}"/>
+              </a:ext>
+            </a:extLst>
+          </p:cNvPr>
+          <p:cNvCxnSpPr>
+            <a:cxnSpLocks/>
+          </p:cNvCxnSpPr>
+          <p:nvPr/>
+        </p:nvCxnSpPr>
+        <p:spPr>
+          <a:xfrm>
+            <a:off x="9048328" y="3789040"/>
+            <a:ext cx="0" cy="360040"/>
+          </a:xfrm>
+          <a:prstGeom prst="straightConnector1">
+            <a:avLst/>
+          </a:prstGeom>
+          <a:ln w="19050">
+            <a:solidFill>
+              <a:schemeClr val="bg1">
+                <a:lumMod val="50000"/>
+              </a:schemeClr>
+            </a:solidFill>
+            <a:tailEnd type="triangle"/>
+          </a:ln>
+        </p:spPr>
+        <p:style>
+          <a:lnRef idx="1">
+            <a:schemeClr val="accent1"/>
+          </a:lnRef>
+          <a:fillRef idx="0">
+            <a:schemeClr val="accent1"/>
+          </a:fillRef>
+          <a:effectRef idx="0">
+            <a:schemeClr val="accent1"/>
+          </a:effectRef>
+          <a:fontRef idx="minor">
+            <a:schemeClr val="tx1"/>
+          </a:fontRef>
+        </p:style>
+      </p:cxnSp>
+      <p:cxnSp>
+        <p:nvCxnSpPr>
+          <p:cNvPr id="59" name="直線矢印コネクタ 58">
+            <a:extLst>
+              <a:ext uri="{FF2B5EF4-FFF2-40B4-BE49-F238E27FC236}">
+                <a16:creationId xmlns:a16="http://schemas.microsoft.com/office/drawing/2014/main" id="{1E2AA6EB-1845-BB7C-8F45-912C50ED420C}"/>
+              </a:ext>
+            </a:extLst>
+          </p:cNvPr>
+          <p:cNvCxnSpPr>
+            <a:cxnSpLocks/>
+          </p:cNvCxnSpPr>
+          <p:nvPr/>
+        </p:nvCxnSpPr>
+        <p:spPr>
+          <a:xfrm flipH="1">
+            <a:off x="8328248" y="2708920"/>
+            <a:ext cx="368424" cy="0"/>
+          </a:xfrm>
+          <a:prstGeom prst="straightConnector1">
+            <a:avLst/>
+          </a:prstGeom>
+          <a:ln w="19050">
+            <a:solidFill>
+              <a:schemeClr val="bg1">
+                <a:lumMod val="50000"/>
+              </a:schemeClr>
+            </a:solidFill>
+            <a:tailEnd type="triangle"/>
+          </a:ln>
+        </p:spPr>
+        <p:style>
+          <a:lnRef idx="1">
+            <a:schemeClr val="accent1"/>
+          </a:lnRef>
+          <a:fillRef idx="0">
+            <a:schemeClr val="accent1"/>
+          </a:fillRef>
+          <a:effectRef idx="0">
+            <a:schemeClr val="accent1"/>
+          </a:effectRef>
+          <a:fontRef idx="minor">
+            <a:schemeClr val="tx1"/>
+          </a:fontRef>
+        </p:style>
+      </p:cxnSp>
+      <p:cxnSp>
+        <p:nvCxnSpPr>
+          <p:cNvPr id="60" name="直線矢印コネクタ 59">
+            <a:extLst>
+              <a:ext uri="{FF2B5EF4-FFF2-40B4-BE49-F238E27FC236}">
+                <a16:creationId xmlns:a16="http://schemas.microsoft.com/office/drawing/2014/main" id="{DC689A6A-F06B-B43B-C892-C773F87F55AA}"/>
+              </a:ext>
+            </a:extLst>
+          </p:cNvPr>
+          <p:cNvCxnSpPr>
+            <a:cxnSpLocks/>
+          </p:cNvCxnSpPr>
+          <p:nvPr/>
+        </p:nvCxnSpPr>
+        <p:spPr>
+          <a:xfrm flipH="1">
+            <a:off x="7968208" y="2708920"/>
+            <a:ext cx="368424" cy="0"/>
+          </a:xfrm>
+          <a:prstGeom prst="straightConnector1">
+            <a:avLst/>
+          </a:prstGeom>
+          <a:ln w="19050">
+            <a:solidFill>
+              <a:schemeClr val="bg1">
+                <a:lumMod val="50000"/>
+              </a:schemeClr>
+            </a:solidFill>
+            <a:tailEnd type="triangle"/>
+          </a:ln>
+        </p:spPr>
+        <p:style>
+          <a:lnRef idx="1">
+            <a:schemeClr val="accent1"/>
+          </a:lnRef>
+          <a:fillRef idx="0">
+            <a:schemeClr val="accent1"/>
+          </a:fillRef>
+          <a:effectRef idx="0">
+            <a:schemeClr val="accent1"/>
+          </a:effectRef>
+          <a:fontRef idx="minor">
+            <a:schemeClr val="tx1"/>
+          </a:fontRef>
+        </p:style>
+      </p:cxnSp>
+      <p:cxnSp>
+        <p:nvCxnSpPr>
+          <p:cNvPr id="61" name="直線矢印コネクタ 60">
+            <a:extLst>
+              <a:ext uri="{FF2B5EF4-FFF2-40B4-BE49-F238E27FC236}">
+                <a16:creationId xmlns:a16="http://schemas.microsoft.com/office/drawing/2014/main" id="{4913BA18-4959-6E45-6E24-8B30BA37F059}"/>
+              </a:ext>
+            </a:extLst>
+          </p:cNvPr>
+          <p:cNvCxnSpPr>
+            <a:cxnSpLocks/>
+          </p:cNvCxnSpPr>
+          <p:nvPr/>
+        </p:nvCxnSpPr>
+        <p:spPr>
+          <a:xfrm flipH="1">
+            <a:off x="7608168" y="2708920"/>
+            <a:ext cx="368424" cy="0"/>
+          </a:xfrm>
+          <a:prstGeom prst="straightConnector1">
+            <a:avLst/>
+          </a:prstGeom>
+          <a:ln w="19050">
+            <a:solidFill>
+              <a:schemeClr val="bg1">
+                <a:lumMod val="50000"/>
+              </a:schemeClr>
+            </a:solidFill>
+            <a:tailEnd type="triangle"/>
+          </a:ln>
+        </p:spPr>
+        <p:style>
+          <a:lnRef idx="1">
+            <a:schemeClr val="accent1"/>
+          </a:lnRef>
+          <a:fillRef idx="0">
+            <a:schemeClr val="accent1"/>
+          </a:fillRef>
+          <a:effectRef idx="0">
+            <a:schemeClr val="accent1"/>
+          </a:effectRef>
+          <a:fontRef idx="minor">
+            <a:schemeClr val="tx1"/>
+          </a:fontRef>
+        </p:style>
+      </p:cxnSp>
+      <p:cxnSp>
+        <p:nvCxnSpPr>
+          <p:cNvPr id="62" name="直線矢印コネクタ 61">
+            <a:extLst>
+              <a:ext uri="{FF2B5EF4-FFF2-40B4-BE49-F238E27FC236}">
+                <a16:creationId xmlns:a16="http://schemas.microsoft.com/office/drawing/2014/main" id="{C1728AB1-B4B5-96FF-DE07-267FEA3846B4}"/>
+              </a:ext>
+            </a:extLst>
+          </p:cNvPr>
+          <p:cNvCxnSpPr>
+            <a:cxnSpLocks/>
+            <a:stCxn id="50" idx="0"/>
+          </p:cNvCxnSpPr>
+          <p:nvPr/>
+        </p:nvCxnSpPr>
+        <p:spPr>
+          <a:xfrm flipV="1">
+            <a:off x="9048328" y="1988840"/>
+            <a:ext cx="0" cy="360040"/>
+          </a:xfrm>
+          <a:prstGeom prst="straightConnector1">
+            <a:avLst/>
+          </a:prstGeom>
+          <a:ln w="19050">
+            <a:solidFill>
+              <a:schemeClr val="bg1">
+                <a:lumMod val="50000"/>
+              </a:schemeClr>
+            </a:solidFill>
+            <a:tailEnd type="triangle"/>
+          </a:ln>
+        </p:spPr>
+        <p:style>
+          <a:lnRef idx="1">
+            <a:schemeClr val="accent1"/>
+          </a:lnRef>
+          <a:fillRef idx="0">
+            <a:schemeClr val="accent1"/>
+          </a:fillRef>
+          <a:effectRef idx="0">
+            <a:schemeClr val="accent1"/>
+          </a:effectRef>
+          <a:fontRef idx="minor">
+            <a:schemeClr val="tx1"/>
+          </a:fontRef>
+        </p:style>
+      </p:cxnSp>
+      <p:cxnSp>
+        <p:nvCxnSpPr>
+          <p:cNvPr id="63" name="直線矢印コネクタ 62">
+            <a:extLst>
+              <a:ext uri="{FF2B5EF4-FFF2-40B4-BE49-F238E27FC236}">
+                <a16:creationId xmlns:a16="http://schemas.microsoft.com/office/drawing/2014/main" id="{EE0F8EC8-2F04-CFAC-D73A-0A0C6FFF886F}"/>
+              </a:ext>
+            </a:extLst>
+          </p:cNvPr>
+          <p:cNvCxnSpPr>
+            <a:cxnSpLocks/>
+          </p:cNvCxnSpPr>
+          <p:nvPr/>
+        </p:nvCxnSpPr>
+        <p:spPr>
+          <a:xfrm flipV="1">
+            <a:off x="9048328" y="1628800"/>
+            <a:ext cx="0" cy="360040"/>
+          </a:xfrm>
+          <a:prstGeom prst="straightConnector1">
+            <a:avLst/>
+          </a:prstGeom>
+          <a:ln w="19050">
+            <a:solidFill>
+              <a:schemeClr val="bg1">
+                <a:lumMod val="50000"/>
+              </a:schemeClr>
+            </a:solidFill>
+            <a:tailEnd type="triangle"/>
+          </a:ln>
+        </p:spPr>
+        <p:style>
+          <a:lnRef idx="1">
+            <a:schemeClr val="accent1"/>
+          </a:lnRef>
+          <a:fillRef idx="0">
+            <a:schemeClr val="accent1"/>
+          </a:fillRef>
+          <a:effectRef idx="0">
+            <a:schemeClr val="accent1"/>
+          </a:effectRef>
+          <a:fontRef idx="minor">
+            <a:schemeClr val="tx1"/>
+          </a:fontRef>
+        </p:style>
+      </p:cxnSp>
+      <p:cxnSp>
+        <p:nvCxnSpPr>
+          <p:cNvPr id="64" name="直線矢印コネクタ 63">
+            <a:extLst>
+              <a:ext uri="{FF2B5EF4-FFF2-40B4-BE49-F238E27FC236}">
+                <a16:creationId xmlns:a16="http://schemas.microsoft.com/office/drawing/2014/main" id="{780A5957-B552-331E-8E74-07B4172EAEBC}"/>
+              </a:ext>
+            </a:extLst>
+          </p:cNvPr>
+          <p:cNvCxnSpPr>
+            <a:cxnSpLocks/>
+          </p:cNvCxnSpPr>
+          <p:nvPr/>
+        </p:nvCxnSpPr>
+        <p:spPr>
+          <a:xfrm flipV="1">
+            <a:off x="9048328" y="1268760"/>
+            <a:ext cx="0" cy="360040"/>
+          </a:xfrm>
+          <a:prstGeom prst="straightConnector1">
+            <a:avLst/>
+          </a:prstGeom>
+          <a:ln w="19050">
+            <a:solidFill>
+              <a:schemeClr val="bg1">
+                <a:lumMod val="50000"/>
+              </a:schemeClr>
+            </a:solidFill>
+            <a:tailEnd type="triangle"/>
+          </a:ln>
+        </p:spPr>
+        <p:style>
+          <a:lnRef idx="1">
+            <a:schemeClr val="accent1"/>
+          </a:lnRef>
+          <a:fillRef idx="0">
+            <a:schemeClr val="accent1"/>
+          </a:fillRef>
+          <a:effectRef idx="0">
+            <a:schemeClr val="accent1"/>
+          </a:effectRef>
+          <a:fontRef idx="minor">
+            <a:schemeClr val="tx1"/>
+          </a:fontRef>
+        </p:style>
+      </p:cxnSp>
+      <p:cxnSp>
+        <p:nvCxnSpPr>
+          <p:cNvPr id="66" name="直線矢印コネクタ 65">
+            <a:extLst>
+              <a:ext uri="{FF2B5EF4-FFF2-40B4-BE49-F238E27FC236}">
+                <a16:creationId xmlns:a16="http://schemas.microsoft.com/office/drawing/2014/main" id="{D2D827E6-B7FB-94C5-EE4C-E7312EA0F2AC}"/>
+              </a:ext>
+            </a:extLst>
+          </p:cNvPr>
+          <p:cNvCxnSpPr/>
+          <p:nvPr/>
+        </p:nvCxnSpPr>
+        <p:spPr>
+          <a:xfrm>
+            <a:off x="9048328" y="1628800"/>
+            <a:ext cx="360040" cy="0"/>
+          </a:xfrm>
+          <a:prstGeom prst="straightConnector1">
+            <a:avLst/>
+          </a:prstGeom>
+          <a:ln w="19050">
+            <a:solidFill>
+              <a:srgbClr val="FF0000"/>
+            </a:solidFill>
+            <a:tailEnd type="triangle"/>
+          </a:ln>
+        </p:spPr>
+        <p:style>
+          <a:lnRef idx="1">
+            <a:schemeClr val="accent1"/>
+          </a:lnRef>
+          <a:fillRef idx="0">
+            <a:schemeClr val="accent1"/>
+          </a:fillRef>
+          <a:effectRef idx="0">
+            <a:schemeClr val="accent1"/>
+          </a:effectRef>
+          <a:fontRef idx="minor">
+            <a:schemeClr val="tx1"/>
+          </a:fontRef>
+        </p:style>
+      </p:cxnSp>
+      <p:cxnSp>
+        <p:nvCxnSpPr>
+          <p:cNvPr id="67" name="直線矢印コネクタ 66">
+            <a:extLst>
+              <a:ext uri="{FF2B5EF4-FFF2-40B4-BE49-F238E27FC236}">
+                <a16:creationId xmlns:a16="http://schemas.microsoft.com/office/drawing/2014/main" id="{DB1CF61F-03EA-BB72-72C7-A4F80B32A9C8}"/>
+              </a:ext>
+            </a:extLst>
+          </p:cNvPr>
+          <p:cNvCxnSpPr/>
+          <p:nvPr/>
+        </p:nvCxnSpPr>
+        <p:spPr>
+          <a:xfrm>
+            <a:off x="9048328" y="1988840"/>
+            <a:ext cx="360040" cy="0"/>
+          </a:xfrm>
+          <a:prstGeom prst="straightConnector1">
+            <a:avLst/>
+          </a:prstGeom>
+          <a:ln w="19050">
+            <a:solidFill>
+              <a:srgbClr val="FF0000"/>
+            </a:solidFill>
+            <a:tailEnd type="triangle"/>
+          </a:ln>
+        </p:spPr>
+        <p:style>
+          <a:lnRef idx="1">
+            <a:schemeClr val="accent1"/>
+          </a:lnRef>
+          <a:fillRef idx="0">
+            <a:schemeClr val="accent1"/>
+          </a:fillRef>
+          <a:effectRef idx="0">
+            <a:schemeClr val="accent1"/>
+          </a:effectRef>
+          <a:fontRef idx="minor">
+            <a:schemeClr val="tx1"/>
+          </a:fontRef>
+        </p:style>
+      </p:cxnSp>
+      <p:cxnSp>
+        <p:nvCxnSpPr>
+          <p:cNvPr id="68" name="直線矢印コネクタ 67">
+            <a:extLst>
+              <a:ext uri="{FF2B5EF4-FFF2-40B4-BE49-F238E27FC236}">
+                <a16:creationId xmlns:a16="http://schemas.microsoft.com/office/drawing/2014/main" id="{EADE7747-D849-DFDB-D7A7-962FB13A8BFD}"/>
+              </a:ext>
+            </a:extLst>
+          </p:cNvPr>
+          <p:cNvCxnSpPr/>
+          <p:nvPr/>
+        </p:nvCxnSpPr>
+        <p:spPr>
+          <a:xfrm>
+            <a:off x="9048328" y="2348880"/>
+            <a:ext cx="360040" cy="0"/>
+          </a:xfrm>
+          <a:prstGeom prst="straightConnector1">
+            <a:avLst/>
+          </a:prstGeom>
+          <a:ln w="19050">
+            <a:solidFill>
+              <a:srgbClr val="FF0000"/>
+            </a:solidFill>
+            <a:tailEnd type="triangle"/>
+          </a:ln>
+        </p:spPr>
+        <p:style>
+          <a:lnRef idx="1">
+            <a:schemeClr val="accent1"/>
+          </a:lnRef>
+          <a:fillRef idx="0">
+            <a:schemeClr val="accent1"/>
+          </a:fillRef>
+          <a:effectRef idx="0">
+            <a:schemeClr val="accent1"/>
+          </a:effectRef>
+          <a:fontRef idx="minor">
+            <a:schemeClr val="tx1"/>
+          </a:fontRef>
+        </p:style>
+      </p:cxnSp>
+      <p:sp>
+        <p:nvSpPr>
+          <p:cNvPr id="69" name="円弧 68">
+            <a:extLst>
+              <a:ext uri="{FF2B5EF4-FFF2-40B4-BE49-F238E27FC236}">
+                <a16:creationId xmlns:a16="http://schemas.microsoft.com/office/drawing/2014/main" id="{88A01918-1AA4-21CF-F2C6-897BF0862B0A}"/>
+              </a:ext>
+            </a:extLst>
+          </p:cNvPr>
+          <p:cNvSpPr/>
+          <p:nvPr/>
+        </p:nvSpPr>
+        <p:spPr>
+          <a:xfrm>
+            <a:off x="8976320" y="1340768"/>
+            <a:ext cx="360040" cy="360040"/>
+          </a:xfrm>
+          <a:prstGeom prst="arc">
+            <a:avLst/>
+          </a:prstGeom>
+          <a:ln>
+            <a:headEnd type="none" w="med" len="med"/>
+            <a:tailEnd type="arrow" w="med" len="med"/>
+          </a:ln>
+        </p:spPr>
+        <p:style>
+          <a:lnRef idx="1">
+            <a:schemeClr val="accent1"/>
+          </a:lnRef>
+          <a:fillRef idx="0">
+            <a:schemeClr val="accent1"/>
+          </a:fillRef>
+          <a:effectRef idx="0">
+            <a:schemeClr val="accent1"/>
+          </a:effectRef>
+          <a:fontRef idx="minor">
+            <a:schemeClr val="tx1"/>
+          </a:fontRef>
+        </p:style>
+        <p:txBody>
+          <a:bodyPr rtlCol="0" anchor="ctr"/>
+          <a:lstStyle/>
+          <a:p>
+            <a:pPr algn="ctr"/>
+            <a:endParaRPr kumimoji="1" lang="ja-JP" altLang="en-US"/>
+          </a:p>
+        </p:txBody>
+      </p:sp>
+      <p:cxnSp>
+        <p:nvCxnSpPr>
+          <p:cNvPr id="71" name="直線矢印コネクタ 70">
+            <a:extLst>
+              <a:ext uri="{FF2B5EF4-FFF2-40B4-BE49-F238E27FC236}">
+                <a16:creationId xmlns:a16="http://schemas.microsoft.com/office/drawing/2014/main" id="{E1414AD9-C871-3002-12C0-9F481D9B7E85}"/>
+              </a:ext>
+            </a:extLst>
+          </p:cNvPr>
+          <p:cNvCxnSpPr>
+            <a:cxnSpLocks/>
+          </p:cNvCxnSpPr>
+          <p:nvPr/>
+        </p:nvCxnSpPr>
+        <p:spPr>
+          <a:xfrm flipH="1">
+            <a:off x="8688288" y="3068960"/>
+            <a:ext cx="368424" cy="0"/>
+          </a:xfrm>
+          <a:prstGeom prst="straightConnector1">
+            <a:avLst/>
+          </a:prstGeom>
+          <a:ln w="19050">
+            <a:solidFill>
+              <a:srgbClr val="FF0000"/>
+            </a:solidFill>
+            <a:tailEnd type="triangle"/>
+          </a:ln>
+        </p:spPr>
+        <p:style>
+          <a:lnRef idx="1">
+            <a:schemeClr val="accent1"/>
+          </a:lnRef>
+          <a:fillRef idx="0">
+            <a:schemeClr val="accent1"/>
+          </a:fillRef>
+          <a:effectRef idx="0">
+            <a:schemeClr val="accent1"/>
+          </a:effectRef>
+          <a:fontRef idx="minor">
+            <a:schemeClr val="tx1"/>
+          </a:fontRef>
+        </p:style>
+      </p:cxnSp>
+      <p:cxnSp>
+        <p:nvCxnSpPr>
+          <p:cNvPr id="72" name="直線矢印コネクタ 71">
+            <a:extLst>
+              <a:ext uri="{FF2B5EF4-FFF2-40B4-BE49-F238E27FC236}">
+                <a16:creationId xmlns:a16="http://schemas.microsoft.com/office/drawing/2014/main" id="{C03DC423-CAFB-F942-82C5-09B40A439FFA}"/>
+              </a:ext>
+            </a:extLst>
+          </p:cNvPr>
+          <p:cNvCxnSpPr>
+            <a:cxnSpLocks/>
+          </p:cNvCxnSpPr>
+          <p:nvPr/>
+        </p:nvCxnSpPr>
+        <p:spPr>
+          <a:xfrm flipH="1">
+            <a:off x="8688288" y="3429000"/>
+            <a:ext cx="368424" cy="0"/>
+          </a:xfrm>
+          <a:prstGeom prst="straightConnector1">
+            <a:avLst/>
+          </a:prstGeom>
+          <a:ln w="19050">
+            <a:solidFill>
+              <a:srgbClr val="FF0000"/>
+            </a:solidFill>
+            <a:tailEnd type="triangle"/>
+          </a:ln>
+        </p:spPr>
+        <p:style>
+          <a:lnRef idx="1">
+            <a:schemeClr val="accent1"/>
+          </a:lnRef>
+          <a:fillRef idx="0">
+            <a:schemeClr val="accent1"/>
+          </a:fillRef>
+          <a:effectRef idx="0">
+            <a:schemeClr val="accent1"/>
+          </a:effectRef>
+          <a:fontRef idx="minor">
+            <a:schemeClr val="tx1"/>
+          </a:fontRef>
+        </p:style>
+      </p:cxnSp>
+      <p:cxnSp>
+        <p:nvCxnSpPr>
+          <p:cNvPr id="73" name="直線矢印コネクタ 72">
+            <a:extLst>
+              <a:ext uri="{FF2B5EF4-FFF2-40B4-BE49-F238E27FC236}">
+                <a16:creationId xmlns:a16="http://schemas.microsoft.com/office/drawing/2014/main" id="{22F4E072-E192-A86A-8A5E-FCB711D4F5A0}"/>
+              </a:ext>
+            </a:extLst>
+          </p:cNvPr>
+          <p:cNvCxnSpPr>
+            <a:cxnSpLocks/>
+          </p:cNvCxnSpPr>
+          <p:nvPr/>
+        </p:nvCxnSpPr>
+        <p:spPr>
+          <a:xfrm flipH="1">
+            <a:off x="8688288" y="3789040"/>
+            <a:ext cx="368424" cy="0"/>
+          </a:xfrm>
+          <a:prstGeom prst="straightConnector1">
+            <a:avLst/>
+          </a:prstGeom>
+          <a:ln w="19050">
+            <a:solidFill>
+              <a:srgbClr val="FF0000"/>
+            </a:solidFill>
+            <a:tailEnd type="triangle"/>
+          </a:ln>
+        </p:spPr>
+        <p:style>
+          <a:lnRef idx="1">
+            <a:schemeClr val="accent1"/>
+          </a:lnRef>
+          <a:fillRef idx="0">
+            <a:schemeClr val="accent1"/>
+          </a:fillRef>
+          <a:effectRef idx="0">
+            <a:schemeClr val="accent1"/>
+          </a:effectRef>
+          <a:fontRef idx="minor">
+            <a:schemeClr val="tx1"/>
+          </a:fontRef>
+        </p:style>
+      </p:cxnSp>
+      <p:cxnSp>
+        <p:nvCxnSpPr>
+          <p:cNvPr id="74" name="直線矢印コネクタ 73">
+            <a:extLst>
+              <a:ext uri="{FF2B5EF4-FFF2-40B4-BE49-F238E27FC236}">
+                <a16:creationId xmlns:a16="http://schemas.microsoft.com/office/drawing/2014/main" id="{28C7D79B-F9F3-8755-0698-F646F64DB530}"/>
+              </a:ext>
+            </a:extLst>
+          </p:cNvPr>
+          <p:cNvCxnSpPr>
+            <a:cxnSpLocks/>
+          </p:cNvCxnSpPr>
+          <p:nvPr/>
+        </p:nvCxnSpPr>
+        <p:spPr>
+          <a:xfrm flipV="1">
+            <a:off x="8688288" y="2348880"/>
+            <a:ext cx="0" cy="360040"/>
+          </a:xfrm>
+          <a:prstGeom prst="straightConnector1">
+            <a:avLst/>
+          </a:prstGeom>
+          <a:ln w="19050">
+            <a:solidFill>
+              <a:srgbClr val="FF0000"/>
+            </a:solidFill>
+            <a:tailEnd type="triangle"/>
+          </a:ln>
+        </p:spPr>
+        <p:style>
+          <a:lnRef idx="1">
+            <a:schemeClr val="accent1"/>
+          </a:lnRef>
+          <a:fillRef idx="0">
+            <a:schemeClr val="accent1"/>
+          </a:fillRef>
+          <a:effectRef idx="0">
+            <a:schemeClr val="accent1"/>
+          </a:effectRef>
+          <a:fontRef idx="minor">
+            <a:schemeClr val="tx1"/>
+          </a:fontRef>
+        </p:style>
+      </p:cxnSp>
+      <p:cxnSp>
+        <p:nvCxnSpPr>
+          <p:cNvPr id="75" name="直線矢印コネクタ 74">
+            <a:extLst>
+              <a:ext uri="{FF2B5EF4-FFF2-40B4-BE49-F238E27FC236}">
+                <a16:creationId xmlns:a16="http://schemas.microsoft.com/office/drawing/2014/main" id="{13B556C1-5285-F1E0-1383-B8480DDC815B}"/>
+              </a:ext>
+            </a:extLst>
+          </p:cNvPr>
+          <p:cNvCxnSpPr>
+            <a:cxnSpLocks/>
+          </p:cNvCxnSpPr>
+          <p:nvPr/>
+        </p:nvCxnSpPr>
+        <p:spPr>
+          <a:xfrm flipV="1">
+            <a:off x="8328248" y="2348880"/>
+            <a:ext cx="0" cy="360040"/>
+          </a:xfrm>
+          <a:prstGeom prst="straightConnector1">
+            <a:avLst/>
+          </a:prstGeom>
+          <a:ln w="19050">
+            <a:solidFill>
+              <a:srgbClr val="FF0000"/>
+            </a:solidFill>
+            <a:tailEnd type="triangle"/>
+          </a:ln>
+        </p:spPr>
+        <p:style>
+          <a:lnRef idx="1">
+            <a:schemeClr val="accent1"/>
+          </a:lnRef>
+          <a:fillRef idx="0">
+            <a:schemeClr val="accent1"/>
+          </a:fillRef>
+          <a:effectRef idx="0">
+            <a:schemeClr val="accent1"/>
+          </a:effectRef>
+          <a:fontRef idx="minor">
+            <a:schemeClr val="tx1"/>
+          </a:fontRef>
+        </p:style>
+      </p:cxnSp>
+      <p:cxnSp>
+        <p:nvCxnSpPr>
+          <p:cNvPr id="76" name="直線矢印コネクタ 75">
+            <a:extLst>
+              <a:ext uri="{FF2B5EF4-FFF2-40B4-BE49-F238E27FC236}">
+                <a16:creationId xmlns:a16="http://schemas.microsoft.com/office/drawing/2014/main" id="{C7FD5E2D-5170-BB06-E93E-DC9B79673FC4}"/>
+              </a:ext>
+            </a:extLst>
+          </p:cNvPr>
+          <p:cNvCxnSpPr>
+            <a:cxnSpLocks/>
+          </p:cNvCxnSpPr>
+          <p:nvPr/>
+        </p:nvCxnSpPr>
+        <p:spPr>
+          <a:xfrm flipV="1">
+            <a:off x="7968208" y="2348880"/>
+            <a:ext cx="0" cy="360040"/>
+          </a:xfrm>
+          <a:prstGeom prst="straightConnector1">
+            <a:avLst/>
+          </a:prstGeom>
+          <a:ln w="19050">
+            <a:solidFill>
+              <a:srgbClr val="FF0000"/>
+            </a:solidFill>
+            <a:tailEnd type="triangle"/>
+          </a:ln>
+        </p:spPr>
+        <p:style>
+          <a:lnRef idx="1">
+            <a:schemeClr val="accent1"/>
+          </a:lnRef>
+          <a:fillRef idx="0">
+            <a:schemeClr val="accent1"/>
+          </a:fillRef>
+          <a:effectRef idx="0">
+            <a:schemeClr val="accent1"/>
+          </a:effectRef>
+          <a:fontRef idx="minor">
+            <a:schemeClr val="tx1"/>
+          </a:fontRef>
+        </p:style>
+      </p:cxnSp>
+      <p:cxnSp>
+        <p:nvCxnSpPr>
+          <p:cNvPr id="78" name="直線矢印コネクタ 77">
+            <a:extLst>
+              <a:ext uri="{FF2B5EF4-FFF2-40B4-BE49-F238E27FC236}">
+                <a16:creationId xmlns:a16="http://schemas.microsoft.com/office/drawing/2014/main" id="{E95C8566-6DF6-38DA-7504-130519AE0D02}"/>
+              </a:ext>
+            </a:extLst>
+          </p:cNvPr>
+          <p:cNvCxnSpPr>
+            <a:cxnSpLocks/>
+          </p:cNvCxnSpPr>
+          <p:nvPr/>
+        </p:nvCxnSpPr>
+        <p:spPr>
+          <a:xfrm>
+            <a:off x="9408368" y="2708920"/>
+            <a:ext cx="0" cy="360040"/>
+          </a:xfrm>
+          <a:prstGeom prst="straightConnector1">
+            <a:avLst/>
+          </a:prstGeom>
+          <a:ln w="19050">
+            <a:solidFill>
+              <a:srgbClr val="FF0000"/>
+            </a:solidFill>
+            <a:tailEnd type="triangle"/>
+          </a:ln>
+        </p:spPr>
+        <p:style>
+          <a:lnRef idx="1">
+            <a:schemeClr val="accent1"/>
+          </a:lnRef>
+          <a:fillRef idx="0">
+            <a:schemeClr val="accent1"/>
+          </a:fillRef>
+          <a:effectRef idx="0">
+            <a:schemeClr val="accent1"/>
+          </a:effectRef>
+          <a:fontRef idx="minor">
+            <a:schemeClr val="tx1"/>
+          </a:fontRef>
+        </p:style>
+      </p:cxnSp>
+      <p:cxnSp>
+        <p:nvCxnSpPr>
+          <p:cNvPr id="79" name="直線矢印コネクタ 78">
+            <a:extLst>
+              <a:ext uri="{FF2B5EF4-FFF2-40B4-BE49-F238E27FC236}">
+                <a16:creationId xmlns:a16="http://schemas.microsoft.com/office/drawing/2014/main" id="{8C1E1DBB-E5D8-DCEC-762A-D96CA3824824}"/>
+              </a:ext>
+            </a:extLst>
+          </p:cNvPr>
+          <p:cNvCxnSpPr>
+            <a:cxnSpLocks/>
+          </p:cNvCxnSpPr>
+          <p:nvPr/>
+        </p:nvCxnSpPr>
+        <p:spPr>
+          <a:xfrm>
+            <a:off x="9768408" y="2708920"/>
+            <a:ext cx="0" cy="360040"/>
+          </a:xfrm>
+          <a:prstGeom prst="straightConnector1">
+            <a:avLst/>
+          </a:prstGeom>
+          <a:ln w="19050">
+            <a:solidFill>
+              <a:srgbClr val="FF0000"/>
+            </a:solidFill>
+            <a:tailEnd type="triangle"/>
+          </a:ln>
+        </p:spPr>
+        <p:style>
+          <a:lnRef idx="1">
+            <a:schemeClr val="accent1"/>
+          </a:lnRef>
+          <a:fillRef idx="0">
+            <a:schemeClr val="accent1"/>
+          </a:fillRef>
+          <a:effectRef idx="0">
+            <a:schemeClr val="accent1"/>
+          </a:effectRef>
+          <a:fontRef idx="minor">
+            <a:schemeClr val="tx1"/>
+          </a:fontRef>
+        </p:style>
+      </p:cxnSp>
+      <p:cxnSp>
+        <p:nvCxnSpPr>
+          <p:cNvPr id="80" name="直線矢印コネクタ 79">
+            <a:extLst>
+              <a:ext uri="{FF2B5EF4-FFF2-40B4-BE49-F238E27FC236}">
+                <a16:creationId xmlns:a16="http://schemas.microsoft.com/office/drawing/2014/main" id="{515C900F-22D5-45CB-9B61-4C206AAFFDE1}"/>
+              </a:ext>
+            </a:extLst>
+          </p:cNvPr>
+          <p:cNvCxnSpPr>
+            <a:cxnSpLocks/>
+          </p:cNvCxnSpPr>
+          <p:nvPr/>
+        </p:nvCxnSpPr>
+        <p:spPr>
+          <a:xfrm>
+            <a:off x="10128448" y="2708920"/>
+            <a:ext cx="0" cy="360040"/>
+          </a:xfrm>
+          <a:prstGeom prst="straightConnector1">
+            <a:avLst/>
+          </a:prstGeom>
+          <a:ln w="19050">
+            <a:solidFill>
+              <a:srgbClr val="FF0000"/>
+            </a:solidFill>
+            <a:tailEnd type="triangle"/>
+          </a:ln>
+        </p:spPr>
+        <p:style>
+          <a:lnRef idx="1">
+            <a:schemeClr val="accent1"/>
+          </a:lnRef>
+          <a:fillRef idx="0">
+            <a:schemeClr val="accent1"/>
+          </a:fillRef>
+          <a:effectRef idx="0">
+            <a:schemeClr val="accent1"/>
+          </a:effectRef>
+          <a:fontRef idx="minor">
+            <a:schemeClr val="tx1"/>
+          </a:fontRef>
+        </p:style>
+      </p:cxnSp>
+      <p:sp>
+        <p:nvSpPr>
+          <p:cNvPr id="81" name="円弧 80">
+            <a:extLst>
+              <a:ext uri="{FF2B5EF4-FFF2-40B4-BE49-F238E27FC236}">
+                <a16:creationId xmlns:a16="http://schemas.microsoft.com/office/drawing/2014/main" id="{1EE2E523-5C14-F5B9-7DAB-97B643818825}"/>
+              </a:ext>
+            </a:extLst>
+          </p:cNvPr>
+          <p:cNvSpPr/>
+          <p:nvPr/>
+        </p:nvSpPr>
+        <p:spPr>
+          <a:xfrm rot="5400000">
+            <a:off x="10056440" y="2636912"/>
+            <a:ext cx="360040" cy="360040"/>
+          </a:xfrm>
+          <a:prstGeom prst="arc">
+            <a:avLst/>
+          </a:prstGeom>
+          <a:ln>
+            <a:headEnd type="none" w="med" len="med"/>
+            <a:tailEnd type="arrow" w="med" len="med"/>
+          </a:ln>
+        </p:spPr>
+        <p:style>
+          <a:lnRef idx="1">
+            <a:schemeClr val="accent1"/>
+          </a:lnRef>
+          <a:fillRef idx="0">
+            <a:schemeClr val="accent1"/>
+          </a:fillRef>
+          <a:effectRef idx="0">
+            <a:schemeClr val="accent1"/>
+          </a:effectRef>
+          <a:fontRef idx="minor">
+            <a:schemeClr val="tx1"/>
+          </a:fontRef>
+        </p:style>
+        <p:txBody>
+          <a:bodyPr rtlCol="0" anchor="ctr"/>
+          <a:lstStyle/>
+          <a:p>
+            <a:pPr algn="ctr"/>
+            <a:endParaRPr kumimoji="1" lang="ja-JP" altLang="en-US"/>
+          </a:p>
+        </p:txBody>
+      </p:sp>
+      <p:sp>
+        <p:nvSpPr>
+          <p:cNvPr id="82" name="円弧 81">
+            <a:extLst>
+              <a:ext uri="{FF2B5EF4-FFF2-40B4-BE49-F238E27FC236}">
+                <a16:creationId xmlns:a16="http://schemas.microsoft.com/office/drawing/2014/main" id="{1DD50992-A9A9-63A5-8D27-28080C1381A2}"/>
+              </a:ext>
+            </a:extLst>
+          </p:cNvPr>
+          <p:cNvSpPr/>
+          <p:nvPr/>
+        </p:nvSpPr>
+        <p:spPr>
+          <a:xfrm rot="10800000">
+            <a:off x="8760296" y="3717032"/>
+            <a:ext cx="360040" cy="360040"/>
+          </a:xfrm>
+          <a:prstGeom prst="arc">
+            <a:avLst/>
+          </a:prstGeom>
+          <a:ln>
+            <a:headEnd type="none" w="med" len="med"/>
+            <a:tailEnd type="arrow" w="med" len="med"/>
+          </a:ln>
+        </p:spPr>
+        <p:style>
+          <a:lnRef idx="1">
+            <a:schemeClr val="accent1"/>
+          </a:lnRef>
+          <a:fillRef idx="0">
+            <a:schemeClr val="accent1"/>
+          </a:fillRef>
+          <a:effectRef idx="0">
+            <a:schemeClr val="accent1"/>
+          </a:effectRef>
+          <a:fontRef idx="minor">
+            <a:schemeClr val="tx1"/>
+          </a:fontRef>
+        </p:style>
+        <p:txBody>
+          <a:bodyPr rtlCol="0" anchor="ctr"/>
+          <a:lstStyle/>
+          <a:p>
+            <a:pPr algn="ctr"/>
+            <a:endParaRPr kumimoji="1" lang="ja-JP" altLang="en-US"/>
+          </a:p>
+        </p:txBody>
+      </p:sp>
+      <p:sp>
+        <p:nvSpPr>
+          <p:cNvPr id="83" name="円弧 82">
+            <a:extLst>
+              <a:ext uri="{FF2B5EF4-FFF2-40B4-BE49-F238E27FC236}">
+                <a16:creationId xmlns:a16="http://schemas.microsoft.com/office/drawing/2014/main" id="{61F3DEED-6679-AA0D-A429-8B8FA5C60CC4}"/>
+              </a:ext>
+            </a:extLst>
+          </p:cNvPr>
+          <p:cNvSpPr/>
+          <p:nvPr/>
+        </p:nvSpPr>
+        <p:spPr>
+          <a:xfrm rot="16200000">
+            <a:off x="7680176" y="2420888"/>
+            <a:ext cx="360040" cy="360040"/>
+          </a:xfrm>
+          <a:prstGeom prst="arc">
+            <a:avLst/>
+          </a:prstGeom>
+          <a:ln>
+            <a:headEnd type="none" w="med" len="med"/>
+            <a:tailEnd type="arrow" w="med" len="med"/>
+          </a:ln>
+        </p:spPr>
+        <p:style>
+          <a:lnRef idx="1">
+            <a:schemeClr val="accent1"/>
+          </a:lnRef>
+          <a:fillRef idx="0">
+            <a:schemeClr val="accent1"/>
+          </a:fillRef>
+          <a:effectRef idx="0">
+            <a:schemeClr val="accent1"/>
+          </a:effectRef>
+          <a:fontRef idx="minor">
+            <a:schemeClr val="tx1"/>
+          </a:fontRef>
+        </p:style>
+        <p:txBody>
+          <a:bodyPr rtlCol="0" anchor="ctr"/>
+          <a:lstStyle/>
+          <a:p>
+            <a:pPr algn="ctr"/>
+            <a:endParaRPr kumimoji="1" lang="ja-JP" altLang="en-US"/>
+          </a:p>
+        </p:txBody>
+      </p:sp>
+      <p:sp>
+        <p:nvSpPr>
+          <p:cNvPr id="84" name="矢印: 右 83">
+            <a:extLst>
+              <a:ext uri="{FF2B5EF4-FFF2-40B4-BE49-F238E27FC236}">
+                <a16:creationId xmlns:a16="http://schemas.microsoft.com/office/drawing/2014/main" id="{7BB7FDBD-55B3-0CA1-D245-9B349585E031}"/>
+              </a:ext>
+            </a:extLst>
+          </p:cNvPr>
+          <p:cNvSpPr/>
+          <p:nvPr/>
+        </p:nvSpPr>
+        <p:spPr>
+          <a:xfrm>
+            <a:off x="3575720" y="2564904"/>
+            <a:ext cx="288032" cy="288032"/>
+          </a:xfrm>
+          <a:prstGeom prst="rightArrow">
+            <a:avLst/>
+          </a:prstGeom>
+        </p:spPr>
+        <p:style>
+          <a:lnRef idx="2">
+            <a:schemeClr val="accent1">
+              <a:shade val="50000"/>
+            </a:schemeClr>
+          </a:lnRef>
+          <a:fillRef idx="1">
+            <a:schemeClr val="accent1"/>
+          </a:fillRef>
+          <a:effectRef idx="0">
+            <a:schemeClr val="accent1"/>
+          </a:effectRef>
+          <a:fontRef idx="minor">
+            <a:schemeClr val="lt1"/>
+          </a:fontRef>
+        </p:style>
+        <p:txBody>
+          <a:bodyPr rtlCol="0" anchor="ctr"/>
+          <a:lstStyle/>
+          <a:p>
+            <a:pPr algn="ctr"/>
+            <a:endParaRPr kumimoji="1" lang="ja-JP" altLang="en-US"/>
+          </a:p>
+        </p:txBody>
+      </p:sp>
+      <p:sp>
+        <p:nvSpPr>
+          <p:cNvPr id="86" name="矢印: 右 85">
+            <a:extLst>
+              <a:ext uri="{FF2B5EF4-FFF2-40B4-BE49-F238E27FC236}">
+                <a16:creationId xmlns:a16="http://schemas.microsoft.com/office/drawing/2014/main" id="{E0C13F15-70AA-6034-B9AA-7C57B1E0F6FA}"/>
+              </a:ext>
+            </a:extLst>
+          </p:cNvPr>
+          <p:cNvSpPr/>
+          <p:nvPr/>
+        </p:nvSpPr>
+        <p:spPr>
+          <a:xfrm>
+            <a:off x="7176120" y="2564904"/>
+            <a:ext cx="288032" cy="288032"/>
+          </a:xfrm>
+          <a:prstGeom prst="rightArrow">
+            <a:avLst/>
+          </a:prstGeom>
+        </p:spPr>
+        <p:style>
+          <a:lnRef idx="2">
+            <a:schemeClr val="accent1">
+              <a:shade val="50000"/>
+            </a:schemeClr>
+          </a:lnRef>
+          <a:fillRef idx="1">
+            <a:schemeClr val="accent1"/>
+          </a:fillRef>
+          <a:effectRef idx="0">
+            <a:schemeClr val="accent1"/>
+          </a:effectRef>
+          <a:fontRef idx="minor">
+            <a:schemeClr val="lt1"/>
+          </a:fontRef>
+        </p:style>
+        <p:txBody>
+          <a:bodyPr rtlCol="0" anchor="ctr"/>
+          <a:lstStyle/>
+          <a:p>
+            <a:pPr algn="ctr"/>
+            <a:endParaRPr kumimoji="1" lang="ja-JP" altLang="en-US"/>
+          </a:p>
+        </p:txBody>
+      </p:sp>
+    </p:spTree>
+    <p:extLst>
+      <p:ext uri="{BB962C8B-B14F-4D97-AF65-F5344CB8AC3E}">
+        <p14:creationId xmlns:p14="http://schemas.microsoft.com/office/powerpoint/2010/main" val="1102917168"/>
       </p:ext>
     </p:extLst>
   </p:cSld>

--- a/phasespace/fig/fig.pptx
+++ b/phasespace/fig/fig.pptx
@@ -7,6 +7,8 @@
   <p:sldIdLst>
     <p:sldId id="256" r:id="rId2"/>
     <p:sldId id="257" r:id="rId3"/>
+    <p:sldId id="259" r:id="rId4"/>
+    <p:sldId id="258" r:id="rId5"/>
   </p:sldIdLst>
   <p:sldSz cx="12192000" cy="6858000"/>
   <p:notesSz cx="6858000" cy="9144000"/>
@@ -5766,7 +5768,7 @@
         </p:nvSpPr>
         <p:spPr>
           <a:xfrm rot="10800000">
-            <a:off x="2135560" y="4063108"/>
+            <a:off x="2135560" y="3987316"/>
             <a:ext cx="288032" cy="340616"/>
           </a:xfrm>
           <a:prstGeom prst="rightArrow">
@@ -6720,8 +6722,8 @@
           </a:fontRef>
         </p:style>
       </p:cxnSp>
-      <mc:AlternateContent xmlns:mc="http://schemas.openxmlformats.org/markup-compatibility/2006">
-        <mc:Choice xmlns:a14="http://schemas.microsoft.com/office/drawing/2010/main" Requires="a14">
+      <mc:AlternateContent xmlns:mc="http://schemas.openxmlformats.org/markup-compatibility/2006" xmlns:a14="http://schemas.microsoft.com/office/drawing/2010/main">
+        <mc:Choice Requires="a14">
           <p:sp>
             <p:nvSpPr>
               <p:cNvPr id="6" name="テキスト ボックス 5">
@@ -6750,6 +6752,7 @@
               </a:bodyPr>
               <a:lstStyle/>
               <a:p>
+                <a:pPr/>
                 <a14:m>
                   <m:oMathPara xmlns:m="http://schemas.openxmlformats.org/officeDocument/2006/math">
                     <m:oMathParaPr>
@@ -6800,7 +6803,7 @@
             </p:txBody>
           </p:sp>
         </mc:Choice>
-        <mc:Fallback>
+        <mc:Fallback xmlns="">
           <p:sp>
             <p:nvSpPr>
               <p:cNvPr id="6" name="テキスト ボックス 5">
@@ -6845,8 +6848,8 @@
           </p:sp>
         </mc:Fallback>
       </mc:AlternateContent>
-      <mc:AlternateContent xmlns:mc="http://schemas.openxmlformats.org/markup-compatibility/2006">
-        <mc:Choice xmlns:a14="http://schemas.microsoft.com/office/drawing/2010/main" Requires="a14">
+      <mc:AlternateContent xmlns:mc="http://schemas.openxmlformats.org/markup-compatibility/2006" xmlns:a14="http://schemas.microsoft.com/office/drawing/2010/main">
+        <mc:Choice Requires="a14">
           <p:sp>
             <p:nvSpPr>
               <p:cNvPr id="7" name="テキスト ボックス 6">
@@ -6875,6 +6878,7 @@
               </a:bodyPr>
               <a:lstStyle/>
               <a:p>
+                <a:pPr/>
                 <a14:m>
                   <m:oMathPara xmlns:m="http://schemas.openxmlformats.org/officeDocument/2006/math">
                     <m:oMathParaPr>
@@ -6934,7 +6938,7 @@
             </p:txBody>
           </p:sp>
         </mc:Choice>
-        <mc:Fallback>
+        <mc:Fallback xmlns="">
           <p:sp>
             <p:nvSpPr>
               <p:cNvPr id="7" name="テキスト ボックス 6">
@@ -6979,8 +6983,8 @@
           </p:sp>
         </mc:Fallback>
       </mc:AlternateContent>
-      <mc:AlternateContent xmlns:mc="http://schemas.openxmlformats.org/markup-compatibility/2006">
-        <mc:Choice xmlns:a14="http://schemas.microsoft.com/office/drawing/2010/main" Requires="a14">
+      <mc:AlternateContent xmlns:mc="http://schemas.openxmlformats.org/markup-compatibility/2006" xmlns:a14="http://schemas.microsoft.com/office/drawing/2010/main">
+        <mc:Choice Requires="a14">
           <p:sp>
             <p:nvSpPr>
               <p:cNvPr id="8" name="テキスト ボックス 7">
@@ -7009,6 +7013,7 @@
               </a:bodyPr>
               <a:lstStyle/>
               <a:p>
+                <a:pPr/>
                 <a14:m>
                   <m:oMathPara xmlns:m="http://schemas.openxmlformats.org/officeDocument/2006/math">
                     <m:oMathParaPr>
@@ -7068,7 +7073,7 @@
             </p:txBody>
           </p:sp>
         </mc:Choice>
-        <mc:Fallback>
+        <mc:Fallback xmlns="">
           <p:sp>
             <p:nvSpPr>
               <p:cNvPr id="8" name="テキスト ボックス 7">
@@ -7113,8 +7118,8 @@
           </p:sp>
         </mc:Fallback>
       </mc:AlternateContent>
-      <mc:AlternateContent xmlns:mc="http://schemas.openxmlformats.org/markup-compatibility/2006">
-        <mc:Choice xmlns:a14="http://schemas.microsoft.com/office/drawing/2010/main" Requires="a14">
+      <mc:AlternateContent xmlns:mc="http://schemas.openxmlformats.org/markup-compatibility/2006" xmlns:a14="http://schemas.microsoft.com/office/drawing/2010/main">
+        <mc:Choice Requires="a14">
           <p:sp>
             <p:nvSpPr>
               <p:cNvPr id="9" name="テキスト ボックス 8">
@@ -7164,7 +7169,7 @@
             </p:txBody>
           </p:sp>
         </mc:Choice>
-        <mc:Fallback>
+        <mc:Fallback xmlns="">
           <p:sp>
             <p:nvSpPr>
               <p:cNvPr id="9" name="テキスト ボックス 8">
@@ -7209,8 +7214,8 @@
           </p:sp>
         </mc:Fallback>
       </mc:AlternateContent>
-      <mc:AlternateContent xmlns:mc="http://schemas.openxmlformats.org/markup-compatibility/2006">
-        <mc:Choice xmlns:a14="http://schemas.microsoft.com/office/drawing/2010/main" Requires="a14">
+      <mc:AlternateContent xmlns:mc="http://schemas.openxmlformats.org/markup-compatibility/2006" xmlns:a14="http://schemas.microsoft.com/office/drawing/2010/main">
+        <mc:Choice Requires="a14">
           <p:sp>
             <p:nvSpPr>
               <p:cNvPr id="10" name="テキスト ボックス 9">
@@ -7260,7 +7265,7 @@
             </p:txBody>
           </p:sp>
         </mc:Choice>
-        <mc:Fallback>
+        <mc:Fallback xmlns="">
           <p:sp>
             <p:nvSpPr>
               <p:cNvPr id="10" name="テキスト ボックス 9">
@@ -7305,8 +7310,8 @@
           </p:sp>
         </mc:Fallback>
       </mc:AlternateContent>
-      <mc:AlternateContent xmlns:mc="http://schemas.openxmlformats.org/markup-compatibility/2006">
-        <mc:Choice xmlns:a14="http://schemas.microsoft.com/office/drawing/2010/main" Requires="a14">
+      <mc:AlternateContent xmlns:mc="http://schemas.openxmlformats.org/markup-compatibility/2006" xmlns:a14="http://schemas.microsoft.com/office/drawing/2010/main">
+        <mc:Choice Requires="a14">
           <p:sp>
             <p:nvSpPr>
               <p:cNvPr id="11" name="テキスト ボックス 10">
@@ -7356,7 +7361,7 @@
             </p:txBody>
           </p:sp>
         </mc:Choice>
-        <mc:Fallback>
+        <mc:Fallback xmlns="">
           <p:sp>
             <p:nvSpPr>
               <p:cNvPr id="11" name="テキスト ボックス 10">
@@ -7645,8 +7650,8 @@
           </a:fontRef>
         </p:style>
       </p:cxnSp>
-      <mc:AlternateContent xmlns:mc="http://schemas.openxmlformats.org/markup-compatibility/2006">
-        <mc:Choice xmlns:a14="http://schemas.microsoft.com/office/drawing/2010/main" Requires="a14">
+      <mc:AlternateContent xmlns:mc="http://schemas.openxmlformats.org/markup-compatibility/2006" xmlns:a14="http://schemas.microsoft.com/office/drawing/2010/main">
+        <mc:Choice Requires="a14">
           <p:sp>
             <p:nvSpPr>
               <p:cNvPr id="20" name="テキスト ボックス 19">
@@ -7696,7 +7701,7 @@
             </p:txBody>
           </p:sp>
         </mc:Choice>
-        <mc:Fallback>
+        <mc:Fallback xmlns="">
           <p:sp>
             <p:nvSpPr>
               <p:cNvPr id="20" name="テキスト ボックス 19">
@@ -7741,8 +7746,8 @@
           </p:sp>
         </mc:Fallback>
       </mc:AlternateContent>
-      <mc:AlternateContent xmlns:mc="http://schemas.openxmlformats.org/markup-compatibility/2006">
-        <mc:Choice xmlns:a14="http://schemas.microsoft.com/office/drawing/2010/main" Requires="a14">
+      <mc:AlternateContent xmlns:mc="http://schemas.openxmlformats.org/markup-compatibility/2006" xmlns:a14="http://schemas.microsoft.com/office/drawing/2010/main">
+        <mc:Choice Requires="a14">
           <p:sp>
             <p:nvSpPr>
               <p:cNvPr id="21" name="テキスト ボックス 20">
@@ -7792,7 +7797,7 @@
             </p:txBody>
           </p:sp>
         </mc:Choice>
-        <mc:Fallback>
+        <mc:Fallback xmlns="">
           <p:sp>
             <p:nvSpPr>
               <p:cNvPr id="21" name="テキスト ボックス 20">
@@ -7837,8 +7842,8 @@
           </p:sp>
         </mc:Fallback>
       </mc:AlternateContent>
-      <mc:AlternateContent xmlns:mc="http://schemas.openxmlformats.org/markup-compatibility/2006">
-        <mc:Choice xmlns:a14="http://schemas.microsoft.com/office/drawing/2010/main" Requires="a14">
+      <mc:AlternateContent xmlns:mc="http://schemas.openxmlformats.org/markup-compatibility/2006" xmlns:a14="http://schemas.microsoft.com/office/drawing/2010/main">
+        <mc:Choice Requires="a14">
           <p:sp>
             <p:nvSpPr>
               <p:cNvPr id="22" name="テキスト ボックス 21">
@@ -7888,7 +7893,7 @@
             </p:txBody>
           </p:sp>
         </mc:Choice>
-        <mc:Fallback>
+        <mc:Fallback xmlns="">
           <p:sp>
             <p:nvSpPr>
               <p:cNvPr id="22" name="テキスト ボックス 21">
@@ -8710,8 +8715,8 @@
           </a:fontRef>
         </p:style>
       </p:cxnSp>
-      <mc:AlternateContent xmlns:mc="http://schemas.openxmlformats.org/markup-compatibility/2006">
-        <mc:Choice xmlns:a14="http://schemas.microsoft.com/office/drawing/2010/main" Requires="a14">
+      <mc:AlternateContent xmlns:mc="http://schemas.openxmlformats.org/markup-compatibility/2006" xmlns:a14="http://schemas.microsoft.com/office/drawing/2010/main">
+        <mc:Choice Requires="a14">
           <p:sp>
             <p:nvSpPr>
               <p:cNvPr id="47" name="テキスト ボックス 46">
@@ -8761,7 +8766,7 @@
             </p:txBody>
           </p:sp>
         </mc:Choice>
-        <mc:Fallback>
+        <mc:Fallback xmlns="">
           <p:sp>
             <p:nvSpPr>
               <p:cNvPr id="47" name="テキスト ボックス 46">
@@ -8806,8 +8811,8 @@
           </p:sp>
         </mc:Fallback>
       </mc:AlternateContent>
-      <mc:AlternateContent xmlns:mc="http://schemas.openxmlformats.org/markup-compatibility/2006">
-        <mc:Choice xmlns:a14="http://schemas.microsoft.com/office/drawing/2010/main" Requires="a14">
+      <mc:AlternateContent xmlns:mc="http://schemas.openxmlformats.org/markup-compatibility/2006" xmlns:a14="http://schemas.microsoft.com/office/drawing/2010/main">
+        <mc:Choice Requires="a14">
           <p:sp>
             <p:nvSpPr>
               <p:cNvPr id="48" name="テキスト ボックス 47">
@@ -8857,7 +8862,7 @@
             </p:txBody>
           </p:sp>
         </mc:Choice>
-        <mc:Fallback>
+        <mc:Fallback xmlns="">
           <p:sp>
             <p:nvSpPr>
               <p:cNvPr id="48" name="テキスト ボックス 47">
@@ -8902,8 +8907,8 @@
           </p:sp>
         </mc:Fallback>
       </mc:AlternateContent>
-      <mc:AlternateContent xmlns:mc="http://schemas.openxmlformats.org/markup-compatibility/2006">
-        <mc:Choice xmlns:a14="http://schemas.microsoft.com/office/drawing/2010/main" Requires="a14">
+      <mc:AlternateContent xmlns:mc="http://schemas.openxmlformats.org/markup-compatibility/2006" xmlns:a14="http://schemas.microsoft.com/office/drawing/2010/main">
+        <mc:Choice Requires="a14">
           <p:sp>
             <p:nvSpPr>
               <p:cNvPr id="49" name="テキスト ボックス 48">
@@ -8953,7 +8958,7 @@
             </p:txBody>
           </p:sp>
         </mc:Choice>
-        <mc:Fallback>
+        <mc:Fallback xmlns="">
           <p:sp>
             <p:nvSpPr>
               <p:cNvPr id="49" name="テキスト ボックス 48">
@@ -10521,6 +10526,3511 @@
     <p:extLst>
       <p:ext uri="{BB962C8B-B14F-4D97-AF65-F5344CB8AC3E}">
         <p14:creationId xmlns:p14="http://schemas.microsoft.com/office/powerpoint/2010/main" val="1102917168"/>
+      </p:ext>
+    </p:extLst>
+  </p:cSld>
+  <p:clrMapOvr>
+    <a:masterClrMapping/>
+  </p:clrMapOvr>
+</p:sld>
+</file>
+
+<file path=ppt/slides/slide3.xml><?xml version="1.0" encoding="utf-8"?>
+<p:sld xmlns:a="http://schemas.openxmlformats.org/drawingml/2006/main" xmlns:r="http://schemas.openxmlformats.org/officeDocument/2006/relationships" xmlns:p="http://schemas.openxmlformats.org/presentationml/2006/main">
+  <p:cSld>
+    <p:spTree>
+      <p:nvGrpSpPr>
+        <p:cNvPr id="1" name=""/>
+        <p:cNvGrpSpPr/>
+        <p:nvPr/>
+      </p:nvGrpSpPr>
+      <p:grpSpPr>
+        <a:xfrm>
+          <a:off x="0" y="0"/>
+          <a:ext cx="0" cy="0"/>
+          <a:chOff x="0" y="0"/>
+          <a:chExt cx="0" cy="0"/>
+        </a:xfrm>
+      </p:grpSpPr>
+      <p:cxnSp>
+        <p:nvCxnSpPr>
+          <p:cNvPr id="2" name="直線矢印コネクタ 1">
+            <a:extLst>
+              <a:ext uri="{FF2B5EF4-FFF2-40B4-BE49-F238E27FC236}">
+                <a16:creationId xmlns:a16="http://schemas.microsoft.com/office/drawing/2014/main" id="{CF1B8CA1-7179-5A1A-951B-375E49F41B5A}"/>
+              </a:ext>
+            </a:extLst>
+          </p:cNvPr>
+          <p:cNvCxnSpPr>
+            <a:cxnSpLocks/>
+          </p:cNvCxnSpPr>
+          <p:nvPr/>
+        </p:nvCxnSpPr>
+        <p:spPr>
+          <a:xfrm>
+            <a:off x="983432" y="2708920"/>
+            <a:ext cx="4392488" cy="0"/>
+          </a:xfrm>
+          <a:prstGeom prst="straightConnector1">
+            <a:avLst/>
+          </a:prstGeom>
+          <a:ln>
+            <a:solidFill>
+              <a:schemeClr val="tx1"/>
+            </a:solidFill>
+            <a:headEnd type="none" w="med" len="med"/>
+            <a:tailEnd type="triangle"/>
+          </a:ln>
+        </p:spPr>
+        <p:style>
+          <a:lnRef idx="1">
+            <a:schemeClr val="accent1"/>
+          </a:lnRef>
+          <a:fillRef idx="0">
+            <a:schemeClr val="accent1"/>
+          </a:fillRef>
+          <a:effectRef idx="0">
+            <a:schemeClr val="accent1"/>
+          </a:effectRef>
+          <a:fontRef idx="minor">
+            <a:schemeClr val="tx1"/>
+          </a:fontRef>
+        </p:style>
+      </p:cxnSp>
+      <p:cxnSp>
+        <p:nvCxnSpPr>
+          <p:cNvPr id="3" name="直線コネクタ 2">
+            <a:extLst>
+              <a:ext uri="{FF2B5EF4-FFF2-40B4-BE49-F238E27FC236}">
+                <a16:creationId xmlns:a16="http://schemas.microsoft.com/office/drawing/2014/main" id="{807B8968-404D-F118-5602-08DF1B55A4A1}"/>
+              </a:ext>
+            </a:extLst>
+          </p:cNvPr>
+          <p:cNvCxnSpPr/>
+          <p:nvPr/>
+        </p:nvCxnSpPr>
+        <p:spPr>
+          <a:xfrm>
+            <a:off x="2495600" y="1268760"/>
+            <a:ext cx="0" cy="1440160"/>
+          </a:xfrm>
+          <a:prstGeom prst="line">
+            <a:avLst/>
+          </a:prstGeom>
+          <a:ln>
+            <a:solidFill>
+              <a:schemeClr val="tx1"/>
+            </a:solidFill>
+            <a:headEnd type="none" w="med" len="med"/>
+            <a:tailEnd type="none" w="med" len="med"/>
+          </a:ln>
+        </p:spPr>
+        <p:style>
+          <a:lnRef idx="1">
+            <a:schemeClr val="accent1"/>
+          </a:lnRef>
+          <a:fillRef idx="0">
+            <a:schemeClr val="accent1"/>
+          </a:fillRef>
+          <a:effectRef idx="0">
+            <a:schemeClr val="accent1"/>
+          </a:effectRef>
+          <a:fontRef idx="minor">
+            <a:schemeClr val="tx1"/>
+          </a:fontRef>
+        </p:style>
+      </p:cxnSp>
+      <p:cxnSp>
+        <p:nvCxnSpPr>
+          <p:cNvPr id="4" name="直線コネクタ 3">
+            <a:extLst>
+              <a:ext uri="{FF2B5EF4-FFF2-40B4-BE49-F238E27FC236}">
+                <a16:creationId xmlns:a16="http://schemas.microsoft.com/office/drawing/2014/main" id="{D3497877-CE79-65DB-456D-6E01FFAD684A}"/>
+              </a:ext>
+            </a:extLst>
+          </p:cNvPr>
+          <p:cNvCxnSpPr/>
+          <p:nvPr/>
+        </p:nvCxnSpPr>
+        <p:spPr>
+          <a:xfrm>
+            <a:off x="3575720" y="1268760"/>
+            <a:ext cx="0" cy="1440160"/>
+          </a:xfrm>
+          <a:prstGeom prst="line">
+            <a:avLst/>
+          </a:prstGeom>
+          <a:ln>
+            <a:solidFill>
+              <a:schemeClr val="tx1"/>
+            </a:solidFill>
+            <a:headEnd type="none" w="med" len="med"/>
+            <a:tailEnd type="none" w="med" len="med"/>
+          </a:ln>
+        </p:spPr>
+        <p:style>
+          <a:lnRef idx="1">
+            <a:schemeClr val="accent1"/>
+          </a:lnRef>
+          <a:fillRef idx="0">
+            <a:schemeClr val="accent1"/>
+          </a:fillRef>
+          <a:effectRef idx="0">
+            <a:schemeClr val="accent1"/>
+          </a:effectRef>
+          <a:fontRef idx="minor">
+            <a:schemeClr val="tx1"/>
+          </a:fontRef>
+        </p:style>
+      </p:cxnSp>
+      <mc:AlternateContent xmlns:mc="http://schemas.openxmlformats.org/markup-compatibility/2006">
+        <mc:Choice xmlns:a14="http://schemas.microsoft.com/office/drawing/2010/main" Requires="a14">
+          <p:sp>
+            <p:nvSpPr>
+              <p:cNvPr id="5" name="テキスト ボックス 4">
+                <a:extLst>
+                  <a:ext uri="{FF2B5EF4-FFF2-40B4-BE49-F238E27FC236}">
+                    <a16:creationId xmlns:a16="http://schemas.microsoft.com/office/drawing/2014/main" id="{D06795F5-13E8-E016-59B5-C013AF5D1A93}"/>
+                  </a:ext>
+                </a:extLst>
+              </p:cNvPr>
+              <p:cNvSpPr txBox="1"/>
+              <p:nvPr/>
+            </p:nvSpPr>
+            <p:spPr>
+              <a:xfrm>
+                <a:off x="5591944" y="2492896"/>
+                <a:ext cx="379206" cy="369332"/>
+              </a:xfrm>
+              <a:prstGeom prst="rect">
+                <a:avLst/>
+              </a:prstGeom>
+              <a:noFill/>
+            </p:spPr>
+            <p:txBody>
+              <a:bodyPr wrap="none" rtlCol="0">
+                <a:spAutoFit/>
+              </a:bodyPr>
+              <a:lstStyle/>
+              <a:p>
+                <a:pPr/>
+                <a14:m>
+                  <m:oMathPara xmlns:m="http://schemas.openxmlformats.org/officeDocument/2006/math">
+                    <m:oMathParaPr>
+                      <m:jc m:val="centerGroup"/>
+                    </m:oMathParaPr>
+                    <m:oMath xmlns:m="http://schemas.openxmlformats.org/officeDocument/2006/math">
+                      <m:r>
+                        <a:rPr kumimoji="1" lang="en-US" altLang="ja-JP" b="0" i="1" smtClean="0">
+                          <a:latin typeface="Cambria Math" panose="02040503050406030204" pitchFamily="18" charset="0"/>
+                        </a:rPr>
+                        <m:t>𝑥</m:t>
+                      </m:r>
+                    </m:oMath>
+                  </m:oMathPara>
+                </a14:m>
+                <a:endParaRPr kumimoji="1" lang="ja-JP" altLang="en-US" dirty="0"/>
+              </a:p>
+            </p:txBody>
+          </p:sp>
+        </mc:Choice>
+        <mc:Fallback>
+          <p:sp>
+            <p:nvSpPr>
+              <p:cNvPr id="5" name="テキスト ボックス 4">
+                <a:extLst>
+                  <a:ext uri="{FF2B5EF4-FFF2-40B4-BE49-F238E27FC236}">
+                    <a16:creationId xmlns:a16="http://schemas.microsoft.com/office/drawing/2014/main" id="{D06795F5-13E8-E016-59B5-C013AF5D1A93}"/>
+                  </a:ext>
+                </a:extLst>
+              </p:cNvPr>
+              <p:cNvSpPr txBox="1">
+                <a:spLocks noRot="1" noChangeAspect="1" noMove="1" noResize="1" noEditPoints="1" noAdjustHandles="1" noChangeArrowheads="1" noChangeShapeType="1" noTextEdit="1"/>
+              </p:cNvSpPr>
+              <p:nvPr/>
+            </p:nvSpPr>
+            <p:spPr>
+              <a:xfrm>
+                <a:off x="5591944" y="2492896"/>
+                <a:ext cx="379206" cy="369332"/>
+              </a:xfrm>
+              <a:prstGeom prst="rect">
+                <a:avLst/>
+              </a:prstGeom>
+              <a:blipFill>
+                <a:blip r:embed="rId2"/>
+                <a:stretch>
+                  <a:fillRect/>
+                </a:stretch>
+              </a:blipFill>
+            </p:spPr>
+            <p:txBody>
+              <a:bodyPr/>
+              <a:lstStyle/>
+              <a:p>
+                <a:r>
+                  <a:rPr lang="ja-JP" altLang="en-US">
+                    <a:noFill/>
+                  </a:rPr>
+                  <a:t> </a:t>
+                </a:r>
+              </a:p>
+            </p:txBody>
+          </p:sp>
+        </mc:Fallback>
+      </mc:AlternateContent>
+      <mc:AlternateContent xmlns:mc="http://schemas.openxmlformats.org/markup-compatibility/2006">
+        <mc:Choice xmlns:a14="http://schemas.microsoft.com/office/drawing/2010/main" Requires="a14">
+          <p:sp>
+            <p:nvSpPr>
+              <p:cNvPr id="6" name="テキスト ボックス 5">
+                <a:extLst>
+                  <a:ext uri="{FF2B5EF4-FFF2-40B4-BE49-F238E27FC236}">
+                    <a16:creationId xmlns:a16="http://schemas.microsoft.com/office/drawing/2014/main" id="{B947FD18-D6A9-04D2-AD8E-B127A0C588AD}"/>
+                  </a:ext>
+                </a:extLst>
+              </p:cNvPr>
+              <p:cNvSpPr txBox="1"/>
+              <p:nvPr/>
+            </p:nvSpPr>
+            <p:spPr>
+              <a:xfrm>
+                <a:off x="2279576" y="2708920"/>
+                <a:ext cx="367985" cy="369332"/>
+              </a:xfrm>
+              <a:prstGeom prst="rect">
+                <a:avLst/>
+              </a:prstGeom>
+              <a:noFill/>
+            </p:spPr>
+            <p:txBody>
+              <a:bodyPr wrap="none" rtlCol="0">
+                <a:spAutoFit/>
+              </a:bodyPr>
+              <a:lstStyle/>
+              <a:p>
+                <a:pPr/>
+                <a14:m>
+                  <m:oMathPara xmlns:m="http://schemas.openxmlformats.org/officeDocument/2006/math">
+                    <m:oMathParaPr>
+                      <m:jc m:val="centerGroup"/>
+                    </m:oMathParaPr>
+                    <m:oMath xmlns:m="http://schemas.openxmlformats.org/officeDocument/2006/math">
+                      <m:r>
+                        <a:rPr kumimoji="1" lang="en-US" altLang="ja-JP" b="0" i="1" smtClean="0">
+                          <a:latin typeface="Cambria Math" panose="02040503050406030204" pitchFamily="18" charset="0"/>
+                        </a:rPr>
+                        <m:t>𝑥</m:t>
+                      </m:r>
+                    </m:oMath>
+                  </m:oMathPara>
+                </a14:m>
+                <a:endParaRPr kumimoji="1" lang="ja-JP" altLang="en-US" dirty="0"/>
+              </a:p>
+            </p:txBody>
+          </p:sp>
+        </mc:Choice>
+        <mc:Fallback>
+          <p:sp>
+            <p:nvSpPr>
+              <p:cNvPr id="6" name="テキスト ボックス 5">
+                <a:extLst>
+                  <a:ext uri="{FF2B5EF4-FFF2-40B4-BE49-F238E27FC236}">
+                    <a16:creationId xmlns:a16="http://schemas.microsoft.com/office/drawing/2014/main" id="{B947FD18-D6A9-04D2-AD8E-B127A0C588AD}"/>
+                  </a:ext>
+                </a:extLst>
+              </p:cNvPr>
+              <p:cNvSpPr txBox="1">
+                <a:spLocks noRot="1" noChangeAspect="1" noMove="1" noResize="1" noEditPoints="1" noAdjustHandles="1" noChangeArrowheads="1" noChangeShapeType="1" noTextEdit="1"/>
+              </p:cNvSpPr>
+              <p:nvPr/>
+            </p:nvSpPr>
+            <p:spPr>
+              <a:xfrm>
+                <a:off x="2279576" y="2708920"/>
+                <a:ext cx="367985" cy="369332"/>
+              </a:xfrm>
+              <a:prstGeom prst="rect">
+                <a:avLst/>
+              </a:prstGeom>
+              <a:blipFill>
+                <a:blip r:embed="rId3"/>
+                <a:stretch>
+                  <a:fillRect/>
+                </a:stretch>
+              </a:blipFill>
+            </p:spPr>
+            <p:txBody>
+              <a:bodyPr/>
+              <a:lstStyle/>
+              <a:p>
+                <a:r>
+                  <a:rPr lang="ja-JP" altLang="en-US">
+                    <a:noFill/>
+                  </a:rPr>
+                  <a:t> </a:t>
+                </a:r>
+              </a:p>
+            </p:txBody>
+          </p:sp>
+        </mc:Fallback>
+      </mc:AlternateContent>
+      <mc:AlternateContent xmlns:mc="http://schemas.openxmlformats.org/markup-compatibility/2006">
+        <mc:Choice xmlns:a14="http://schemas.microsoft.com/office/drawing/2010/main" Requires="a14">
+          <p:sp>
+            <p:nvSpPr>
+              <p:cNvPr id="7" name="テキスト ボックス 6">
+                <a:extLst>
+                  <a:ext uri="{FF2B5EF4-FFF2-40B4-BE49-F238E27FC236}">
+                    <a16:creationId xmlns:a16="http://schemas.microsoft.com/office/drawing/2014/main" id="{51E789EE-FBA2-32B1-9874-A2DBB1AC0921}"/>
+                  </a:ext>
+                </a:extLst>
+              </p:cNvPr>
+              <p:cNvSpPr txBox="1"/>
+              <p:nvPr/>
+            </p:nvSpPr>
+            <p:spPr>
+              <a:xfrm>
+                <a:off x="3215680" y="2708920"/>
+                <a:ext cx="775918" cy="369332"/>
+              </a:xfrm>
+              <a:prstGeom prst="rect">
+                <a:avLst/>
+              </a:prstGeom>
+              <a:noFill/>
+            </p:spPr>
+            <p:txBody>
+              <a:bodyPr wrap="none" rtlCol="0">
+                <a:spAutoFit/>
+              </a:bodyPr>
+              <a:lstStyle/>
+              <a:p>
+                <a:pPr/>
+                <a14:m>
+                  <m:oMathPara xmlns:m="http://schemas.openxmlformats.org/officeDocument/2006/math">
+                    <m:oMathParaPr>
+                      <m:jc m:val="centerGroup"/>
+                    </m:oMathParaPr>
+                    <m:oMath xmlns:m="http://schemas.openxmlformats.org/officeDocument/2006/math">
+                      <m:r>
+                        <a:rPr kumimoji="1" lang="en-US" altLang="ja-JP" b="0" i="1" smtClean="0">
+                          <a:latin typeface="Cambria Math" panose="02040503050406030204" pitchFamily="18" charset="0"/>
+                        </a:rPr>
+                        <m:t>𝑥</m:t>
+                      </m:r>
+                      <m:r>
+                        <a:rPr kumimoji="1" lang="en-US" altLang="ja-JP" b="0" i="1" smtClean="0">
+                          <a:latin typeface="Cambria Math" panose="02040503050406030204" pitchFamily="18" charset="0"/>
+                        </a:rPr>
+                        <m:t>+</m:t>
+                      </m:r>
+                      <m:r>
+                        <a:rPr kumimoji="1" lang="en-US" altLang="ja-JP" b="0" i="1" smtClean="0">
+                          <a:latin typeface="Cambria Math" panose="02040503050406030204" pitchFamily="18" charset="0"/>
+                        </a:rPr>
+                        <m:t>h</m:t>
+                      </m:r>
+                    </m:oMath>
+                  </m:oMathPara>
+                </a14:m>
+                <a:endParaRPr kumimoji="1" lang="ja-JP" altLang="en-US" dirty="0"/>
+              </a:p>
+            </p:txBody>
+          </p:sp>
+        </mc:Choice>
+        <mc:Fallback>
+          <p:sp>
+            <p:nvSpPr>
+              <p:cNvPr id="7" name="テキスト ボックス 6">
+                <a:extLst>
+                  <a:ext uri="{FF2B5EF4-FFF2-40B4-BE49-F238E27FC236}">
+                    <a16:creationId xmlns:a16="http://schemas.microsoft.com/office/drawing/2014/main" id="{51E789EE-FBA2-32B1-9874-A2DBB1AC0921}"/>
+                  </a:ext>
+                </a:extLst>
+              </p:cNvPr>
+              <p:cNvSpPr txBox="1">
+                <a:spLocks noRot="1" noChangeAspect="1" noMove="1" noResize="1" noEditPoints="1" noAdjustHandles="1" noChangeArrowheads="1" noChangeShapeType="1" noTextEdit="1"/>
+              </p:cNvSpPr>
+              <p:nvPr/>
+            </p:nvSpPr>
+            <p:spPr>
+              <a:xfrm>
+                <a:off x="3215680" y="2708920"/>
+                <a:ext cx="775918" cy="369332"/>
+              </a:xfrm>
+              <a:prstGeom prst="rect">
+                <a:avLst/>
+              </a:prstGeom>
+              <a:blipFill>
+                <a:blip r:embed="rId4"/>
+                <a:stretch>
+                  <a:fillRect/>
+                </a:stretch>
+              </a:blipFill>
+            </p:spPr>
+            <p:txBody>
+              <a:bodyPr/>
+              <a:lstStyle/>
+              <a:p>
+                <a:r>
+                  <a:rPr lang="ja-JP" altLang="en-US">
+                    <a:noFill/>
+                  </a:rPr>
+                  <a:t> </a:t>
+                </a:r>
+              </a:p>
+            </p:txBody>
+          </p:sp>
+        </mc:Fallback>
+      </mc:AlternateContent>
+      <mc:AlternateContent xmlns:mc="http://schemas.openxmlformats.org/markup-compatibility/2006">
+        <mc:Choice xmlns:a14="http://schemas.microsoft.com/office/drawing/2010/main" Requires="a14">
+          <p:sp>
+            <p:nvSpPr>
+              <p:cNvPr id="8" name="テキスト ボックス 7">
+                <a:extLst>
+                  <a:ext uri="{FF2B5EF4-FFF2-40B4-BE49-F238E27FC236}">
+                    <a16:creationId xmlns:a16="http://schemas.microsoft.com/office/drawing/2014/main" id="{17B2BADB-31F5-4336-F6E0-46E7EA6BF899}"/>
+                  </a:ext>
+                </a:extLst>
+              </p:cNvPr>
+              <p:cNvSpPr txBox="1"/>
+              <p:nvPr/>
+            </p:nvSpPr>
+            <p:spPr>
+              <a:xfrm>
+                <a:off x="3071664" y="764704"/>
+                <a:ext cx="1100942" cy="369332"/>
+              </a:xfrm>
+              <a:prstGeom prst="rect">
+                <a:avLst/>
+              </a:prstGeom>
+              <a:noFill/>
+            </p:spPr>
+            <p:txBody>
+              <a:bodyPr wrap="none" rtlCol="0">
+                <a:spAutoFit/>
+              </a:bodyPr>
+              <a:lstStyle/>
+              <a:p>
+                <a:pPr/>
+                <a14:m>
+                  <m:oMathPara xmlns:m="http://schemas.openxmlformats.org/officeDocument/2006/math">
+                    <m:oMathParaPr>
+                      <m:jc m:val="centerGroup"/>
+                    </m:oMathParaPr>
+                    <m:oMath xmlns:m="http://schemas.openxmlformats.org/officeDocument/2006/math">
+                      <m:r>
+                        <a:rPr kumimoji="1" lang="en-US" altLang="ja-JP" b="0" i="1" smtClean="0">
+                          <a:latin typeface="Cambria Math" panose="02040503050406030204" pitchFamily="18" charset="0"/>
+                        </a:rPr>
+                        <m:t>𝜌</m:t>
+                      </m:r>
+                      <m:r>
+                        <a:rPr kumimoji="1" lang="en-US" altLang="ja-JP" b="0" i="1" smtClean="0">
+                          <a:latin typeface="Cambria Math" panose="02040503050406030204" pitchFamily="18" charset="0"/>
+                        </a:rPr>
+                        <m:t>(</m:t>
+                      </m:r>
+                      <m:r>
+                        <a:rPr kumimoji="1" lang="en-US" altLang="ja-JP" b="0" i="1" smtClean="0">
+                          <a:latin typeface="Cambria Math" panose="02040503050406030204" pitchFamily="18" charset="0"/>
+                        </a:rPr>
+                        <m:t>𝑥</m:t>
+                      </m:r>
+                      <m:r>
+                        <a:rPr kumimoji="1" lang="en-US" altLang="ja-JP" b="0" i="1" smtClean="0">
+                          <a:latin typeface="Cambria Math" panose="02040503050406030204" pitchFamily="18" charset="0"/>
+                        </a:rPr>
+                        <m:t>+</m:t>
+                      </m:r>
+                      <m:r>
+                        <a:rPr kumimoji="1" lang="en-US" altLang="ja-JP" b="0" i="1" smtClean="0">
+                          <a:latin typeface="Cambria Math" panose="02040503050406030204" pitchFamily="18" charset="0"/>
+                        </a:rPr>
+                        <m:t>h</m:t>
+                      </m:r>
+                      <m:r>
+                        <a:rPr kumimoji="1" lang="en-US" altLang="ja-JP" b="0" i="1" smtClean="0">
+                          <a:latin typeface="Cambria Math" panose="02040503050406030204" pitchFamily="18" charset="0"/>
+                        </a:rPr>
+                        <m:t>)</m:t>
+                      </m:r>
+                    </m:oMath>
+                  </m:oMathPara>
+                </a14:m>
+                <a:endParaRPr kumimoji="1" lang="ja-JP" altLang="en-US" dirty="0"/>
+              </a:p>
+            </p:txBody>
+          </p:sp>
+        </mc:Choice>
+        <mc:Fallback>
+          <p:sp>
+            <p:nvSpPr>
+              <p:cNvPr id="8" name="テキスト ボックス 7">
+                <a:extLst>
+                  <a:ext uri="{FF2B5EF4-FFF2-40B4-BE49-F238E27FC236}">
+                    <a16:creationId xmlns:a16="http://schemas.microsoft.com/office/drawing/2014/main" id="{17B2BADB-31F5-4336-F6E0-46E7EA6BF899}"/>
+                  </a:ext>
+                </a:extLst>
+              </p:cNvPr>
+              <p:cNvSpPr txBox="1">
+                <a:spLocks noRot="1" noChangeAspect="1" noMove="1" noResize="1" noEditPoints="1" noAdjustHandles="1" noChangeArrowheads="1" noChangeShapeType="1" noTextEdit="1"/>
+              </p:cNvSpPr>
+              <p:nvPr/>
+            </p:nvSpPr>
+            <p:spPr>
+              <a:xfrm>
+                <a:off x="3071664" y="764704"/>
+                <a:ext cx="1100942" cy="369332"/>
+              </a:xfrm>
+              <a:prstGeom prst="rect">
+                <a:avLst/>
+              </a:prstGeom>
+              <a:blipFill>
+                <a:blip r:embed="rId5"/>
+                <a:stretch>
+                  <a:fillRect b="-13115"/>
+                </a:stretch>
+              </a:blipFill>
+            </p:spPr>
+            <p:txBody>
+              <a:bodyPr/>
+              <a:lstStyle/>
+              <a:p>
+                <a:r>
+                  <a:rPr lang="ja-JP" altLang="en-US">
+                    <a:noFill/>
+                  </a:rPr>
+                  <a:t> </a:t>
+                </a:r>
+              </a:p>
+            </p:txBody>
+          </p:sp>
+        </mc:Fallback>
+      </mc:AlternateContent>
+      <p:sp>
+        <p:nvSpPr>
+          <p:cNvPr id="9" name="矢印: 右 8">
+            <a:extLst>
+              <a:ext uri="{FF2B5EF4-FFF2-40B4-BE49-F238E27FC236}">
+                <a16:creationId xmlns:a16="http://schemas.microsoft.com/office/drawing/2014/main" id="{70DB1B1D-592A-C1EB-8C3B-EA94CBA3E0FB}"/>
+              </a:ext>
+            </a:extLst>
+          </p:cNvPr>
+          <p:cNvSpPr/>
+          <p:nvPr/>
+        </p:nvSpPr>
+        <p:spPr>
+          <a:xfrm>
+            <a:off x="3575720" y="1772816"/>
+            <a:ext cx="936104" cy="504056"/>
+          </a:xfrm>
+          <a:prstGeom prst="rightArrow">
+            <a:avLst/>
+          </a:prstGeom>
+          <a:solidFill>
+            <a:srgbClr val="FF0000"/>
+          </a:solidFill>
+          <a:ln>
+            <a:solidFill>
+              <a:schemeClr val="tx1"/>
+            </a:solidFill>
+          </a:ln>
+        </p:spPr>
+        <p:style>
+          <a:lnRef idx="2">
+            <a:schemeClr val="accent1">
+              <a:shade val="50000"/>
+            </a:schemeClr>
+          </a:lnRef>
+          <a:fillRef idx="1">
+            <a:schemeClr val="accent1"/>
+          </a:fillRef>
+          <a:effectRef idx="0">
+            <a:schemeClr val="accent1"/>
+          </a:effectRef>
+          <a:fontRef idx="minor">
+            <a:schemeClr val="lt1"/>
+          </a:fontRef>
+        </p:style>
+        <p:txBody>
+          <a:bodyPr rtlCol="0" anchor="ctr"/>
+          <a:lstStyle/>
+          <a:p>
+            <a:pPr algn="ctr"/>
+            <a:endParaRPr kumimoji="1" lang="ja-JP" altLang="en-US"/>
+          </a:p>
+        </p:txBody>
+      </p:sp>
+      <p:sp>
+        <p:nvSpPr>
+          <p:cNvPr id="10" name="矢印: 右 9">
+            <a:extLst>
+              <a:ext uri="{FF2B5EF4-FFF2-40B4-BE49-F238E27FC236}">
+                <a16:creationId xmlns:a16="http://schemas.microsoft.com/office/drawing/2014/main" id="{9D964816-58EB-C526-0095-45365BD177F7}"/>
+              </a:ext>
+            </a:extLst>
+          </p:cNvPr>
+          <p:cNvSpPr/>
+          <p:nvPr/>
+        </p:nvSpPr>
+        <p:spPr>
+          <a:xfrm>
+            <a:off x="1919536" y="1772816"/>
+            <a:ext cx="576064" cy="504056"/>
+          </a:xfrm>
+          <a:prstGeom prst="rightArrow">
+            <a:avLst/>
+          </a:prstGeom>
+          <a:solidFill>
+            <a:srgbClr val="FF0000"/>
+          </a:solidFill>
+          <a:ln>
+            <a:solidFill>
+              <a:schemeClr val="tx1"/>
+            </a:solidFill>
+          </a:ln>
+        </p:spPr>
+        <p:style>
+          <a:lnRef idx="2">
+            <a:schemeClr val="accent1">
+              <a:shade val="50000"/>
+            </a:schemeClr>
+          </a:lnRef>
+          <a:fillRef idx="1">
+            <a:schemeClr val="accent1"/>
+          </a:fillRef>
+          <a:effectRef idx="0">
+            <a:schemeClr val="accent1"/>
+          </a:effectRef>
+          <a:fontRef idx="minor">
+            <a:schemeClr val="lt1"/>
+          </a:fontRef>
+        </p:style>
+        <p:txBody>
+          <a:bodyPr rtlCol="0" anchor="ctr"/>
+          <a:lstStyle/>
+          <a:p>
+            <a:pPr algn="ctr"/>
+            <a:endParaRPr kumimoji="1" lang="ja-JP" altLang="en-US"/>
+          </a:p>
+        </p:txBody>
+      </p:sp>
+      <mc:AlternateContent xmlns:mc="http://schemas.openxmlformats.org/markup-compatibility/2006">
+        <mc:Choice xmlns:a14="http://schemas.microsoft.com/office/drawing/2010/main" Requires="a14">
+          <p:sp>
+            <p:nvSpPr>
+              <p:cNvPr id="11" name="テキスト ボックス 10">
+                <a:extLst>
+                  <a:ext uri="{FF2B5EF4-FFF2-40B4-BE49-F238E27FC236}">
+                    <a16:creationId xmlns:a16="http://schemas.microsoft.com/office/drawing/2014/main" id="{123A9238-050A-2A7A-43DD-D6C893E2E08D}"/>
+                  </a:ext>
+                </a:extLst>
+              </p:cNvPr>
+              <p:cNvSpPr txBox="1"/>
+              <p:nvPr/>
+            </p:nvSpPr>
+            <p:spPr>
+              <a:xfrm>
+                <a:off x="767408" y="1840178"/>
+                <a:ext cx="1152127" cy="369332"/>
+              </a:xfrm>
+              <a:prstGeom prst="rect">
+                <a:avLst/>
+              </a:prstGeom>
+              <a:noFill/>
+            </p:spPr>
+            <p:txBody>
+              <a:bodyPr wrap="square" rtlCol="0">
+                <a:spAutoFit/>
+              </a:bodyPr>
+              <a:lstStyle/>
+              <a:p>
+                <a:pPr/>
+                <a14:m>
+                  <m:oMathPara xmlns:m="http://schemas.openxmlformats.org/officeDocument/2006/math">
+                    <m:oMathParaPr>
+                      <m:jc m:val="centerGroup"/>
+                    </m:oMathParaPr>
+                    <m:oMath xmlns:m="http://schemas.openxmlformats.org/officeDocument/2006/math">
+                      <m:r>
+                        <a:rPr kumimoji="1" lang="en-US" altLang="ja-JP" i="1" smtClean="0">
+                          <a:latin typeface="Cambria Math" panose="02040503050406030204" pitchFamily="18" charset="0"/>
+                        </a:rPr>
+                        <m:t>𝜌</m:t>
+                      </m:r>
+                      <m:d>
+                        <m:dPr>
+                          <m:ctrlPr>
+                            <a:rPr kumimoji="1" lang="en-US" altLang="ja-JP" i="1" smtClean="0">
+                              <a:latin typeface="Cambria Math" panose="02040503050406030204" pitchFamily="18" charset="0"/>
+                            </a:rPr>
+                          </m:ctrlPr>
+                        </m:dPr>
+                        <m:e>
+                          <m:r>
+                            <a:rPr kumimoji="1" lang="en-US" altLang="ja-JP" b="0" i="1" smtClean="0">
+                              <a:latin typeface="Cambria Math" panose="02040503050406030204" pitchFamily="18" charset="0"/>
+                            </a:rPr>
+                            <m:t>𝑥</m:t>
+                          </m:r>
+                        </m:e>
+                      </m:d>
+                      <m:r>
+                        <a:rPr kumimoji="1" lang="en-US" altLang="ja-JP" i="1">
+                          <a:latin typeface="Cambria Math" panose="02040503050406030204" pitchFamily="18" charset="0"/>
+                        </a:rPr>
+                        <m:t>𝑣</m:t>
+                      </m:r>
+                      <m:r>
+                        <a:rPr kumimoji="1" lang="en-US" altLang="ja-JP" i="1">
+                          <a:latin typeface="Cambria Math" panose="02040503050406030204" pitchFamily="18" charset="0"/>
+                        </a:rPr>
+                        <m:t>(</m:t>
+                      </m:r>
+                      <m:r>
+                        <a:rPr kumimoji="1" lang="en-US" altLang="ja-JP" i="1">
+                          <a:latin typeface="Cambria Math" panose="02040503050406030204" pitchFamily="18" charset="0"/>
+                        </a:rPr>
+                        <m:t>𝑥</m:t>
+                      </m:r>
+                      <m:r>
+                        <a:rPr kumimoji="1" lang="en-US" altLang="ja-JP" i="1">
+                          <a:latin typeface="Cambria Math" panose="02040503050406030204" pitchFamily="18" charset="0"/>
+                        </a:rPr>
+                        <m:t>)</m:t>
+                      </m:r>
+                    </m:oMath>
+                  </m:oMathPara>
+                </a14:m>
+                <a:endParaRPr kumimoji="1" lang="ja-JP" altLang="en-US" dirty="0"/>
+              </a:p>
+            </p:txBody>
+          </p:sp>
+        </mc:Choice>
+        <mc:Fallback>
+          <p:sp>
+            <p:nvSpPr>
+              <p:cNvPr id="11" name="テキスト ボックス 10">
+                <a:extLst>
+                  <a:ext uri="{FF2B5EF4-FFF2-40B4-BE49-F238E27FC236}">
+                    <a16:creationId xmlns:a16="http://schemas.microsoft.com/office/drawing/2014/main" id="{123A9238-050A-2A7A-43DD-D6C893E2E08D}"/>
+                  </a:ext>
+                </a:extLst>
+              </p:cNvPr>
+              <p:cNvSpPr txBox="1">
+                <a:spLocks noRot="1" noChangeAspect="1" noMove="1" noResize="1" noEditPoints="1" noAdjustHandles="1" noChangeArrowheads="1" noChangeShapeType="1" noTextEdit="1"/>
+              </p:cNvSpPr>
+              <p:nvPr/>
+            </p:nvSpPr>
+            <p:spPr>
+              <a:xfrm>
+                <a:off x="767408" y="1840178"/>
+                <a:ext cx="1152127" cy="369332"/>
+              </a:xfrm>
+              <a:prstGeom prst="rect">
+                <a:avLst/>
+              </a:prstGeom>
+              <a:blipFill>
+                <a:blip r:embed="rId6"/>
+                <a:stretch>
+                  <a:fillRect b="-13333"/>
+                </a:stretch>
+              </a:blipFill>
+            </p:spPr>
+            <p:txBody>
+              <a:bodyPr/>
+              <a:lstStyle/>
+              <a:p>
+                <a:r>
+                  <a:rPr lang="ja-JP" altLang="en-US">
+                    <a:noFill/>
+                  </a:rPr>
+                  <a:t> </a:t>
+                </a:r>
+              </a:p>
+            </p:txBody>
+          </p:sp>
+        </mc:Fallback>
+      </mc:AlternateContent>
+      <p:sp>
+        <p:nvSpPr>
+          <p:cNvPr id="12" name="テキスト ボックス 11">
+            <a:extLst>
+              <a:ext uri="{FF2B5EF4-FFF2-40B4-BE49-F238E27FC236}">
+                <a16:creationId xmlns:a16="http://schemas.microsoft.com/office/drawing/2014/main" id="{214D6C52-1AC9-CF15-4AB4-6358ED3D7D16}"/>
+              </a:ext>
+            </a:extLst>
+          </p:cNvPr>
+          <p:cNvSpPr txBox="1"/>
+          <p:nvPr/>
+        </p:nvSpPr>
+        <p:spPr>
+          <a:xfrm>
+            <a:off x="623392" y="1484784"/>
+            <a:ext cx="1569660" cy="369332"/>
+          </a:xfrm>
+          <a:prstGeom prst="rect">
+            <a:avLst/>
+          </a:prstGeom>
+          <a:noFill/>
+        </p:spPr>
+        <p:txBody>
+          <a:bodyPr wrap="none" rtlCol="0">
+            <a:spAutoFit/>
+          </a:bodyPr>
+          <a:lstStyle/>
+          <a:p>
+            <a:r>
+              <a:rPr kumimoji="1" lang="ja-JP" altLang="en-US" dirty="0"/>
+              <a:t>入ってくる量</a:t>
+            </a:r>
+          </a:p>
+        </p:txBody>
+      </p:sp>
+      <p:sp>
+        <p:nvSpPr>
+          <p:cNvPr id="13" name="テキスト ボックス 12">
+            <a:extLst>
+              <a:ext uri="{FF2B5EF4-FFF2-40B4-BE49-F238E27FC236}">
+                <a16:creationId xmlns:a16="http://schemas.microsoft.com/office/drawing/2014/main" id="{8F96973D-CFF7-DDED-1C53-C2B76715D2FA}"/>
+              </a:ext>
+            </a:extLst>
+          </p:cNvPr>
+          <p:cNvSpPr txBox="1"/>
+          <p:nvPr/>
+        </p:nvSpPr>
+        <p:spPr>
+          <a:xfrm>
+            <a:off x="4799856" y="1412776"/>
+            <a:ext cx="1338828" cy="369332"/>
+          </a:xfrm>
+          <a:prstGeom prst="rect">
+            <a:avLst/>
+          </a:prstGeom>
+          <a:noFill/>
+        </p:spPr>
+        <p:txBody>
+          <a:bodyPr wrap="none" rtlCol="0">
+            <a:spAutoFit/>
+          </a:bodyPr>
+          <a:lstStyle/>
+          <a:p>
+            <a:r>
+              <a:rPr kumimoji="1" lang="ja-JP" altLang="en-US" dirty="0"/>
+              <a:t>出ていく量</a:t>
+            </a:r>
+          </a:p>
+        </p:txBody>
+      </p:sp>
+      <mc:AlternateContent xmlns:mc="http://schemas.openxmlformats.org/markup-compatibility/2006">
+        <mc:Choice xmlns:a14="http://schemas.microsoft.com/office/drawing/2010/main" Requires="a14">
+          <p:sp>
+            <p:nvSpPr>
+              <p:cNvPr id="14" name="テキスト ボックス 13">
+                <a:extLst>
+                  <a:ext uri="{FF2B5EF4-FFF2-40B4-BE49-F238E27FC236}">
+                    <a16:creationId xmlns:a16="http://schemas.microsoft.com/office/drawing/2014/main" id="{8AC316A2-53DA-F98C-527E-3F52A6C17924}"/>
+                  </a:ext>
+                </a:extLst>
+              </p:cNvPr>
+              <p:cNvSpPr txBox="1"/>
+              <p:nvPr/>
+            </p:nvSpPr>
+            <p:spPr>
+              <a:xfrm>
+                <a:off x="2135560" y="764704"/>
+                <a:ext cx="693010" cy="369332"/>
+              </a:xfrm>
+              <a:prstGeom prst="rect">
+                <a:avLst/>
+              </a:prstGeom>
+              <a:noFill/>
+            </p:spPr>
+            <p:txBody>
+              <a:bodyPr wrap="none" rtlCol="0">
+                <a:spAutoFit/>
+              </a:bodyPr>
+              <a:lstStyle/>
+              <a:p>
+                <a:pPr/>
+                <a14:m>
+                  <m:oMathPara xmlns:m="http://schemas.openxmlformats.org/officeDocument/2006/math">
+                    <m:oMathParaPr>
+                      <m:jc m:val="centerGroup"/>
+                    </m:oMathParaPr>
+                    <m:oMath xmlns:m="http://schemas.openxmlformats.org/officeDocument/2006/math">
+                      <m:r>
+                        <a:rPr kumimoji="1" lang="en-US" altLang="ja-JP" i="1" smtClean="0">
+                          <a:latin typeface="Cambria Math" panose="02040503050406030204" pitchFamily="18" charset="0"/>
+                        </a:rPr>
+                        <m:t>𝜌</m:t>
+                      </m:r>
+                      <m:r>
+                        <a:rPr kumimoji="1" lang="en-US" altLang="ja-JP" b="0" i="1" smtClean="0">
+                          <a:latin typeface="Cambria Math" panose="02040503050406030204" pitchFamily="18" charset="0"/>
+                        </a:rPr>
+                        <m:t>(</m:t>
+                      </m:r>
+                      <m:r>
+                        <a:rPr kumimoji="1" lang="en-US" altLang="ja-JP" b="0" i="1" smtClean="0">
+                          <a:latin typeface="Cambria Math" panose="02040503050406030204" pitchFamily="18" charset="0"/>
+                        </a:rPr>
+                        <m:t>𝑥</m:t>
+                      </m:r>
+                      <m:r>
+                        <a:rPr kumimoji="1" lang="en-US" altLang="ja-JP" b="0" i="1" smtClean="0">
+                          <a:latin typeface="Cambria Math" panose="02040503050406030204" pitchFamily="18" charset="0"/>
+                        </a:rPr>
+                        <m:t>)</m:t>
+                      </m:r>
+                    </m:oMath>
+                  </m:oMathPara>
+                </a14:m>
+                <a:endParaRPr kumimoji="1" lang="ja-JP" altLang="en-US" dirty="0"/>
+              </a:p>
+            </p:txBody>
+          </p:sp>
+        </mc:Choice>
+        <mc:Fallback>
+          <p:sp>
+            <p:nvSpPr>
+              <p:cNvPr id="14" name="テキスト ボックス 13">
+                <a:extLst>
+                  <a:ext uri="{FF2B5EF4-FFF2-40B4-BE49-F238E27FC236}">
+                    <a16:creationId xmlns:a16="http://schemas.microsoft.com/office/drawing/2014/main" id="{8AC316A2-53DA-F98C-527E-3F52A6C17924}"/>
+                  </a:ext>
+                </a:extLst>
+              </p:cNvPr>
+              <p:cNvSpPr txBox="1">
+                <a:spLocks noRot="1" noChangeAspect="1" noMove="1" noResize="1" noEditPoints="1" noAdjustHandles="1" noChangeArrowheads="1" noChangeShapeType="1" noTextEdit="1"/>
+              </p:cNvSpPr>
+              <p:nvPr/>
+            </p:nvSpPr>
+            <p:spPr>
+              <a:xfrm>
+                <a:off x="2135560" y="764704"/>
+                <a:ext cx="693010" cy="369332"/>
+              </a:xfrm>
+              <a:prstGeom prst="rect">
+                <a:avLst/>
+              </a:prstGeom>
+              <a:blipFill>
+                <a:blip r:embed="rId7"/>
+                <a:stretch>
+                  <a:fillRect b="-13115"/>
+                </a:stretch>
+              </a:blipFill>
+            </p:spPr>
+            <p:txBody>
+              <a:bodyPr/>
+              <a:lstStyle/>
+              <a:p>
+                <a:r>
+                  <a:rPr lang="ja-JP" altLang="en-US">
+                    <a:noFill/>
+                  </a:rPr>
+                  <a:t> </a:t>
+                </a:r>
+              </a:p>
+            </p:txBody>
+          </p:sp>
+        </mc:Fallback>
+      </mc:AlternateContent>
+      <mc:AlternateContent xmlns:mc="http://schemas.openxmlformats.org/markup-compatibility/2006">
+        <mc:Choice xmlns:a14="http://schemas.microsoft.com/office/drawing/2010/main" Requires="a14">
+          <p:sp>
+            <p:nvSpPr>
+              <p:cNvPr id="16" name="テキスト ボックス 15">
+                <a:extLst>
+                  <a:ext uri="{FF2B5EF4-FFF2-40B4-BE49-F238E27FC236}">
+                    <a16:creationId xmlns:a16="http://schemas.microsoft.com/office/drawing/2014/main" id="{897E8236-38EC-E231-C4EC-A9932B26B621}"/>
+                  </a:ext>
+                </a:extLst>
+              </p:cNvPr>
+              <p:cNvSpPr txBox="1"/>
+              <p:nvPr/>
+            </p:nvSpPr>
+            <p:spPr>
+              <a:xfrm>
+                <a:off x="4583832" y="1840178"/>
+                <a:ext cx="1944216" cy="369332"/>
+              </a:xfrm>
+              <a:prstGeom prst="rect">
+                <a:avLst/>
+              </a:prstGeom>
+              <a:noFill/>
+            </p:spPr>
+            <p:txBody>
+              <a:bodyPr wrap="square" rtlCol="0">
+                <a:spAutoFit/>
+              </a:bodyPr>
+              <a:lstStyle/>
+              <a:p>
+                <a:pPr/>
+                <a14:m>
+                  <m:oMathPara xmlns:m="http://schemas.openxmlformats.org/officeDocument/2006/math">
+                    <m:oMathParaPr>
+                      <m:jc m:val="centerGroup"/>
+                    </m:oMathParaPr>
+                    <m:oMath xmlns:m="http://schemas.openxmlformats.org/officeDocument/2006/math">
+                      <m:r>
+                        <a:rPr kumimoji="1" lang="en-US" altLang="ja-JP" i="1" smtClean="0">
+                          <a:latin typeface="Cambria Math" panose="02040503050406030204" pitchFamily="18" charset="0"/>
+                        </a:rPr>
+                        <m:t>𝜌</m:t>
+                      </m:r>
+                      <m:d>
+                        <m:dPr>
+                          <m:ctrlPr>
+                            <a:rPr kumimoji="1" lang="en-US" altLang="ja-JP" i="1" smtClean="0">
+                              <a:latin typeface="Cambria Math" panose="02040503050406030204" pitchFamily="18" charset="0"/>
+                            </a:rPr>
+                          </m:ctrlPr>
+                        </m:dPr>
+                        <m:e>
+                          <m:r>
+                            <a:rPr kumimoji="1" lang="en-US" altLang="ja-JP" b="0" i="1" smtClean="0">
+                              <a:latin typeface="Cambria Math" panose="02040503050406030204" pitchFamily="18" charset="0"/>
+                            </a:rPr>
+                            <m:t>𝑥</m:t>
+                          </m:r>
+                          <m:r>
+                            <a:rPr kumimoji="1" lang="en-US" altLang="ja-JP" b="0" i="1" smtClean="0">
+                              <a:latin typeface="Cambria Math" panose="02040503050406030204" pitchFamily="18" charset="0"/>
+                            </a:rPr>
+                            <m:t>+</m:t>
+                          </m:r>
+                          <m:r>
+                            <a:rPr kumimoji="1" lang="en-US" altLang="ja-JP" b="0" i="1" smtClean="0">
+                              <a:latin typeface="Cambria Math" panose="02040503050406030204" pitchFamily="18" charset="0"/>
+                            </a:rPr>
+                            <m:t>h</m:t>
+                          </m:r>
+                        </m:e>
+                      </m:d>
+                      <m:r>
+                        <a:rPr kumimoji="1" lang="en-US" altLang="ja-JP" i="1">
+                          <a:latin typeface="Cambria Math" panose="02040503050406030204" pitchFamily="18" charset="0"/>
+                        </a:rPr>
+                        <m:t>𝑣</m:t>
+                      </m:r>
+                      <m:r>
+                        <a:rPr kumimoji="1" lang="en-US" altLang="ja-JP" i="1">
+                          <a:latin typeface="Cambria Math" panose="02040503050406030204" pitchFamily="18" charset="0"/>
+                        </a:rPr>
+                        <m:t>(</m:t>
+                      </m:r>
+                      <m:r>
+                        <a:rPr kumimoji="1" lang="en-US" altLang="ja-JP" i="1">
+                          <a:latin typeface="Cambria Math" panose="02040503050406030204" pitchFamily="18" charset="0"/>
+                        </a:rPr>
+                        <m:t>𝑥</m:t>
+                      </m:r>
+                      <m:r>
+                        <a:rPr kumimoji="1" lang="en-US" altLang="ja-JP" b="0" i="1" smtClean="0">
+                          <a:latin typeface="Cambria Math" panose="02040503050406030204" pitchFamily="18" charset="0"/>
+                        </a:rPr>
+                        <m:t>+</m:t>
+                      </m:r>
+                      <m:r>
+                        <a:rPr kumimoji="1" lang="en-US" altLang="ja-JP" b="0" i="1" smtClean="0">
+                          <a:latin typeface="Cambria Math" panose="02040503050406030204" pitchFamily="18" charset="0"/>
+                        </a:rPr>
+                        <m:t>h</m:t>
+                      </m:r>
+                      <m:r>
+                        <a:rPr kumimoji="1" lang="en-US" altLang="ja-JP" i="1">
+                          <a:latin typeface="Cambria Math" panose="02040503050406030204" pitchFamily="18" charset="0"/>
+                        </a:rPr>
+                        <m:t>)</m:t>
+                      </m:r>
+                    </m:oMath>
+                  </m:oMathPara>
+                </a14:m>
+                <a:endParaRPr kumimoji="1" lang="ja-JP" altLang="en-US" dirty="0"/>
+              </a:p>
+            </p:txBody>
+          </p:sp>
+        </mc:Choice>
+        <mc:Fallback>
+          <p:sp>
+            <p:nvSpPr>
+              <p:cNvPr id="16" name="テキスト ボックス 15">
+                <a:extLst>
+                  <a:ext uri="{FF2B5EF4-FFF2-40B4-BE49-F238E27FC236}">
+                    <a16:creationId xmlns:a16="http://schemas.microsoft.com/office/drawing/2014/main" id="{897E8236-38EC-E231-C4EC-A9932B26B621}"/>
+                  </a:ext>
+                </a:extLst>
+              </p:cNvPr>
+              <p:cNvSpPr txBox="1">
+                <a:spLocks noRot="1" noChangeAspect="1" noMove="1" noResize="1" noEditPoints="1" noAdjustHandles="1" noChangeArrowheads="1" noChangeShapeType="1" noTextEdit="1"/>
+              </p:cNvSpPr>
+              <p:nvPr/>
+            </p:nvSpPr>
+            <p:spPr>
+              <a:xfrm>
+                <a:off x="4583832" y="1840178"/>
+                <a:ext cx="1944216" cy="369332"/>
+              </a:xfrm>
+              <a:prstGeom prst="rect">
+                <a:avLst/>
+              </a:prstGeom>
+              <a:blipFill>
+                <a:blip r:embed="rId8"/>
+                <a:stretch>
+                  <a:fillRect b="-13333"/>
+                </a:stretch>
+              </a:blipFill>
+            </p:spPr>
+            <p:txBody>
+              <a:bodyPr/>
+              <a:lstStyle/>
+              <a:p>
+                <a:r>
+                  <a:rPr lang="ja-JP" altLang="en-US">
+                    <a:noFill/>
+                  </a:rPr>
+                  <a:t> </a:t>
+                </a:r>
+              </a:p>
+            </p:txBody>
+          </p:sp>
+        </mc:Fallback>
+      </mc:AlternateContent>
+    </p:spTree>
+    <p:extLst>
+      <p:ext uri="{BB962C8B-B14F-4D97-AF65-F5344CB8AC3E}">
+        <p14:creationId xmlns:p14="http://schemas.microsoft.com/office/powerpoint/2010/main" val="3758813260"/>
+      </p:ext>
+    </p:extLst>
+  </p:cSld>
+  <p:clrMapOvr>
+    <a:masterClrMapping/>
+  </p:clrMapOvr>
+</p:sld>
+</file>
+
+<file path=ppt/slides/slide4.xml><?xml version="1.0" encoding="utf-8"?>
+<p:sld xmlns:a="http://schemas.openxmlformats.org/drawingml/2006/main" xmlns:r="http://schemas.openxmlformats.org/officeDocument/2006/relationships" xmlns:p="http://schemas.openxmlformats.org/presentationml/2006/main">
+  <p:cSld>
+    <p:spTree>
+      <p:nvGrpSpPr>
+        <p:cNvPr id="1" name=""/>
+        <p:cNvGrpSpPr/>
+        <p:nvPr/>
+      </p:nvGrpSpPr>
+      <p:grpSpPr>
+        <a:xfrm>
+          <a:off x="0" y="0"/>
+          <a:ext cx="0" cy="0"/>
+          <a:chOff x="0" y="0"/>
+          <a:chExt cx="0" cy="0"/>
+        </a:xfrm>
+      </p:grpSpPr>
+      <p:cxnSp>
+        <p:nvCxnSpPr>
+          <p:cNvPr id="38" name="直線矢印コネクタ 37">
+            <a:extLst>
+              <a:ext uri="{FF2B5EF4-FFF2-40B4-BE49-F238E27FC236}">
+                <a16:creationId xmlns:a16="http://schemas.microsoft.com/office/drawing/2014/main" id="{9F94BD8D-D636-336C-AD18-3B68F1558D50}"/>
+              </a:ext>
+            </a:extLst>
+          </p:cNvPr>
+          <p:cNvCxnSpPr>
+            <a:cxnSpLocks/>
+          </p:cNvCxnSpPr>
+          <p:nvPr/>
+        </p:nvCxnSpPr>
+        <p:spPr>
+          <a:xfrm flipV="1">
+            <a:off x="2037425" y="4100863"/>
+            <a:ext cx="0" cy="1780446"/>
+          </a:xfrm>
+          <a:prstGeom prst="straightConnector1">
+            <a:avLst/>
+          </a:prstGeom>
+          <a:ln>
+            <a:solidFill>
+              <a:schemeClr val="tx1"/>
+            </a:solidFill>
+            <a:headEnd type="none" w="med" len="med"/>
+            <a:tailEnd type="none" w="med" len="med"/>
+          </a:ln>
+        </p:spPr>
+        <p:style>
+          <a:lnRef idx="1">
+            <a:schemeClr val="accent1"/>
+          </a:lnRef>
+          <a:fillRef idx="0">
+            <a:schemeClr val="accent1"/>
+          </a:fillRef>
+          <a:effectRef idx="0">
+            <a:schemeClr val="accent1"/>
+          </a:effectRef>
+          <a:fontRef idx="minor">
+            <a:schemeClr val="tx1"/>
+          </a:fontRef>
+        </p:style>
+      </p:cxnSp>
+      <p:cxnSp>
+        <p:nvCxnSpPr>
+          <p:cNvPr id="3" name="直線矢印コネクタ 2">
+            <a:extLst>
+              <a:ext uri="{FF2B5EF4-FFF2-40B4-BE49-F238E27FC236}">
+                <a16:creationId xmlns:a16="http://schemas.microsoft.com/office/drawing/2014/main" id="{16155E1C-2BE8-5179-DB22-9802E0C65DF0}"/>
+              </a:ext>
+            </a:extLst>
+          </p:cNvPr>
+          <p:cNvCxnSpPr>
+            <a:cxnSpLocks/>
+          </p:cNvCxnSpPr>
+          <p:nvPr/>
+        </p:nvCxnSpPr>
+        <p:spPr>
+          <a:xfrm>
+            <a:off x="839416" y="2780928"/>
+            <a:ext cx="4608512" cy="0"/>
+          </a:xfrm>
+          <a:prstGeom prst="straightConnector1">
+            <a:avLst/>
+          </a:prstGeom>
+          <a:ln>
+            <a:solidFill>
+              <a:schemeClr val="tx1"/>
+            </a:solidFill>
+            <a:tailEnd type="triangle"/>
+          </a:ln>
+        </p:spPr>
+        <p:style>
+          <a:lnRef idx="1">
+            <a:schemeClr val="accent1"/>
+          </a:lnRef>
+          <a:fillRef idx="0">
+            <a:schemeClr val="accent1"/>
+          </a:fillRef>
+          <a:effectRef idx="0">
+            <a:schemeClr val="accent1"/>
+          </a:effectRef>
+          <a:fontRef idx="minor">
+            <a:schemeClr val="tx1"/>
+          </a:fontRef>
+        </p:style>
+      </p:cxnSp>
+      <p:cxnSp>
+        <p:nvCxnSpPr>
+          <p:cNvPr id="5" name="直線矢印コネクタ 4">
+            <a:extLst>
+              <a:ext uri="{FF2B5EF4-FFF2-40B4-BE49-F238E27FC236}">
+                <a16:creationId xmlns:a16="http://schemas.microsoft.com/office/drawing/2014/main" id="{43D702D1-6750-4CDB-B1CB-B69B7B505E6D}"/>
+              </a:ext>
+            </a:extLst>
+          </p:cNvPr>
+          <p:cNvCxnSpPr>
+            <a:cxnSpLocks/>
+          </p:cNvCxnSpPr>
+          <p:nvPr/>
+        </p:nvCxnSpPr>
+        <p:spPr>
+          <a:xfrm flipV="1">
+            <a:off x="1055440" y="1196752"/>
+            <a:ext cx="0" cy="1800200"/>
+          </a:xfrm>
+          <a:prstGeom prst="straightConnector1">
+            <a:avLst/>
+          </a:prstGeom>
+          <a:ln>
+            <a:solidFill>
+              <a:schemeClr val="tx1"/>
+            </a:solidFill>
+            <a:tailEnd type="triangle"/>
+          </a:ln>
+        </p:spPr>
+        <p:style>
+          <a:lnRef idx="1">
+            <a:schemeClr val="accent1"/>
+          </a:lnRef>
+          <a:fillRef idx="0">
+            <a:schemeClr val="accent1"/>
+          </a:fillRef>
+          <a:effectRef idx="0">
+            <a:schemeClr val="accent1"/>
+          </a:effectRef>
+          <a:fontRef idx="minor">
+            <a:schemeClr val="tx1"/>
+          </a:fontRef>
+        </p:style>
+      </p:cxnSp>
+      <p:cxnSp>
+        <p:nvCxnSpPr>
+          <p:cNvPr id="9" name="直線コネクタ 8">
+            <a:extLst>
+              <a:ext uri="{FF2B5EF4-FFF2-40B4-BE49-F238E27FC236}">
+                <a16:creationId xmlns:a16="http://schemas.microsoft.com/office/drawing/2014/main" id="{F13C4918-FDC3-CDE9-B8C4-108215031EE4}"/>
+              </a:ext>
+            </a:extLst>
+          </p:cNvPr>
+          <p:cNvCxnSpPr/>
+          <p:nvPr/>
+        </p:nvCxnSpPr>
+        <p:spPr>
+          <a:xfrm>
+            <a:off x="4871864" y="1628800"/>
+            <a:ext cx="576064" cy="0"/>
+          </a:xfrm>
+          <a:prstGeom prst="line">
+            <a:avLst/>
+          </a:prstGeom>
+          <a:ln w="28575">
+            <a:solidFill>
+              <a:schemeClr val="accent1">
+                <a:lumMod val="75000"/>
+              </a:schemeClr>
+            </a:solidFill>
+            <a:headEnd type="none" w="med" len="med"/>
+            <a:tailEnd type="none" w="med" len="med"/>
+          </a:ln>
+        </p:spPr>
+        <p:style>
+          <a:lnRef idx="1">
+            <a:schemeClr val="accent1"/>
+          </a:lnRef>
+          <a:fillRef idx="0">
+            <a:schemeClr val="accent1"/>
+          </a:fillRef>
+          <a:effectRef idx="0">
+            <a:schemeClr val="accent1"/>
+          </a:effectRef>
+          <a:fontRef idx="minor">
+            <a:schemeClr val="tx1"/>
+          </a:fontRef>
+        </p:style>
+      </p:cxnSp>
+      <p:cxnSp>
+        <p:nvCxnSpPr>
+          <p:cNvPr id="10" name="直線コネクタ 9">
+            <a:extLst>
+              <a:ext uri="{FF2B5EF4-FFF2-40B4-BE49-F238E27FC236}">
+                <a16:creationId xmlns:a16="http://schemas.microsoft.com/office/drawing/2014/main" id="{FC944045-90AA-E9A9-16BD-DF7F79E1BD06}"/>
+              </a:ext>
+            </a:extLst>
+          </p:cNvPr>
+          <p:cNvCxnSpPr/>
+          <p:nvPr/>
+        </p:nvCxnSpPr>
+        <p:spPr>
+          <a:xfrm>
+            <a:off x="4871864" y="1268760"/>
+            <a:ext cx="576064" cy="0"/>
+          </a:xfrm>
+          <a:prstGeom prst="line">
+            <a:avLst/>
+          </a:prstGeom>
+          <a:ln w="28575">
+            <a:solidFill>
+              <a:schemeClr val="bg1">
+                <a:lumMod val="75000"/>
+              </a:schemeClr>
+            </a:solidFill>
+            <a:headEnd type="none" w="med" len="med"/>
+            <a:tailEnd type="none" w="med" len="med"/>
+          </a:ln>
+        </p:spPr>
+        <p:style>
+          <a:lnRef idx="1">
+            <a:schemeClr val="accent1"/>
+          </a:lnRef>
+          <a:fillRef idx="0">
+            <a:schemeClr val="accent1"/>
+          </a:fillRef>
+          <a:effectRef idx="0">
+            <a:schemeClr val="accent1"/>
+          </a:effectRef>
+          <a:fontRef idx="minor">
+            <a:schemeClr val="tx1"/>
+          </a:fontRef>
+        </p:style>
+      </p:cxnSp>
+      <mc:AlternateContent xmlns:mc="http://schemas.openxmlformats.org/markup-compatibility/2006">
+        <mc:Choice xmlns:a14="http://schemas.microsoft.com/office/drawing/2010/main" Requires="a14">
+          <p:sp>
+            <p:nvSpPr>
+              <p:cNvPr id="12" name="テキスト ボックス 11">
+                <a:extLst>
+                  <a:ext uri="{FF2B5EF4-FFF2-40B4-BE49-F238E27FC236}">
+                    <a16:creationId xmlns:a16="http://schemas.microsoft.com/office/drawing/2014/main" id="{3BD90FE1-3E14-AB17-BBAA-98B90E0DA730}"/>
+                  </a:ext>
+                </a:extLst>
+              </p:cNvPr>
+              <p:cNvSpPr txBox="1"/>
+              <p:nvPr/>
+            </p:nvSpPr>
+            <p:spPr>
+              <a:xfrm>
+                <a:off x="5519936" y="2636912"/>
+                <a:ext cx="183319" cy="276999"/>
+              </a:xfrm>
+              <a:prstGeom prst="rect">
+                <a:avLst/>
+              </a:prstGeom>
+              <a:noFill/>
+            </p:spPr>
+            <p:txBody>
+              <a:bodyPr wrap="none" lIns="0" tIns="0" rIns="0" bIns="0" rtlCol="0">
+                <a:spAutoFit/>
+              </a:bodyPr>
+              <a:lstStyle/>
+              <a:p>
+                <a14:m>
+                  <m:oMathPara xmlns:m="http://schemas.openxmlformats.org/officeDocument/2006/math">
+                    <m:oMathParaPr>
+                      <m:jc m:val="centerGroup"/>
+                    </m:oMathParaPr>
+                    <m:oMath xmlns:m="http://schemas.openxmlformats.org/officeDocument/2006/math">
+                      <m:r>
+                        <a:rPr kumimoji="1" lang="en-US" altLang="ja-JP" b="0" i="1" smtClean="0">
+                          <a:latin typeface="Cambria Math" panose="02040503050406030204" pitchFamily="18" charset="0"/>
+                        </a:rPr>
+                        <m:t>𝑥</m:t>
+                      </m:r>
+                    </m:oMath>
+                  </m:oMathPara>
+                </a14:m>
+                <a:endParaRPr kumimoji="1" lang="ja-JP" altLang="en-US"/>
+              </a:p>
+            </p:txBody>
+          </p:sp>
+        </mc:Choice>
+        <mc:Fallback>
+          <p:sp>
+            <p:nvSpPr>
+              <p:cNvPr id="12" name="テキスト ボックス 11">
+                <a:extLst>
+                  <a:ext uri="{FF2B5EF4-FFF2-40B4-BE49-F238E27FC236}">
+                    <a16:creationId xmlns:a16="http://schemas.microsoft.com/office/drawing/2014/main" id="{3BD90FE1-3E14-AB17-BBAA-98B90E0DA730}"/>
+                  </a:ext>
+                </a:extLst>
+              </p:cNvPr>
+              <p:cNvSpPr txBox="1">
+                <a:spLocks noRot="1" noChangeAspect="1" noMove="1" noResize="1" noEditPoints="1" noAdjustHandles="1" noChangeArrowheads="1" noChangeShapeType="1" noTextEdit="1"/>
+              </p:cNvSpPr>
+              <p:nvPr/>
+            </p:nvSpPr>
+            <p:spPr>
+              <a:xfrm>
+                <a:off x="5519936" y="2636912"/>
+                <a:ext cx="183319" cy="276999"/>
+              </a:xfrm>
+              <a:prstGeom prst="rect">
+                <a:avLst/>
+              </a:prstGeom>
+              <a:blipFill>
+                <a:blip r:embed="rId2"/>
+                <a:stretch>
+                  <a:fillRect l="-20000" r="-13333"/>
+                </a:stretch>
+              </a:blipFill>
+            </p:spPr>
+            <p:txBody>
+              <a:bodyPr/>
+              <a:lstStyle/>
+              <a:p>
+                <a:r>
+                  <a:rPr lang="ja-JP" altLang="en-US">
+                    <a:noFill/>
+                  </a:rPr>
+                  <a:t> </a:t>
+                </a:r>
+              </a:p>
+            </p:txBody>
+          </p:sp>
+        </mc:Fallback>
+      </mc:AlternateContent>
+      <mc:AlternateContent xmlns:mc="http://schemas.openxmlformats.org/markup-compatibility/2006">
+        <mc:Choice xmlns:a14="http://schemas.microsoft.com/office/drawing/2010/main" Requires="a14">
+          <p:sp>
+            <p:nvSpPr>
+              <p:cNvPr id="13" name="テキスト ボックス 12">
+                <a:extLst>
+                  <a:ext uri="{FF2B5EF4-FFF2-40B4-BE49-F238E27FC236}">
+                    <a16:creationId xmlns:a16="http://schemas.microsoft.com/office/drawing/2014/main" id="{004D80FD-207E-F487-4E1E-B5C2A120B9F6}"/>
+                  </a:ext>
+                </a:extLst>
+              </p:cNvPr>
+              <p:cNvSpPr txBox="1"/>
+              <p:nvPr/>
+            </p:nvSpPr>
+            <p:spPr>
+              <a:xfrm>
+                <a:off x="983432" y="836712"/>
+                <a:ext cx="185564" cy="276999"/>
+              </a:xfrm>
+              <a:prstGeom prst="rect">
+                <a:avLst/>
+              </a:prstGeom>
+              <a:noFill/>
+            </p:spPr>
+            <p:txBody>
+              <a:bodyPr wrap="none" lIns="0" tIns="0" rIns="0" bIns="0" rtlCol="0">
+                <a:spAutoFit/>
+              </a:bodyPr>
+              <a:lstStyle/>
+              <a:p>
+                <a14:m>
+                  <m:oMathPara xmlns:m="http://schemas.openxmlformats.org/officeDocument/2006/math">
+                    <m:oMathParaPr>
+                      <m:jc m:val="centerGroup"/>
+                    </m:oMathParaPr>
+                    <m:oMath xmlns:m="http://schemas.openxmlformats.org/officeDocument/2006/math">
+                      <m:r>
+                        <a:rPr kumimoji="1" lang="en-US" altLang="ja-JP" b="0" i="1" smtClean="0">
+                          <a:latin typeface="Cambria Math" panose="02040503050406030204" pitchFamily="18" charset="0"/>
+                        </a:rPr>
+                        <m:t>𝜌</m:t>
+                      </m:r>
+                    </m:oMath>
+                  </m:oMathPara>
+                </a14:m>
+                <a:endParaRPr kumimoji="1" lang="ja-JP" altLang="en-US"/>
+              </a:p>
+            </p:txBody>
+          </p:sp>
+        </mc:Choice>
+        <mc:Fallback>
+          <p:sp>
+            <p:nvSpPr>
+              <p:cNvPr id="13" name="テキスト ボックス 12">
+                <a:extLst>
+                  <a:ext uri="{FF2B5EF4-FFF2-40B4-BE49-F238E27FC236}">
+                    <a16:creationId xmlns:a16="http://schemas.microsoft.com/office/drawing/2014/main" id="{004D80FD-207E-F487-4E1E-B5C2A120B9F6}"/>
+                  </a:ext>
+                </a:extLst>
+              </p:cNvPr>
+              <p:cNvSpPr txBox="1">
+                <a:spLocks noRot="1" noChangeAspect="1" noMove="1" noResize="1" noEditPoints="1" noAdjustHandles="1" noChangeArrowheads="1" noChangeShapeType="1" noTextEdit="1"/>
+              </p:cNvSpPr>
+              <p:nvPr/>
+            </p:nvSpPr>
+            <p:spPr>
+              <a:xfrm>
+                <a:off x="983432" y="836712"/>
+                <a:ext cx="185564" cy="276999"/>
+              </a:xfrm>
+              <a:prstGeom prst="rect">
+                <a:avLst/>
+              </a:prstGeom>
+              <a:blipFill>
+                <a:blip r:embed="rId3"/>
+                <a:stretch>
+                  <a:fillRect l="-32258" r="-25806" b="-23913"/>
+                </a:stretch>
+              </a:blipFill>
+            </p:spPr>
+            <p:txBody>
+              <a:bodyPr/>
+              <a:lstStyle/>
+              <a:p>
+                <a:r>
+                  <a:rPr lang="ja-JP" altLang="en-US">
+                    <a:noFill/>
+                  </a:rPr>
+                  <a:t> </a:t>
+                </a:r>
+              </a:p>
+            </p:txBody>
+          </p:sp>
+        </mc:Fallback>
+      </mc:AlternateContent>
+      <mc:AlternateContent xmlns:mc="http://schemas.openxmlformats.org/markup-compatibility/2006">
+        <mc:Choice xmlns:a14="http://schemas.microsoft.com/office/drawing/2010/main" Requires="a14">
+          <p:sp>
+            <p:nvSpPr>
+              <p:cNvPr id="15" name="テキスト ボックス 14">
+                <a:extLst>
+                  <a:ext uri="{FF2B5EF4-FFF2-40B4-BE49-F238E27FC236}">
+                    <a16:creationId xmlns:a16="http://schemas.microsoft.com/office/drawing/2014/main" id="{70722F8A-CE9D-6912-7BED-AD3240C912F6}"/>
+                  </a:ext>
+                </a:extLst>
+              </p:cNvPr>
+              <p:cNvSpPr txBox="1"/>
+              <p:nvPr/>
+            </p:nvSpPr>
+            <p:spPr>
+              <a:xfrm>
+                <a:off x="4295800" y="1124744"/>
+                <a:ext cx="474938" cy="276999"/>
+              </a:xfrm>
+              <a:prstGeom prst="rect">
+                <a:avLst/>
+              </a:prstGeom>
+              <a:noFill/>
+            </p:spPr>
+            <p:txBody>
+              <a:bodyPr wrap="none" lIns="0" tIns="0" rIns="0" bIns="0" rtlCol="0">
+                <a:spAutoFit/>
+              </a:bodyPr>
+              <a:lstStyle/>
+              <a:p>
+                <a14:m>
+                  <m:oMathPara xmlns:m="http://schemas.openxmlformats.org/officeDocument/2006/math">
+                    <m:oMathParaPr>
+                      <m:jc m:val="centerGroup"/>
+                    </m:oMathParaPr>
+                    <m:oMath xmlns:m="http://schemas.openxmlformats.org/officeDocument/2006/math">
+                      <m:r>
+                        <a:rPr kumimoji="1" lang="en-US" altLang="ja-JP" b="0" i="1" smtClean="0">
+                          <a:latin typeface="Cambria Math" panose="02040503050406030204" pitchFamily="18" charset="0"/>
+                        </a:rPr>
+                        <m:t>𝜌</m:t>
+                      </m:r>
+                      <m:r>
+                        <a:rPr kumimoji="1" lang="en-US" altLang="ja-JP" b="0" i="1" smtClean="0">
+                          <a:latin typeface="Cambria Math" panose="02040503050406030204" pitchFamily="18" charset="0"/>
+                        </a:rPr>
+                        <m:t>(</m:t>
+                      </m:r>
+                      <m:r>
+                        <a:rPr kumimoji="1" lang="en-US" altLang="ja-JP" b="0" i="1" smtClean="0">
+                          <a:latin typeface="Cambria Math" panose="02040503050406030204" pitchFamily="18" charset="0"/>
+                        </a:rPr>
+                        <m:t>𝑡</m:t>
+                      </m:r>
+                      <m:r>
+                        <a:rPr kumimoji="1" lang="en-US" altLang="ja-JP" b="0" i="1" smtClean="0">
+                          <a:latin typeface="Cambria Math" panose="02040503050406030204" pitchFamily="18" charset="0"/>
+                        </a:rPr>
+                        <m:t>)</m:t>
+                      </m:r>
+                    </m:oMath>
+                  </m:oMathPara>
+                </a14:m>
+                <a:endParaRPr kumimoji="1" lang="ja-JP" altLang="en-US"/>
+              </a:p>
+            </p:txBody>
+          </p:sp>
+        </mc:Choice>
+        <mc:Fallback>
+          <p:sp>
+            <p:nvSpPr>
+              <p:cNvPr id="15" name="テキスト ボックス 14">
+                <a:extLst>
+                  <a:ext uri="{FF2B5EF4-FFF2-40B4-BE49-F238E27FC236}">
+                    <a16:creationId xmlns:a16="http://schemas.microsoft.com/office/drawing/2014/main" id="{70722F8A-CE9D-6912-7BED-AD3240C912F6}"/>
+                  </a:ext>
+                </a:extLst>
+              </p:cNvPr>
+              <p:cNvSpPr txBox="1">
+                <a:spLocks noRot="1" noChangeAspect="1" noMove="1" noResize="1" noEditPoints="1" noAdjustHandles="1" noChangeArrowheads="1" noChangeShapeType="1" noTextEdit="1"/>
+              </p:cNvSpPr>
+              <p:nvPr/>
+            </p:nvSpPr>
+            <p:spPr>
+              <a:xfrm>
+                <a:off x="4295800" y="1124744"/>
+                <a:ext cx="474938" cy="276999"/>
+              </a:xfrm>
+              <a:prstGeom prst="rect">
+                <a:avLst/>
+              </a:prstGeom>
+              <a:blipFill>
+                <a:blip r:embed="rId4"/>
+                <a:stretch>
+                  <a:fillRect l="-11538" t="-4444" r="-17949" b="-35556"/>
+                </a:stretch>
+              </a:blipFill>
+            </p:spPr>
+            <p:txBody>
+              <a:bodyPr/>
+              <a:lstStyle/>
+              <a:p>
+                <a:r>
+                  <a:rPr lang="ja-JP" altLang="en-US">
+                    <a:noFill/>
+                  </a:rPr>
+                  <a:t> </a:t>
+                </a:r>
+              </a:p>
+            </p:txBody>
+          </p:sp>
+        </mc:Fallback>
+      </mc:AlternateContent>
+      <mc:AlternateContent xmlns:mc="http://schemas.openxmlformats.org/markup-compatibility/2006">
+        <mc:Choice xmlns:a14="http://schemas.microsoft.com/office/drawing/2010/main" Requires="a14">
+          <p:sp>
+            <p:nvSpPr>
+              <p:cNvPr id="16" name="テキスト ボックス 15">
+                <a:extLst>
+                  <a:ext uri="{FF2B5EF4-FFF2-40B4-BE49-F238E27FC236}">
+                    <a16:creationId xmlns:a16="http://schemas.microsoft.com/office/drawing/2014/main" id="{2E099363-1D7D-948A-7151-6DC21261B378}"/>
+                  </a:ext>
+                </a:extLst>
+              </p:cNvPr>
+              <p:cNvSpPr txBox="1"/>
+              <p:nvPr/>
+            </p:nvSpPr>
+            <p:spPr>
+              <a:xfrm>
+                <a:off x="3935760" y="1484784"/>
+                <a:ext cx="882870" cy="276999"/>
+              </a:xfrm>
+              <a:prstGeom prst="rect">
+                <a:avLst/>
+              </a:prstGeom>
+              <a:noFill/>
+            </p:spPr>
+            <p:txBody>
+              <a:bodyPr wrap="none" lIns="0" tIns="0" rIns="0" bIns="0" rtlCol="0">
+                <a:spAutoFit/>
+              </a:bodyPr>
+              <a:lstStyle/>
+              <a:p>
+                <a14:m>
+                  <m:oMathPara xmlns:m="http://schemas.openxmlformats.org/officeDocument/2006/math">
+                    <m:oMathParaPr>
+                      <m:jc m:val="centerGroup"/>
+                    </m:oMathParaPr>
+                    <m:oMath xmlns:m="http://schemas.openxmlformats.org/officeDocument/2006/math">
+                      <m:r>
+                        <a:rPr kumimoji="1" lang="en-US" altLang="ja-JP" b="0" i="1" smtClean="0">
+                          <a:latin typeface="Cambria Math" panose="02040503050406030204" pitchFamily="18" charset="0"/>
+                        </a:rPr>
+                        <m:t>𝜌</m:t>
+                      </m:r>
+                      <m:r>
+                        <a:rPr kumimoji="1" lang="en-US" altLang="ja-JP" b="0" i="1" smtClean="0">
+                          <a:latin typeface="Cambria Math" panose="02040503050406030204" pitchFamily="18" charset="0"/>
+                        </a:rPr>
+                        <m:t>(</m:t>
+                      </m:r>
+                      <m:r>
+                        <a:rPr kumimoji="1" lang="en-US" altLang="ja-JP" b="0" i="1" smtClean="0">
+                          <a:latin typeface="Cambria Math" panose="02040503050406030204" pitchFamily="18" charset="0"/>
+                        </a:rPr>
+                        <m:t>𝑡</m:t>
+                      </m:r>
+                      <m:r>
+                        <a:rPr kumimoji="1" lang="en-US" altLang="ja-JP" b="0" i="1" smtClean="0">
+                          <a:latin typeface="Cambria Math" panose="02040503050406030204" pitchFamily="18" charset="0"/>
+                        </a:rPr>
+                        <m:t>+</m:t>
+                      </m:r>
+                      <m:r>
+                        <a:rPr kumimoji="1" lang="en-US" altLang="ja-JP" b="0" i="1" smtClean="0">
+                          <a:latin typeface="Cambria Math" panose="02040503050406030204" pitchFamily="18" charset="0"/>
+                        </a:rPr>
+                        <m:t>h</m:t>
+                      </m:r>
+                      <m:r>
+                        <a:rPr kumimoji="1" lang="en-US" altLang="ja-JP" b="0" i="1" smtClean="0">
+                          <a:latin typeface="Cambria Math" panose="02040503050406030204" pitchFamily="18" charset="0"/>
+                        </a:rPr>
+                        <m:t>)</m:t>
+                      </m:r>
+                    </m:oMath>
+                  </m:oMathPara>
+                </a14:m>
+                <a:endParaRPr kumimoji="1" lang="ja-JP" altLang="en-US"/>
+              </a:p>
+            </p:txBody>
+          </p:sp>
+        </mc:Choice>
+        <mc:Fallback>
+          <p:sp>
+            <p:nvSpPr>
+              <p:cNvPr id="16" name="テキスト ボックス 15">
+                <a:extLst>
+                  <a:ext uri="{FF2B5EF4-FFF2-40B4-BE49-F238E27FC236}">
+                    <a16:creationId xmlns:a16="http://schemas.microsoft.com/office/drawing/2014/main" id="{2E099363-1D7D-948A-7151-6DC21261B378}"/>
+                  </a:ext>
+                </a:extLst>
+              </p:cNvPr>
+              <p:cNvSpPr txBox="1">
+                <a:spLocks noRot="1" noChangeAspect="1" noMove="1" noResize="1" noEditPoints="1" noAdjustHandles="1" noChangeArrowheads="1" noChangeShapeType="1" noTextEdit="1"/>
+              </p:cNvSpPr>
+              <p:nvPr/>
+            </p:nvSpPr>
+            <p:spPr>
+              <a:xfrm>
+                <a:off x="3935760" y="1484784"/>
+                <a:ext cx="882870" cy="276999"/>
+              </a:xfrm>
+              <a:prstGeom prst="rect">
+                <a:avLst/>
+              </a:prstGeom>
+              <a:blipFill>
+                <a:blip r:embed="rId5"/>
+                <a:stretch>
+                  <a:fillRect l="-6250" t="-4444" r="-9722" b="-35556"/>
+                </a:stretch>
+              </a:blipFill>
+            </p:spPr>
+            <p:txBody>
+              <a:bodyPr/>
+              <a:lstStyle/>
+              <a:p>
+                <a:r>
+                  <a:rPr lang="ja-JP" altLang="en-US">
+                    <a:noFill/>
+                  </a:rPr>
+                  <a:t> </a:t>
+                </a:r>
+              </a:p>
+            </p:txBody>
+          </p:sp>
+        </mc:Fallback>
+      </mc:AlternateContent>
+      <p:cxnSp>
+        <p:nvCxnSpPr>
+          <p:cNvPr id="18" name="直線矢印コネクタ 17">
+            <a:extLst>
+              <a:ext uri="{FF2B5EF4-FFF2-40B4-BE49-F238E27FC236}">
+                <a16:creationId xmlns:a16="http://schemas.microsoft.com/office/drawing/2014/main" id="{62E3CDCD-0443-E3E6-AC6B-3964054C400E}"/>
+              </a:ext>
+            </a:extLst>
+          </p:cNvPr>
+          <p:cNvCxnSpPr>
+            <a:cxnSpLocks/>
+          </p:cNvCxnSpPr>
+          <p:nvPr/>
+        </p:nvCxnSpPr>
+        <p:spPr>
+          <a:xfrm>
+            <a:off x="1991544" y="1268760"/>
+            <a:ext cx="648072" cy="0"/>
+          </a:xfrm>
+          <a:prstGeom prst="straightConnector1">
+            <a:avLst/>
+          </a:prstGeom>
+          <a:ln>
+            <a:solidFill>
+              <a:schemeClr val="tx1"/>
+            </a:solidFill>
+            <a:headEnd type="none" w="med" len="med"/>
+            <a:tailEnd type="triangle"/>
+          </a:ln>
+        </p:spPr>
+        <p:style>
+          <a:lnRef idx="1">
+            <a:schemeClr val="accent1"/>
+          </a:lnRef>
+          <a:fillRef idx="0">
+            <a:schemeClr val="accent1"/>
+          </a:fillRef>
+          <a:effectRef idx="0">
+            <a:schemeClr val="accent1"/>
+          </a:effectRef>
+          <a:fontRef idx="minor">
+            <a:schemeClr val="tx1"/>
+          </a:fontRef>
+        </p:style>
+      </p:cxnSp>
+      <p:sp>
+        <p:nvSpPr>
+          <p:cNvPr id="19" name="フリーフォーム: 図形 18">
+            <a:extLst>
+              <a:ext uri="{FF2B5EF4-FFF2-40B4-BE49-F238E27FC236}">
+                <a16:creationId xmlns:a16="http://schemas.microsoft.com/office/drawing/2014/main" id="{02B5BD99-4723-E528-A2FC-DFF32B068943}"/>
+              </a:ext>
+            </a:extLst>
+          </p:cNvPr>
+          <p:cNvSpPr/>
+          <p:nvPr/>
+        </p:nvSpPr>
+        <p:spPr>
+          <a:xfrm>
+            <a:off x="1122107" y="1327492"/>
+            <a:ext cx="2381605" cy="1631830"/>
+          </a:xfrm>
+          <a:custGeom>
+            <a:avLst/>
+            <a:gdLst>
+              <a:gd name="connsiteX0" fmla="*/ 0 w 3387635"/>
+              <a:gd name="connsiteY0" fmla="*/ 864214 h 1631830"/>
+              <a:gd name="connsiteX1" fmla="*/ 1402080 w 3387635"/>
+              <a:gd name="connsiteY1" fmla="*/ 19483 h 1631830"/>
+              <a:gd name="connsiteX2" fmla="*/ 2299063 w 3387635"/>
+              <a:gd name="connsiteY2" fmla="*/ 1604443 h 1631830"/>
+              <a:gd name="connsiteX3" fmla="*/ 3387635 w 3387635"/>
+              <a:gd name="connsiteY3" fmla="*/ 872923 h 1631830"/>
+            </a:gdLst>
+            <a:ahLst/>
+            <a:cxnLst>
+              <a:cxn ang="0">
+                <a:pos x="connsiteX0" y="connsiteY0"/>
+              </a:cxn>
+              <a:cxn ang="0">
+                <a:pos x="connsiteX1" y="connsiteY1"/>
+              </a:cxn>
+              <a:cxn ang="0">
+                <a:pos x="connsiteX2" y="connsiteY2"/>
+              </a:cxn>
+              <a:cxn ang="0">
+                <a:pos x="connsiteX3" y="connsiteY3"/>
+              </a:cxn>
+            </a:cxnLst>
+            <a:rect l="l" t="t" r="r" b="b"/>
+            <a:pathLst>
+              <a:path w="3387635" h="1631830">
+                <a:moveTo>
+                  <a:pt x="0" y="864214"/>
+                </a:moveTo>
+                <a:cubicBezTo>
+                  <a:pt x="509451" y="380163"/>
+                  <a:pt x="1018903" y="-103888"/>
+                  <a:pt x="1402080" y="19483"/>
+                </a:cubicBezTo>
+                <a:cubicBezTo>
+                  <a:pt x="1785257" y="142854"/>
+                  <a:pt x="1968137" y="1462203"/>
+                  <a:pt x="2299063" y="1604443"/>
+                </a:cubicBezTo>
+                <a:cubicBezTo>
+                  <a:pt x="2629989" y="1746683"/>
+                  <a:pt x="3008812" y="1309803"/>
+                  <a:pt x="3387635" y="872923"/>
+                </a:cubicBezTo>
+              </a:path>
+            </a:pathLst>
+          </a:custGeom>
+          <a:noFill/>
+          <a:ln w="28575">
+            <a:solidFill>
+              <a:schemeClr val="bg1">
+                <a:lumMod val="75000"/>
+              </a:schemeClr>
+            </a:solidFill>
+          </a:ln>
+        </p:spPr>
+        <p:style>
+          <a:lnRef idx="2">
+            <a:schemeClr val="accent1">
+              <a:shade val="50000"/>
+            </a:schemeClr>
+          </a:lnRef>
+          <a:fillRef idx="1">
+            <a:schemeClr val="accent1"/>
+          </a:fillRef>
+          <a:effectRef idx="0">
+            <a:schemeClr val="accent1"/>
+          </a:effectRef>
+          <a:fontRef idx="minor">
+            <a:schemeClr val="lt1"/>
+          </a:fontRef>
+        </p:style>
+        <p:txBody>
+          <a:bodyPr rtlCol="0" anchor="ctr"/>
+          <a:lstStyle/>
+          <a:p>
+            <a:pPr algn="ctr"/>
+            <a:endParaRPr kumimoji="1" lang="ja-JP" altLang="en-US"/>
+          </a:p>
+        </p:txBody>
+      </p:sp>
+      <p:sp>
+        <p:nvSpPr>
+          <p:cNvPr id="20" name="フリーフォーム: 図形 19">
+            <a:extLst>
+              <a:ext uri="{FF2B5EF4-FFF2-40B4-BE49-F238E27FC236}">
+                <a16:creationId xmlns:a16="http://schemas.microsoft.com/office/drawing/2014/main" id="{FAF4B47C-BA08-0D18-1924-6D22BB097C26}"/>
+              </a:ext>
+            </a:extLst>
+          </p:cNvPr>
+          <p:cNvSpPr/>
+          <p:nvPr/>
+        </p:nvSpPr>
+        <p:spPr>
+          <a:xfrm>
+            <a:off x="1703512" y="1340768"/>
+            <a:ext cx="2381605" cy="1631830"/>
+          </a:xfrm>
+          <a:custGeom>
+            <a:avLst/>
+            <a:gdLst>
+              <a:gd name="connsiteX0" fmla="*/ 0 w 3387635"/>
+              <a:gd name="connsiteY0" fmla="*/ 864214 h 1631830"/>
+              <a:gd name="connsiteX1" fmla="*/ 1402080 w 3387635"/>
+              <a:gd name="connsiteY1" fmla="*/ 19483 h 1631830"/>
+              <a:gd name="connsiteX2" fmla="*/ 2299063 w 3387635"/>
+              <a:gd name="connsiteY2" fmla="*/ 1604443 h 1631830"/>
+              <a:gd name="connsiteX3" fmla="*/ 3387635 w 3387635"/>
+              <a:gd name="connsiteY3" fmla="*/ 872923 h 1631830"/>
+            </a:gdLst>
+            <a:ahLst/>
+            <a:cxnLst>
+              <a:cxn ang="0">
+                <a:pos x="connsiteX0" y="connsiteY0"/>
+              </a:cxn>
+              <a:cxn ang="0">
+                <a:pos x="connsiteX1" y="connsiteY1"/>
+              </a:cxn>
+              <a:cxn ang="0">
+                <a:pos x="connsiteX2" y="connsiteY2"/>
+              </a:cxn>
+              <a:cxn ang="0">
+                <a:pos x="connsiteX3" y="connsiteY3"/>
+              </a:cxn>
+            </a:cxnLst>
+            <a:rect l="l" t="t" r="r" b="b"/>
+            <a:pathLst>
+              <a:path w="3387635" h="1631830">
+                <a:moveTo>
+                  <a:pt x="0" y="864214"/>
+                </a:moveTo>
+                <a:cubicBezTo>
+                  <a:pt x="509451" y="380163"/>
+                  <a:pt x="1018903" y="-103888"/>
+                  <a:pt x="1402080" y="19483"/>
+                </a:cubicBezTo>
+                <a:cubicBezTo>
+                  <a:pt x="1785257" y="142854"/>
+                  <a:pt x="1968137" y="1462203"/>
+                  <a:pt x="2299063" y="1604443"/>
+                </a:cubicBezTo>
+                <a:cubicBezTo>
+                  <a:pt x="2629989" y="1746683"/>
+                  <a:pt x="3008812" y="1309803"/>
+                  <a:pt x="3387635" y="872923"/>
+                </a:cubicBezTo>
+              </a:path>
+            </a:pathLst>
+          </a:custGeom>
+          <a:noFill/>
+          <a:ln w="28575"/>
+        </p:spPr>
+        <p:style>
+          <a:lnRef idx="2">
+            <a:schemeClr val="accent1">
+              <a:shade val="50000"/>
+            </a:schemeClr>
+          </a:lnRef>
+          <a:fillRef idx="1">
+            <a:schemeClr val="accent1"/>
+          </a:fillRef>
+          <a:effectRef idx="0">
+            <a:schemeClr val="accent1"/>
+          </a:effectRef>
+          <a:fontRef idx="minor">
+            <a:schemeClr val="lt1"/>
+          </a:fontRef>
+        </p:style>
+        <p:txBody>
+          <a:bodyPr rtlCol="0" anchor="ctr"/>
+          <a:lstStyle/>
+          <a:p>
+            <a:pPr algn="ctr"/>
+            <a:endParaRPr kumimoji="1" lang="ja-JP" altLang="en-US"/>
+          </a:p>
+        </p:txBody>
+      </p:sp>
+      <mc:AlternateContent xmlns:mc="http://schemas.openxmlformats.org/markup-compatibility/2006">
+        <mc:Choice xmlns:a14="http://schemas.microsoft.com/office/drawing/2010/main" Requires="a14">
+          <p:sp>
+            <p:nvSpPr>
+              <p:cNvPr id="22" name="テキスト ボックス 21">
+                <a:extLst>
+                  <a:ext uri="{FF2B5EF4-FFF2-40B4-BE49-F238E27FC236}">
+                    <a16:creationId xmlns:a16="http://schemas.microsoft.com/office/drawing/2014/main" id="{88732D41-BDB1-81DC-C501-55B16753F480}"/>
+                  </a:ext>
+                </a:extLst>
+              </p:cNvPr>
+              <p:cNvSpPr txBox="1"/>
+              <p:nvPr/>
+            </p:nvSpPr>
+            <p:spPr>
+              <a:xfrm>
+                <a:off x="2185450" y="908720"/>
+                <a:ext cx="310150" cy="276999"/>
+              </a:xfrm>
+              <a:prstGeom prst="rect">
+                <a:avLst/>
+              </a:prstGeom>
+              <a:noFill/>
+            </p:spPr>
+            <p:txBody>
+              <a:bodyPr wrap="none" lIns="0" tIns="0" rIns="0" bIns="0" rtlCol="0">
+                <a:spAutoFit/>
+              </a:bodyPr>
+              <a:lstStyle/>
+              <a:p>
+                <a14:m>
+                  <m:oMathPara xmlns:m="http://schemas.openxmlformats.org/officeDocument/2006/math">
+                    <m:oMathParaPr>
+                      <m:jc m:val="centerGroup"/>
+                    </m:oMathParaPr>
+                    <m:oMath xmlns:m="http://schemas.openxmlformats.org/officeDocument/2006/math">
+                      <m:r>
+                        <a:rPr kumimoji="1" lang="en-US" altLang="ja-JP" b="0" i="1" smtClean="0">
+                          <a:latin typeface="Cambria Math" panose="02040503050406030204" pitchFamily="18" charset="0"/>
+                        </a:rPr>
+                        <m:t>𝑣h</m:t>
+                      </m:r>
+                    </m:oMath>
+                  </m:oMathPara>
+                </a14:m>
+                <a:endParaRPr kumimoji="1" lang="ja-JP" altLang="en-US"/>
+              </a:p>
+            </p:txBody>
+          </p:sp>
+        </mc:Choice>
+        <mc:Fallback>
+          <p:sp>
+            <p:nvSpPr>
+              <p:cNvPr id="22" name="テキスト ボックス 21">
+                <a:extLst>
+                  <a:ext uri="{FF2B5EF4-FFF2-40B4-BE49-F238E27FC236}">
+                    <a16:creationId xmlns:a16="http://schemas.microsoft.com/office/drawing/2014/main" id="{88732D41-BDB1-81DC-C501-55B16753F480}"/>
+                  </a:ext>
+                </a:extLst>
+              </p:cNvPr>
+              <p:cNvSpPr txBox="1">
+                <a:spLocks noRot="1" noChangeAspect="1" noMove="1" noResize="1" noEditPoints="1" noAdjustHandles="1" noChangeArrowheads="1" noChangeShapeType="1" noTextEdit="1"/>
+              </p:cNvSpPr>
+              <p:nvPr/>
+            </p:nvSpPr>
+            <p:spPr>
+              <a:xfrm>
+                <a:off x="2185450" y="908720"/>
+                <a:ext cx="310150" cy="276999"/>
+              </a:xfrm>
+              <a:prstGeom prst="rect">
+                <a:avLst/>
+              </a:prstGeom>
+              <a:blipFill>
+                <a:blip r:embed="rId6"/>
+                <a:stretch>
+                  <a:fillRect l="-20000" r="-20000" b="-6522"/>
+                </a:stretch>
+              </a:blipFill>
+            </p:spPr>
+            <p:txBody>
+              <a:bodyPr/>
+              <a:lstStyle/>
+              <a:p>
+                <a:r>
+                  <a:rPr lang="ja-JP" altLang="en-US">
+                    <a:noFill/>
+                  </a:rPr>
+                  <a:t> </a:t>
+                </a:r>
+              </a:p>
+            </p:txBody>
+          </p:sp>
+        </mc:Fallback>
+      </mc:AlternateContent>
+      <p:cxnSp>
+        <p:nvCxnSpPr>
+          <p:cNvPr id="23" name="直線矢印コネクタ 22">
+            <a:extLst>
+              <a:ext uri="{FF2B5EF4-FFF2-40B4-BE49-F238E27FC236}">
+                <a16:creationId xmlns:a16="http://schemas.microsoft.com/office/drawing/2014/main" id="{08D53EEA-A61D-B779-A300-2DB6DF9BF705}"/>
+              </a:ext>
+            </a:extLst>
+          </p:cNvPr>
+          <p:cNvCxnSpPr>
+            <a:cxnSpLocks/>
+          </p:cNvCxnSpPr>
+          <p:nvPr/>
+        </p:nvCxnSpPr>
+        <p:spPr>
+          <a:xfrm>
+            <a:off x="839416" y="5589240"/>
+            <a:ext cx="4608512" cy="0"/>
+          </a:xfrm>
+          <a:prstGeom prst="straightConnector1">
+            <a:avLst/>
+          </a:prstGeom>
+          <a:ln>
+            <a:solidFill>
+              <a:schemeClr val="tx1"/>
+            </a:solidFill>
+            <a:tailEnd type="triangle"/>
+          </a:ln>
+        </p:spPr>
+        <p:style>
+          <a:lnRef idx="1">
+            <a:schemeClr val="accent1"/>
+          </a:lnRef>
+          <a:fillRef idx="0">
+            <a:schemeClr val="accent1"/>
+          </a:fillRef>
+          <a:effectRef idx="0">
+            <a:schemeClr val="accent1"/>
+          </a:effectRef>
+          <a:fontRef idx="minor">
+            <a:schemeClr val="tx1"/>
+          </a:fontRef>
+        </p:style>
+      </p:cxnSp>
+      <p:cxnSp>
+        <p:nvCxnSpPr>
+          <p:cNvPr id="24" name="直線矢印コネクタ 23">
+            <a:extLst>
+              <a:ext uri="{FF2B5EF4-FFF2-40B4-BE49-F238E27FC236}">
+                <a16:creationId xmlns:a16="http://schemas.microsoft.com/office/drawing/2014/main" id="{E1FE72D2-F156-5583-DEED-FBCE4F7EBB43}"/>
+              </a:ext>
+            </a:extLst>
+          </p:cNvPr>
+          <p:cNvCxnSpPr>
+            <a:cxnSpLocks/>
+          </p:cNvCxnSpPr>
+          <p:nvPr/>
+        </p:nvCxnSpPr>
+        <p:spPr>
+          <a:xfrm flipV="1">
+            <a:off x="1055440" y="4005064"/>
+            <a:ext cx="0" cy="1800200"/>
+          </a:xfrm>
+          <a:prstGeom prst="straightConnector1">
+            <a:avLst/>
+          </a:prstGeom>
+          <a:ln>
+            <a:solidFill>
+              <a:schemeClr val="tx1"/>
+            </a:solidFill>
+            <a:tailEnd type="triangle"/>
+          </a:ln>
+        </p:spPr>
+        <p:style>
+          <a:lnRef idx="1">
+            <a:schemeClr val="accent1"/>
+          </a:lnRef>
+          <a:fillRef idx="0">
+            <a:schemeClr val="accent1"/>
+          </a:fillRef>
+          <a:effectRef idx="0">
+            <a:schemeClr val="accent1"/>
+          </a:effectRef>
+          <a:fontRef idx="minor">
+            <a:schemeClr val="tx1"/>
+          </a:fontRef>
+        </p:style>
+      </p:cxnSp>
+      <p:cxnSp>
+        <p:nvCxnSpPr>
+          <p:cNvPr id="25" name="直線コネクタ 24">
+            <a:extLst>
+              <a:ext uri="{FF2B5EF4-FFF2-40B4-BE49-F238E27FC236}">
+                <a16:creationId xmlns:a16="http://schemas.microsoft.com/office/drawing/2014/main" id="{F6BD4D4A-C882-814F-28A0-93E674BD9B0A}"/>
+              </a:ext>
+            </a:extLst>
+          </p:cNvPr>
+          <p:cNvCxnSpPr/>
+          <p:nvPr/>
+        </p:nvCxnSpPr>
+        <p:spPr>
+          <a:xfrm>
+            <a:off x="4871864" y="4437112"/>
+            <a:ext cx="576064" cy="0"/>
+          </a:xfrm>
+          <a:prstGeom prst="line">
+            <a:avLst/>
+          </a:prstGeom>
+          <a:ln w="28575">
+            <a:solidFill>
+              <a:schemeClr val="accent1">
+                <a:lumMod val="75000"/>
+              </a:schemeClr>
+            </a:solidFill>
+            <a:headEnd type="none" w="med" len="med"/>
+            <a:tailEnd type="none" w="med" len="med"/>
+          </a:ln>
+        </p:spPr>
+        <p:style>
+          <a:lnRef idx="1">
+            <a:schemeClr val="accent1"/>
+          </a:lnRef>
+          <a:fillRef idx="0">
+            <a:schemeClr val="accent1"/>
+          </a:fillRef>
+          <a:effectRef idx="0">
+            <a:schemeClr val="accent1"/>
+          </a:effectRef>
+          <a:fontRef idx="minor">
+            <a:schemeClr val="tx1"/>
+          </a:fontRef>
+        </p:style>
+      </p:cxnSp>
+      <p:cxnSp>
+        <p:nvCxnSpPr>
+          <p:cNvPr id="26" name="直線コネクタ 25">
+            <a:extLst>
+              <a:ext uri="{FF2B5EF4-FFF2-40B4-BE49-F238E27FC236}">
+                <a16:creationId xmlns:a16="http://schemas.microsoft.com/office/drawing/2014/main" id="{8518985F-3253-AE5A-F1E6-EB8B2F7E507E}"/>
+              </a:ext>
+            </a:extLst>
+          </p:cNvPr>
+          <p:cNvCxnSpPr/>
+          <p:nvPr/>
+        </p:nvCxnSpPr>
+        <p:spPr>
+          <a:xfrm>
+            <a:off x="4871864" y="4077072"/>
+            <a:ext cx="576064" cy="0"/>
+          </a:xfrm>
+          <a:prstGeom prst="line">
+            <a:avLst/>
+          </a:prstGeom>
+          <a:ln w="28575">
+            <a:solidFill>
+              <a:schemeClr val="bg1">
+                <a:lumMod val="75000"/>
+              </a:schemeClr>
+            </a:solidFill>
+            <a:headEnd type="none" w="med" len="med"/>
+            <a:tailEnd type="none" w="med" len="med"/>
+          </a:ln>
+        </p:spPr>
+        <p:style>
+          <a:lnRef idx="1">
+            <a:schemeClr val="accent1"/>
+          </a:lnRef>
+          <a:fillRef idx="0">
+            <a:schemeClr val="accent1"/>
+          </a:fillRef>
+          <a:effectRef idx="0">
+            <a:schemeClr val="accent1"/>
+          </a:effectRef>
+          <a:fontRef idx="minor">
+            <a:schemeClr val="tx1"/>
+          </a:fontRef>
+        </p:style>
+      </p:cxnSp>
+      <mc:AlternateContent xmlns:mc="http://schemas.openxmlformats.org/markup-compatibility/2006">
+        <mc:Choice xmlns:a14="http://schemas.microsoft.com/office/drawing/2010/main" Requires="a14">
+          <p:sp>
+            <p:nvSpPr>
+              <p:cNvPr id="27" name="テキスト ボックス 26">
+                <a:extLst>
+                  <a:ext uri="{FF2B5EF4-FFF2-40B4-BE49-F238E27FC236}">
+                    <a16:creationId xmlns:a16="http://schemas.microsoft.com/office/drawing/2014/main" id="{B92CD6E4-0839-CBF9-6330-0F0D65059A37}"/>
+                  </a:ext>
+                </a:extLst>
+              </p:cNvPr>
+              <p:cNvSpPr txBox="1"/>
+              <p:nvPr/>
+            </p:nvSpPr>
+            <p:spPr>
+              <a:xfrm>
+                <a:off x="5519936" y="5445224"/>
+                <a:ext cx="183319" cy="276999"/>
+              </a:xfrm>
+              <a:prstGeom prst="rect">
+                <a:avLst/>
+              </a:prstGeom>
+              <a:noFill/>
+            </p:spPr>
+            <p:txBody>
+              <a:bodyPr wrap="none" lIns="0" tIns="0" rIns="0" bIns="0" rtlCol="0">
+                <a:spAutoFit/>
+              </a:bodyPr>
+              <a:lstStyle/>
+              <a:p>
+                <a14:m>
+                  <m:oMathPara xmlns:m="http://schemas.openxmlformats.org/officeDocument/2006/math">
+                    <m:oMathParaPr>
+                      <m:jc m:val="centerGroup"/>
+                    </m:oMathParaPr>
+                    <m:oMath xmlns:m="http://schemas.openxmlformats.org/officeDocument/2006/math">
+                      <m:r>
+                        <a:rPr kumimoji="1" lang="en-US" altLang="ja-JP" b="0" i="1" smtClean="0">
+                          <a:latin typeface="Cambria Math" panose="02040503050406030204" pitchFamily="18" charset="0"/>
+                        </a:rPr>
+                        <m:t>𝑥</m:t>
+                      </m:r>
+                    </m:oMath>
+                  </m:oMathPara>
+                </a14:m>
+                <a:endParaRPr kumimoji="1" lang="ja-JP" altLang="en-US"/>
+              </a:p>
+            </p:txBody>
+          </p:sp>
+        </mc:Choice>
+        <mc:Fallback>
+          <p:sp>
+            <p:nvSpPr>
+              <p:cNvPr id="27" name="テキスト ボックス 26">
+                <a:extLst>
+                  <a:ext uri="{FF2B5EF4-FFF2-40B4-BE49-F238E27FC236}">
+                    <a16:creationId xmlns:a16="http://schemas.microsoft.com/office/drawing/2014/main" id="{B92CD6E4-0839-CBF9-6330-0F0D65059A37}"/>
+                  </a:ext>
+                </a:extLst>
+              </p:cNvPr>
+              <p:cNvSpPr txBox="1">
+                <a:spLocks noRot="1" noChangeAspect="1" noMove="1" noResize="1" noEditPoints="1" noAdjustHandles="1" noChangeArrowheads="1" noChangeShapeType="1" noTextEdit="1"/>
+              </p:cNvSpPr>
+              <p:nvPr/>
+            </p:nvSpPr>
+            <p:spPr>
+              <a:xfrm>
+                <a:off x="5519936" y="5445224"/>
+                <a:ext cx="183319" cy="276999"/>
+              </a:xfrm>
+              <a:prstGeom prst="rect">
+                <a:avLst/>
+              </a:prstGeom>
+              <a:blipFill>
+                <a:blip r:embed="rId7"/>
+                <a:stretch>
+                  <a:fillRect l="-20000" r="-13333"/>
+                </a:stretch>
+              </a:blipFill>
+            </p:spPr>
+            <p:txBody>
+              <a:bodyPr/>
+              <a:lstStyle/>
+              <a:p>
+                <a:r>
+                  <a:rPr lang="ja-JP" altLang="en-US">
+                    <a:noFill/>
+                  </a:rPr>
+                  <a:t> </a:t>
+                </a:r>
+              </a:p>
+            </p:txBody>
+          </p:sp>
+        </mc:Fallback>
+      </mc:AlternateContent>
+      <mc:AlternateContent xmlns:mc="http://schemas.openxmlformats.org/markup-compatibility/2006">
+        <mc:Choice xmlns:a14="http://schemas.microsoft.com/office/drawing/2010/main" Requires="a14">
+          <p:sp>
+            <p:nvSpPr>
+              <p:cNvPr id="28" name="テキスト ボックス 27">
+                <a:extLst>
+                  <a:ext uri="{FF2B5EF4-FFF2-40B4-BE49-F238E27FC236}">
+                    <a16:creationId xmlns:a16="http://schemas.microsoft.com/office/drawing/2014/main" id="{5E040C32-421A-C833-AAD8-BC497F2CBB47}"/>
+                  </a:ext>
+                </a:extLst>
+              </p:cNvPr>
+              <p:cNvSpPr txBox="1"/>
+              <p:nvPr/>
+            </p:nvSpPr>
+            <p:spPr>
+              <a:xfrm>
+                <a:off x="983432" y="3645024"/>
+                <a:ext cx="185564" cy="276999"/>
+              </a:xfrm>
+              <a:prstGeom prst="rect">
+                <a:avLst/>
+              </a:prstGeom>
+              <a:noFill/>
+            </p:spPr>
+            <p:txBody>
+              <a:bodyPr wrap="none" lIns="0" tIns="0" rIns="0" bIns="0" rtlCol="0">
+                <a:spAutoFit/>
+              </a:bodyPr>
+              <a:lstStyle/>
+              <a:p>
+                <a14:m>
+                  <m:oMathPara xmlns:m="http://schemas.openxmlformats.org/officeDocument/2006/math">
+                    <m:oMathParaPr>
+                      <m:jc m:val="centerGroup"/>
+                    </m:oMathParaPr>
+                    <m:oMath xmlns:m="http://schemas.openxmlformats.org/officeDocument/2006/math">
+                      <m:r>
+                        <a:rPr kumimoji="1" lang="en-US" altLang="ja-JP" b="0" i="1" smtClean="0">
+                          <a:latin typeface="Cambria Math" panose="02040503050406030204" pitchFamily="18" charset="0"/>
+                        </a:rPr>
+                        <m:t>𝜌</m:t>
+                      </m:r>
+                    </m:oMath>
+                  </m:oMathPara>
+                </a14:m>
+                <a:endParaRPr kumimoji="1" lang="ja-JP" altLang="en-US"/>
+              </a:p>
+            </p:txBody>
+          </p:sp>
+        </mc:Choice>
+        <mc:Fallback>
+          <p:sp>
+            <p:nvSpPr>
+              <p:cNvPr id="28" name="テキスト ボックス 27">
+                <a:extLst>
+                  <a:ext uri="{FF2B5EF4-FFF2-40B4-BE49-F238E27FC236}">
+                    <a16:creationId xmlns:a16="http://schemas.microsoft.com/office/drawing/2014/main" id="{5E040C32-421A-C833-AAD8-BC497F2CBB47}"/>
+                  </a:ext>
+                </a:extLst>
+              </p:cNvPr>
+              <p:cNvSpPr txBox="1">
+                <a:spLocks noRot="1" noChangeAspect="1" noMove="1" noResize="1" noEditPoints="1" noAdjustHandles="1" noChangeArrowheads="1" noChangeShapeType="1" noTextEdit="1"/>
+              </p:cNvSpPr>
+              <p:nvPr/>
+            </p:nvSpPr>
+            <p:spPr>
+              <a:xfrm>
+                <a:off x="983432" y="3645024"/>
+                <a:ext cx="185564" cy="276999"/>
+              </a:xfrm>
+              <a:prstGeom prst="rect">
+                <a:avLst/>
+              </a:prstGeom>
+              <a:blipFill>
+                <a:blip r:embed="rId8"/>
+                <a:stretch>
+                  <a:fillRect l="-32258" r="-25806" b="-26667"/>
+                </a:stretch>
+              </a:blipFill>
+            </p:spPr>
+            <p:txBody>
+              <a:bodyPr/>
+              <a:lstStyle/>
+              <a:p>
+                <a:r>
+                  <a:rPr lang="ja-JP" altLang="en-US">
+                    <a:noFill/>
+                  </a:rPr>
+                  <a:t> </a:t>
+                </a:r>
+              </a:p>
+            </p:txBody>
+          </p:sp>
+        </mc:Fallback>
+      </mc:AlternateContent>
+      <mc:AlternateContent xmlns:mc="http://schemas.openxmlformats.org/markup-compatibility/2006">
+        <mc:Choice xmlns:a14="http://schemas.microsoft.com/office/drawing/2010/main" Requires="a14">
+          <p:sp>
+            <p:nvSpPr>
+              <p:cNvPr id="29" name="テキスト ボックス 28">
+                <a:extLst>
+                  <a:ext uri="{FF2B5EF4-FFF2-40B4-BE49-F238E27FC236}">
+                    <a16:creationId xmlns:a16="http://schemas.microsoft.com/office/drawing/2014/main" id="{50378DFB-FA05-E7A7-E0B6-73BD49E90B58}"/>
+                  </a:ext>
+                </a:extLst>
+              </p:cNvPr>
+              <p:cNvSpPr txBox="1"/>
+              <p:nvPr/>
+            </p:nvSpPr>
+            <p:spPr>
+              <a:xfrm>
+                <a:off x="4295800" y="3933056"/>
+                <a:ext cx="474938" cy="276999"/>
+              </a:xfrm>
+              <a:prstGeom prst="rect">
+                <a:avLst/>
+              </a:prstGeom>
+              <a:noFill/>
+            </p:spPr>
+            <p:txBody>
+              <a:bodyPr wrap="none" lIns="0" tIns="0" rIns="0" bIns="0" rtlCol="0">
+                <a:spAutoFit/>
+              </a:bodyPr>
+              <a:lstStyle/>
+              <a:p>
+                <a14:m>
+                  <m:oMathPara xmlns:m="http://schemas.openxmlformats.org/officeDocument/2006/math">
+                    <m:oMathParaPr>
+                      <m:jc m:val="centerGroup"/>
+                    </m:oMathParaPr>
+                    <m:oMath xmlns:m="http://schemas.openxmlformats.org/officeDocument/2006/math">
+                      <m:r>
+                        <a:rPr kumimoji="1" lang="en-US" altLang="ja-JP" b="0" i="1" smtClean="0">
+                          <a:latin typeface="Cambria Math" panose="02040503050406030204" pitchFamily="18" charset="0"/>
+                        </a:rPr>
+                        <m:t>𝜌</m:t>
+                      </m:r>
+                      <m:r>
+                        <a:rPr kumimoji="1" lang="en-US" altLang="ja-JP" b="0" i="1" smtClean="0">
+                          <a:latin typeface="Cambria Math" panose="02040503050406030204" pitchFamily="18" charset="0"/>
+                        </a:rPr>
+                        <m:t>(</m:t>
+                      </m:r>
+                      <m:r>
+                        <a:rPr kumimoji="1" lang="en-US" altLang="ja-JP" b="0" i="1" smtClean="0">
+                          <a:latin typeface="Cambria Math" panose="02040503050406030204" pitchFamily="18" charset="0"/>
+                        </a:rPr>
+                        <m:t>𝑡</m:t>
+                      </m:r>
+                      <m:r>
+                        <a:rPr kumimoji="1" lang="en-US" altLang="ja-JP" b="0" i="1" smtClean="0">
+                          <a:latin typeface="Cambria Math" panose="02040503050406030204" pitchFamily="18" charset="0"/>
+                        </a:rPr>
+                        <m:t>)</m:t>
+                      </m:r>
+                    </m:oMath>
+                  </m:oMathPara>
+                </a14:m>
+                <a:endParaRPr kumimoji="1" lang="ja-JP" altLang="en-US"/>
+              </a:p>
+            </p:txBody>
+          </p:sp>
+        </mc:Choice>
+        <mc:Fallback>
+          <p:sp>
+            <p:nvSpPr>
+              <p:cNvPr id="29" name="テキスト ボックス 28">
+                <a:extLst>
+                  <a:ext uri="{FF2B5EF4-FFF2-40B4-BE49-F238E27FC236}">
+                    <a16:creationId xmlns:a16="http://schemas.microsoft.com/office/drawing/2014/main" id="{50378DFB-FA05-E7A7-E0B6-73BD49E90B58}"/>
+                  </a:ext>
+                </a:extLst>
+              </p:cNvPr>
+              <p:cNvSpPr txBox="1">
+                <a:spLocks noRot="1" noChangeAspect="1" noMove="1" noResize="1" noEditPoints="1" noAdjustHandles="1" noChangeArrowheads="1" noChangeShapeType="1" noTextEdit="1"/>
+              </p:cNvSpPr>
+              <p:nvPr/>
+            </p:nvSpPr>
+            <p:spPr>
+              <a:xfrm>
+                <a:off x="4295800" y="3933056"/>
+                <a:ext cx="474938" cy="276999"/>
+              </a:xfrm>
+              <a:prstGeom prst="rect">
+                <a:avLst/>
+              </a:prstGeom>
+              <a:blipFill>
+                <a:blip r:embed="rId9"/>
+                <a:stretch>
+                  <a:fillRect l="-11538" t="-2174" r="-17949" b="-32609"/>
+                </a:stretch>
+              </a:blipFill>
+            </p:spPr>
+            <p:txBody>
+              <a:bodyPr/>
+              <a:lstStyle/>
+              <a:p>
+                <a:r>
+                  <a:rPr lang="ja-JP" altLang="en-US">
+                    <a:noFill/>
+                  </a:rPr>
+                  <a:t> </a:t>
+                </a:r>
+              </a:p>
+            </p:txBody>
+          </p:sp>
+        </mc:Fallback>
+      </mc:AlternateContent>
+      <mc:AlternateContent xmlns:mc="http://schemas.openxmlformats.org/markup-compatibility/2006">
+        <mc:Choice xmlns:a14="http://schemas.microsoft.com/office/drawing/2010/main" Requires="a14">
+          <p:sp>
+            <p:nvSpPr>
+              <p:cNvPr id="30" name="テキスト ボックス 29">
+                <a:extLst>
+                  <a:ext uri="{FF2B5EF4-FFF2-40B4-BE49-F238E27FC236}">
+                    <a16:creationId xmlns:a16="http://schemas.microsoft.com/office/drawing/2014/main" id="{1BBAE404-25CA-5305-8DEE-25514EF62ADB}"/>
+                  </a:ext>
+                </a:extLst>
+              </p:cNvPr>
+              <p:cNvSpPr txBox="1"/>
+              <p:nvPr/>
+            </p:nvSpPr>
+            <p:spPr>
+              <a:xfrm>
+                <a:off x="3935760" y="4293096"/>
+                <a:ext cx="882870" cy="276999"/>
+              </a:xfrm>
+              <a:prstGeom prst="rect">
+                <a:avLst/>
+              </a:prstGeom>
+              <a:noFill/>
+            </p:spPr>
+            <p:txBody>
+              <a:bodyPr wrap="none" lIns="0" tIns="0" rIns="0" bIns="0" rtlCol="0">
+                <a:spAutoFit/>
+              </a:bodyPr>
+              <a:lstStyle/>
+              <a:p>
+                <a14:m>
+                  <m:oMathPara xmlns:m="http://schemas.openxmlformats.org/officeDocument/2006/math">
+                    <m:oMathParaPr>
+                      <m:jc m:val="centerGroup"/>
+                    </m:oMathParaPr>
+                    <m:oMath xmlns:m="http://schemas.openxmlformats.org/officeDocument/2006/math">
+                      <m:r>
+                        <a:rPr kumimoji="1" lang="en-US" altLang="ja-JP" b="0" i="1" smtClean="0">
+                          <a:latin typeface="Cambria Math" panose="02040503050406030204" pitchFamily="18" charset="0"/>
+                        </a:rPr>
+                        <m:t>𝜌</m:t>
+                      </m:r>
+                      <m:r>
+                        <a:rPr kumimoji="1" lang="en-US" altLang="ja-JP" b="0" i="1" smtClean="0">
+                          <a:latin typeface="Cambria Math" panose="02040503050406030204" pitchFamily="18" charset="0"/>
+                        </a:rPr>
+                        <m:t>(</m:t>
+                      </m:r>
+                      <m:r>
+                        <a:rPr kumimoji="1" lang="en-US" altLang="ja-JP" b="0" i="1" smtClean="0">
+                          <a:latin typeface="Cambria Math" panose="02040503050406030204" pitchFamily="18" charset="0"/>
+                        </a:rPr>
+                        <m:t>𝑡</m:t>
+                      </m:r>
+                      <m:r>
+                        <a:rPr kumimoji="1" lang="en-US" altLang="ja-JP" b="0" i="1" smtClean="0">
+                          <a:latin typeface="Cambria Math" panose="02040503050406030204" pitchFamily="18" charset="0"/>
+                        </a:rPr>
+                        <m:t>+</m:t>
+                      </m:r>
+                      <m:r>
+                        <a:rPr kumimoji="1" lang="en-US" altLang="ja-JP" b="0" i="1" smtClean="0">
+                          <a:latin typeface="Cambria Math" panose="02040503050406030204" pitchFamily="18" charset="0"/>
+                        </a:rPr>
+                        <m:t>h</m:t>
+                      </m:r>
+                      <m:r>
+                        <a:rPr kumimoji="1" lang="en-US" altLang="ja-JP" b="0" i="1" smtClean="0">
+                          <a:latin typeface="Cambria Math" panose="02040503050406030204" pitchFamily="18" charset="0"/>
+                        </a:rPr>
+                        <m:t>)</m:t>
+                      </m:r>
+                    </m:oMath>
+                  </m:oMathPara>
+                </a14:m>
+                <a:endParaRPr kumimoji="1" lang="ja-JP" altLang="en-US"/>
+              </a:p>
+            </p:txBody>
+          </p:sp>
+        </mc:Choice>
+        <mc:Fallback>
+          <p:sp>
+            <p:nvSpPr>
+              <p:cNvPr id="30" name="テキスト ボックス 29">
+                <a:extLst>
+                  <a:ext uri="{FF2B5EF4-FFF2-40B4-BE49-F238E27FC236}">
+                    <a16:creationId xmlns:a16="http://schemas.microsoft.com/office/drawing/2014/main" id="{1BBAE404-25CA-5305-8DEE-25514EF62ADB}"/>
+                  </a:ext>
+                </a:extLst>
+              </p:cNvPr>
+              <p:cNvSpPr txBox="1">
+                <a:spLocks noRot="1" noChangeAspect="1" noMove="1" noResize="1" noEditPoints="1" noAdjustHandles="1" noChangeArrowheads="1" noChangeShapeType="1" noTextEdit="1"/>
+              </p:cNvSpPr>
+              <p:nvPr/>
+            </p:nvSpPr>
+            <p:spPr>
+              <a:xfrm>
+                <a:off x="3935760" y="4293096"/>
+                <a:ext cx="882870" cy="276999"/>
+              </a:xfrm>
+              <a:prstGeom prst="rect">
+                <a:avLst/>
+              </a:prstGeom>
+              <a:blipFill>
+                <a:blip r:embed="rId10"/>
+                <a:stretch>
+                  <a:fillRect l="-6250" t="-2174" r="-9722" b="-32609"/>
+                </a:stretch>
+              </a:blipFill>
+            </p:spPr>
+            <p:txBody>
+              <a:bodyPr/>
+              <a:lstStyle/>
+              <a:p>
+                <a:r>
+                  <a:rPr lang="ja-JP" altLang="en-US">
+                    <a:noFill/>
+                  </a:rPr>
+                  <a:t> </a:t>
+                </a:r>
+              </a:p>
+            </p:txBody>
+          </p:sp>
+        </mc:Fallback>
+      </mc:AlternateContent>
+      <p:sp>
+        <p:nvSpPr>
+          <p:cNvPr id="32" name="フリーフォーム: 図形 31">
+            <a:extLst>
+              <a:ext uri="{FF2B5EF4-FFF2-40B4-BE49-F238E27FC236}">
+                <a16:creationId xmlns:a16="http://schemas.microsoft.com/office/drawing/2014/main" id="{4876729A-7AD2-2B86-FC93-3C64A43846CE}"/>
+              </a:ext>
+            </a:extLst>
+          </p:cNvPr>
+          <p:cNvSpPr/>
+          <p:nvPr/>
+        </p:nvSpPr>
+        <p:spPr>
+          <a:xfrm>
+            <a:off x="1122107" y="4135804"/>
+            <a:ext cx="2381605" cy="1631830"/>
+          </a:xfrm>
+          <a:custGeom>
+            <a:avLst/>
+            <a:gdLst>
+              <a:gd name="connsiteX0" fmla="*/ 0 w 3387635"/>
+              <a:gd name="connsiteY0" fmla="*/ 864214 h 1631830"/>
+              <a:gd name="connsiteX1" fmla="*/ 1402080 w 3387635"/>
+              <a:gd name="connsiteY1" fmla="*/ 19483 h 1631830"/>
+              <a:gd name="connsiteX2" fmla="*/ 2299063 w 3387635"/>
+              <a:gd name="connsiteY2" fmla="*/ 1604443 h 1631830"/>
+              <a:gd name="connsiteX3" fmla="*/ 3387635 w 3387635"/>
+              <a:gd name="connsiteY3" fmla="*/ 872923 h 1631830"/>
+            </a:gdLst>
+            <a:ahLst/>
+            <a:cxnLst>
+              <a:cxn ang="0">
+                <a:pos x="connsiteX0" y="connsiteY0"/>
+              </a:cxn>
+              <a:cxn ang="0">
+                <a:pos x="connsiteX1" y="connsiteY1"/>
+              </a:cxn>
+              <a:cxn ang="0">
+                <a:pos x="connsiteX2" y="connsiteY2"/>
+              </a:cxn>
+              <a:cxn ang="0">
+                <a:pos x="connsiteX3" y="connsiteY3"/>
+              </a:cxn>
+            </a:cxnLst>
+            <a:rect l="l" t="t" r="r" b="b"/>
+            <a:pathLst>
+              <a:path w="3387635" h="1631830">
+                <a:moveTo>
+                  <a:pt x="0" y="864214"/>
+                </a:moveTo>
+                <a:cubicBezTo>
+                  <a:pt x="509451" y="380163"/>
+                  <a:pt x="1018903" y="-103888"/>
+                  <a:pt x="1402080" y="19483"/>
+                </a:cubicBezTo>
+                <a:cubicBezTo>
+                  <a:pt x="1785257" y="142854"/>
+                  <a:pt x="1968137" y="1462203"/>
+                  <a:pt x="2299063" y="1604443"/>
+                </a:cubicBezTo>
+                <a:cubicBezTo>
+                  <a:pt x="2629989" y="1746683"/>
+                  <a:pt x="3008812" y="1309803"/>
+                  <a:pt x="3387635" y="872923"/>
+                </a:cubicBezTo>
+              </a:path>
+            </a:pathLst>
+          </a:custGeom>
+          <a:noFill/>
+          <a:ln w="28575">
+            <a:solidFill>
+              <a:schemeClr val="bg1">
+                <a:lumMod val="75000"/>
+              </a:schemeClr>
+            </a:solidFill>
+          </a:ln>
+        </p:spPr>
+        <p:style>
+          <a:lnRef idx="2">
+            <a:schemeClr val="accent1">
+              <a:shade val="50000"/>
+            </a:schemeClr>
+          </a:lnRef>
+          <a:fillRef idx="1">
+            <a:schemeClr val="accent1"/>
+          </a:fillRef>
+          <a:effectRef idx="0">
+            <a:schemeClr val="accent1"/>
+          </a:effectRef>
+          <a:fontRef idx="minor">
+            <a:schemeClr val="lt1"/>
+          </a:fontRef>
+        </p:style>
+        <p:txBody>
+          <a:bodyPr rtlCol="0" anchor="ctr"/>
+          <a:lstStyle/>
+          <a:p>
+            <a:pPr algn="ctr"/>
+            <a:endParaRPr kumimoji="1" lang="ja-JP" altLang="en-US"/>
+          </a:p>
+        </p:txBody>
+      </p:sp>
+      <p:sp>
+        <p:nvSpPr>
+          <p:cNvPr id="33" name="フリーフォーム: 図形 32">
+            <a:extLst>
+              <a:ext uri="{FF2B5EF4-FFF2-40B4-BE49-F238E27FC236}">
+                <a16:creationId xmlns:a16="http://schemas.microsoft.com/office/drawing/2014/main" id="{DA67266E-C0BF-89B6-D142-293255CEEFCA}"/>
+              </a:ext>
+            </a:extLst>
+          </p:cNvPr>
+          <p:cNvSpPr/>
+          <p:nvPr/>
+        </p:nvSpPr>
+        <p:spPr>
+          <a:xfrm>
+            <a:off x="1703512" y="4149080"/>
+            <a:ext cx="2381605" cy="1631830"/>
+          </a:xfrm>
+          <a:custGeom>
+            <a:avLst/>
+            <a:gdLst>
+              <a:gd name="connsiteX0" fmla="*/ 0 w 3387635"/>
+              <a:gd name="connsiteY0" fmla="*/ 864214 h 1631830"/>
+              <a:gd name="connsiteX1" fmla="*/ 1402080 w 3387635"/>
+              <a:gd name="connsiteY1" fmla="*/ 19483 h 1631830"/>
+              <a:gd name="connsiteX2" fmla="*/ 2299063 w 3387635"/>
+              <a:gd name="connsiteY2" fmla="*/ 1604443 h 1631830"/>
+              <a:gd name="connsiteX3" fmla="*/ 3387635 w 3387635"/>
+              <a:gd name="connsiteY3" fmla="*/ 872923 h 1631830"/>
+            </a:gdLst>
+            <a:ahLst/>
+            <a:cxnLst>
+              <a:cxn ang="0">
+                <a:pos x="connsiteX0" y="connsiteY0"/>
+              </a:cxn>
+              <a:cxn ang="0">
+                <a:pos x="connsiteX1" y="connsiteY1"/>
+              </a:cxn>
+              <a:cxn ang="0">
+                <a:pos x="connsiteX2" y="connsiteY2"/>
+              </a:cxn>
+              <a:cxn ang="0">
+                <a:pos x="connsiteX3" y="connsiteY3"/>
+              </a:cxn>
+            </a:cxnLst>
+            <a:rect l="l" t="t" r="r" b="b"/>
+            <a:pathLst>
+              <a:path w="3387635" h="1631830">
+                <a:moveTo>
+                  <a:pt x="0" y="864214"/>
+                </a:moveTo>
+                <a:cubicBezTo>
+                  <a:pt x="509451" y="380163"/>
+                  <a:pt x="1018903" y="-103888"/>
+                  <a:pt x="1402080" y="19483"/>
+                </a:cubicBezTo>
+                <a:cubicBezTo>
+                  <a:pt x="1785257" y="142854"/>
+                  <a:pt x="1968137" y="1462203"/>
+                  <a:pt x="2299063" y="1604443"/>
+                </a:cubicBezTo>
+                <a:cubicBezTo>
+                  <a:pt x="2629989" y="1746683"/>
+                  <a:pt x="3008812" y="1309803"/>
+                  <a:pt x="3387635" y="872923"/>
+                </a:cubicBezTo>
+              </a:path>
+            </a:pathLst>
+          </a:custGeom>
+          <a:noFill/>
+          <a:ln w="28575"/>
+        </p:spPr>
+        <p:style>
+          <a:lnRef idx="2">
+            <a:schemeClr val="accent1">
+              <a:shade val="50000"/>
+            </a:schemeClr>
+          </a:lnRef>
+          <a:fillRef idx="1">
+            <a:schemeClr val="accent1"/>
+          </a:fillRef>
+          <a:effectRef idx="0">
+            <a:schemeClr val="accent1"/>
+          </a:effectRef>
+          <a:fontRef idx="minor">
+            <a:schemeClr val="lt1"/>
+          </a:fontRef>
+        </p:style>
+        <p:txBody>
+          <a:bodyPr rtlCol="0" anchor="ctr"/>
+          <a:lstStyle/>
+          <a:p>
+            <a:pPr algn="ctr"/>
+            <a:endParaRPr kumimoji="1" lang="ja-JP" altLang="en-US"/>
+          </a:p>
+        </p:txBody>
+      </p:sp>
+      <p:sp>
+        <p:nvSpPr>
+          <p:cNvPr id="35" name="楕円 34">
+            <a:extLst>
+              <a:ext uri="{FF2B5EF4-FFF2-40B4-BE49-F238E27FC236}">
+                <a16:creationId xmlns:a16="http://schemas.microsoft.com/office/drawing/2014/main" id="{09F2E0B2-46C1-684A-38DF-C51CBF01F77D}"/>
+              </a:ext>
+            </a:extLst>
+          </p:cNvPr>
+          <p:cNvSpPr/>
+          <p:nvPr/>
+        </p:nvSpPr>
+        <p:spPr>
+          <a:xfrm flipH="1">
+            <a:off x="1974126" y="4077072"/>
+            <a:ext cx="144016" cy="144016"/>
+          </a:xfrm>
+          <a:prstGeom prst="ellipse">
+            <a:avLst/>
+          </a:prstGeom>
+          <a:solidFill>
+            <a:schemeClr val="bg1">
+              <a:lumMod val="65000"/>
+            </a:schemeClr>
+          </a:solidFill>
+          <a:ln>
+            <a:solidFill>
+              <a:schemeClr val="tx1"/>
+            </a:solidFill>
+          </a:ln>
+        </p:spPr>
+        <p:style>
+          <a:lnRef idx="2">
+            <a:schemeClr val="accent1">
+              <a:shade val="50000"/>
+            </a:schemeClr>
+          </a:lnRef>
+          <a:fillRef idx="1">
+            <a:schemeClr val="accent1"/>
+          </a:fillRef>
+          <a:effectRef idx="0">
+            <a:schemeClr val="accent1"/>
+          </a:effectRef>
+          <a:fontRef idx="minor">
+            <a:schemeClr val="lt1"/>
+          </a:fontRef>
+        </p:style>
+        <p:txBody>
+          <a:bodyPr rtlCol="0" anchor="ctr"/>
+          <a:lstStyle/>
+          <a:p>
+            <a:pPr algn="ctr"/>
+            <a:endParaRPr kumimoji="1" lang="ja-JP" altLang="en-US"/>
+          </a:p>
+        </p:txBody>
+      </p:sp>
+      <p:sp>
+        <p:nvSpPr>
+          <p:cNvPr id="36" name="楕円 35">
+            <a:extLst>
+              <a:ext uri="{FF2B5EF4-FFF2-40B4-BE49-F238E27FC236}">
+                <a16:creationId xmlns:a16="http://schemas.microsoft.com/office/drawing/2014/main" id="{8DCD139B-68EC-AA16-0039-F0F62641BE16}"/>
+              </a:ext>
+            </a:extLst>
+          </p:cNvPr>
+          <p:cNvSpPr/>
+          <p:nvPr/>
+        </p:nvSpPr>
+        <p:spPr>
+          <a:xfrm flipH="1">
+            <a:off x="2550190" y="4077072"/>
+            <a:ext cx="144016" cy="144016"/>
+          </a:xfrm>
+          <a:prstGeom prst="ellipse">
+            <a:avLst/>
+          </a:prstGeom>
+          <a:solidFill>
+            <a:schemeClr val="accent1">
+              <a:lumMod val="75000"/>
+            </a:schemeClr>
+          </a:solidFill>
+          <a:ln>
+            <a:solidFill>
+              <a:schemeClr val="tx1"/>
+            </a:solidFill>
+          </a:ln>
+        </p:spPr>
+        <p:style>
+          <a:lnRef idx="2">
+            <a:schemeClr val="accent1">
+              <a:shade val="50000"/>
+            </a:schemeClr>
+          </a:lnRef>
+          <a:fillRef idx="1">
+            <a:schemeClr val="accent1"/>
+          </a:fillRef>
+          <a:effectRef idx="0">
+            <a:schemeClr val="accent1"/>
+          </a:effectRef>
+          <a:fontRef idx="minor">
+            <a:schemeClr val="lt1"/>
+          </a:fontRef>
+        </p:style>
+        <p:txBody>
+          <a:bodyPr rtlCol="0" anchor="ctr"/>
+          <a:lstStyle/>
+          <a:p>
+            <a:pPr algn="ctr"/>
+            <a:endParaRPr kumimoji="1" lang="ja-JP" altLang="en-US"/>
+          </a:p>
+        </p:txBody>
+      </p:sp>
+      <p:sp>
+        <p:nvSpPr>
+          <p:cNvPr id="39" name="楕円 38">
+            <a:extLst>
+              <a:ext uri="{FF2B5EF4-FFF2-40B4-BE49-F238E27FC236}">
+                <a16:creationId xmlns:a16="http://schemas.microsoft.com/office/drawing/2014/main" id="{7FCE9B0F-D39D-1475-0B25-C8B51B973731}"/>
+              </a:ext>
+            </a:extLst>
+          </p:cNvPr>
+          <p:cNvSpPr/>
+          <p:nvPr/>
+        </p:nvSpPr>
+        <p:spPr>
+          <a:xfrm flipH="1">
+            <a:off x="1969453" y="4513154"/>
+            <a:ext cx="144016" cy="144016"/>
+          </a:xfrm>
+          <a:prstGeom prst="ellipse">
+            <a:avLst/>
+          </a:prstGeom>
+          <a:solidFill>
+            <a:srgbClr val="FF0000"/>
+          </a:solidFill>
+          <a:ln>
+            <a:solidFill>
+              <a:schemeClr val="tx1"/>
+            </a:solidFill>
+          </a:ln>
+        </p:spPr>
+        <p:style>
+          <a:lnRef idx="2">
+            <a:schemeClr val="accent1">
+              <a:shade val="50000"/>
+            </a:schemeClr>
+          </a:lnRef>
+          <a:fillRef idx="1">
+            <a:schemeClr val="accent1"/>
+          </a:fillRef>
+          <a:effectRef idx="0">
+            <a:schemeClr val="accent1"/>
+          </a:effectRef>
+          <a:fontRef idx="minor">
+            <a:schemeClr val="lt1"/>
+          </a:fontRef>
+        </p:style>
+        <p:txBody>
+          <a:bodyPr rtlCol="0" anchor="ctr"/>
+          <a:lstStyle/>
+          <a:p>
+            <a:pPr algn="ctr"/>
+            <a:endParaRPr kumimoji="1" lang="ja-JP" altLang="en-US"/>
+          </a:p>
+        </p:txBody>
+      </p:sp>
+      <p:cxnSp>
+        <p:nvCxnSpPr>
+          <p:cNvPr id="42" name="コネクタ: カギ線 41">
+            <a:extLst>
+              <a:ext uri="{FF2B5EF4-FFF2-40B4-BE49-F238E27FC236}">
+                <a16:creationId xmlns:a16="http://schemas.microsoft.com/office/drawing/2014/main" id="{8774B8FE-4847-0E38-311A-4AC118BC9599}"/>
+              </a:ext>
+            </a:extLst>
+          </p:cNvPr>
+          <p:cNvCxnSpPr>
+            <a:stCxn id="35" idx="0"/>
+            <a:endCxn id="36" idx="0"/>
+          </p:cNvCxnSpPr>
+          <p:nvPr/>
+        </p:nvCxnSpPr>
+        <p:spPr>
+          <a:xfrm rot="5400000" flipH="1" flipV="1">
+            <a:off x="2334166" y="3789040"/>
+            <a:ext cx="12700" cy="576064"/>
+          </a:xfrm>
+          <a:prstGeom prst="bentConnector3">
+            <a:avLst>
+              <a:gd name="adj1" fmla="val 1800000"/>
+            </a:avLst>
+          </a:prstGeom>
+          <a:ln>
+            <a:solidFill>
+              <a:schemeClr val="accent1">
+                <a:lumMod val="75000"/>
+              </a:schemeClr>
+            </a:solidFill>
+            <a:headEnd type="none" w="med" len="med"/>
+            <a:tailEnd type="triangle"/>
+          </a:ln>
+        </p:spPr>
+        <p:style>
+          <a:lnRef idx="1">
+            <a:schemeClr val="accent1"/>
+          </a:lnRef>
+          <a:fillRef idx="0">
+            <a:schemeClr val="accent1"/>
+          </a:fillRef>
+          <a:effectRef idx="0">
+            <a:schemeClr val="accent1"/>
+          </a:effectRef>
+          <a:fontRef idx="minor">
+            <a:schemeClr val="tx1"/>
+          </a:fontRef>
+        </p:style>
+      </p:cxnSp>
+      <mc:AlternateContent xmlns:mc="http://schemas.openxmlformats.org/markup-compatibility/2006">
+        <mc:Choice xmlns:a14="http://schemas.microsoft.com/office/drawing/2010/main" Requires="a14">
+          <p:sp>
+            <p:nvSpPr>
+              <p:cNvPr id="43" name="テキスト ボックス 42">
+                <a:extLst>
+                  <a:ext uri="{FF2B5EF4-FFF2-40B4-BE49-F238E27FC236}">
+                    <a16:creationId xmlns:a16="http://schemas.microsoft.com/office/drawing/2014/main" id="{C36BC1E0-A352-4ED5-6C08-5B9FBB95648C}"/>
+                  </a:ext>
+                </a:extLst>
+              </p:cNvPr>
+              <p:cNvSpPr txBox="1"/>
+              <p:nvPr/>
+            </p:nvSpPr>
+            <p:spPr>
+              <a:xfrm>
+                <a:off x="2207568" y="3284984"/>
+                <a:ext cx="345864" cy="518540"/>
+              </a:xfrm>
+              <a:prstGeom prst="rect">
+                <a:avLst/>
+              </a:prstGeom>
+              <a:noFill/>
+            </p:spPr>
+            <p:txBody>
+              <a:bodyPr wrap="none" lIns="0" tIns="0" rIns="0" bIns="0" rtlCol="0">
+                <a:spAutoFit/>
+              </a:bodyPr>
+              <a:lstStyle/>
+              <a:p>
+                <a14:m>
+                  <m:oMathPara xmlns:m="http://schemas.openxmlformats.org/officeDocument/2006/math">
+                    <m:oMathParaPr>
+                      <m:jc m:val="centerGroup"/>
+                    </m:oMathParaPr>
+                    <m:oMath xmlns:m="http://schemas.openxmlformats.org/officeDocument/2006/math">
+                      <m:f>
+                        <m:fPr>
+                          <m:ctrlPr>
+                            <a:rPr kumimoji="1" lang="en-US" altLang="ja-JP" b="0" i="1" smtClean="0">
+                              <a:latin typeface="Cambria Math" panose="02040503050406030204" pitchFamily="18" charset="0"/>
+                            </a:rPr>
+                          </m:ctrlPr>
+                        </m:fPr>
+                        <m:num>
+                          <m:r>
+                            <a:rPr kumimoji="1" lang="en-US" altLang="ja-JP" b="0" i="1" smtClean="0">
+                              <a:latin typeface="Cambria Math" panose="02040503050406030204" pitchFamily="18" charset="0"/>
+                            </a:rPr>
+                            <m:t>𝐷</m:t>
+                          </m:r>
+                          <m:r>
+                            <a:rPr kumimoji="1" lang="en-US" altLang="ja-JP" b="0" i="1" smtClean="0">
+                              <a:latin typeface="Cambria Math" panose="02040503050406030204" pitchFamily="18" charset="0"/>
+                            </a:rPr>
+                            <m:t>𝜌</m:t>
+                          </m:r>
+                        </m:num>
+                        <m:den>
+                          <m:r>
+                            <a:rPr kumimoji="1" lang="en-US" altLang="ja-JP" b="0" i="1" smtClean="0">
+                              <a:latin typeface="Cambria Math" panose="02040503050406030204" pitchFamily="18" charset="0"/>
+                            </a:rPr>
+                            <m:t>𝐷𝑡</m:t>
+                          </m:r>
+                        </m:den>
+                      </m:f>
+                    </m:oMath>
+                  </m:oMathPara>
+                </a14:m>
+                <a:endParaRPr kumimoji="1" lang="ja-JP" altLang="en-US"/>
+              </a:p>
+            </p:txBody>
+          </p:sp>
+        </mc:Choice>
+        <mc:Fallback>
+          <p:sp>
+            <p:nvSpPr>
+              <p:cNvPr id="43" name="テキスト ボックス 42">
+                <a:extLst>
+                  <a:ext uri="{FF2B5EF4-FFF2-40B4-BE49-F238E27FC236}">
+                    <a16:creationId xmlns:a16="http://schemas.microsoft.com/office/drawing/2014/main" id="{C36BC1E0-A352-4ED5-6C08-5B9FBB95648C}"/>
+                  </a:ext>
+                </a:extLst>
+              </p:cNvPr>
+              <p:cNvSpPr txBox="1">
+                <a:spLocks noRot="1" noChangeAspect="1" noMove="1" noResize="1" noEditPoints="1" noAdjustHandles="1" noChangeArrowheads="1" noChangeShapeType="1" noTextEdit="1"/>
+              </p:cNvSpPr>
+              <p:nvPr/>
+            </p:nvSpPr>
+            <p:spPr>
+              <a:xfrm>
+                <a:off x="2207568" y="3284984"/>
+                <a:ext cx="345864" cy="518540"/>
+              </a:xfrm>
+              <a:prstGeom prst="rect">
+                <a:avLst/>
+              </a:prstGeom>
+              <a:blipFill>
+                <a:blip r:embed="rId11"/>
+                <a:stretch>
+                  <a:fillRect/>
+                </a:stretch>
+              </a:blipFill>
+            </p:spPr>
+            <p:txBody>
+              <a:bodyPr/>
+              <a:lstStyle/>
+              <a:p>
+                <a:r>
+                  <a:rPr lang="ja-JP" altLang="en-US">
+                    <a:noFill/>
+                  </a:rPr>
+                  <a:t> </a:t>
+                </a:r>
+              </a:p>
+            </p:txBody>
+          </p:sp>
+        </mc:Fallback>
+      </mc:AlternateContent>
+      <p:cxnSp>
+        <p:nvCxnSpPr>
+          <p:cNvPr id="45" name="コネクタ: カギ線 44">
+            <a:extLst>
+              <a:ext uri="{FF2B5EF4-FFF2-40B4-BE49-F238E27FC236}">
+                <a16:creationId xmlns:a16="http://schemas.microsoft.com/office/drawing/2014/main" id="{7EA79780-D603-FD8F-EB8D-658799E77FAD}"/>
+              </a:ext>
+            </a:extLst>
+          </p:cNvPr>
+          <p:cNvCxnSpPr>
+            <a:cxnSpLocks/>
+            <a:stCxn id="35" idx="6"/>
+            <a:endCxn id="39" idx="6"/>
+          </p:cNvCxnSpPr>
+          <p:nvPr/>
+        </p:nvCxnSpPr>
+        <p:spPr>
+          <a:xfrm rot="10800000" flipV="1">
+            <a:off x="1969454" y="4149080"/>
+            <a:ext cx="4673" cy="436082"/>
+          </a:xfrm>
+          <a:prstGeom prst="bentConnector3">
+            <a:avLst>
+              <a:gd name="adj1" fmla="val 6669163"/>
+            </a:avLst>
+          </a:prstGeom>
+          <a:ln>
+            <a:solidFill>
+              <a:schemeClr val="tx1"/>
+            </a:solidFill>
+            <a:headEnd type="none" w="med" len="med"/>
+            <a:tailEnd type="triangle"/>
+          </a:ln>
+        </p:spPr>
+        <p:style>
+          <a:lnRef idx="1">
+            <a:schemeClr val="accent1"/>
+          </a:lnRef>
+          <a:fillRef idx="0">
+            <a:schemeClr val="accent1"/>
+          </a:fillRef>
+          <a:effectRef idx="0">
+            <a:schemeClr val="accent1"/>
+          </a:effectRef>
+          <a:fontRef idx="minor">
+            <a:schemeClr val="tx1"/>
+          </a:fontRef>
+        </p:style>
+      </p:cxnSp>
+      <mc:AlternateContent xmlns:mc="http://schemas.openxmlformats.org/markup-compatibility/2006">
+        <mc:Choice xmlns:a14="http://schemas.microsoft.com/office/drawing/2010/main" Requires="a14">
+          <p:sp>
+            <p:nvSpPr>
+              <p:cNvPr id="48" name="テキスト ボックス 47">
+                <a:extLst>
+                  <a:ext uri="{FF2B5EF4-FFF2-40B4-BE49-F238E27FC236}">
+                    <a16:creationId xmlns:a16="http://schemas.microsoft.com/office/drawing/2014/main" id="{9C0A487F-BEA3-0C2B-9E74-2D88150F18EE}"/>
+                  </a:ext>
+                </a:extLst>
+              </p:cNvPr>
+              <p:cNvSpPr txBox="1"/>
+              <p:nvPr/>
+            </p:nvSpPr>
+            <p:spPr>
+              <a:xfrm>
+                <a:off x="1271464" y="4077072"/>
+                <a:ext cx="313804" cy="526683"/>
+              </a:xfrm>
+              <a:prstGeom prst="rect">
+                <a:avLst/>
+              </a:prstGeom>
+              <a:noFill/>
+            </p:spPr>
+            <p:txBody>
+              <a:bodyPr wrap="none" lIns="0" tIns="0" rIns="0" bIns="0" rtlCol="0">
+                <a:spAutoFit/>
+              </a:bodyPr>
+              <a:lstStyle/>
+              <a:p>
+                <a14:m>
+                  <m:oMathPara xmlns:m="http://schemas.openxmlformats.org/officeDocument/2006/math">
+                    <m:oMathParaPr>
+                      <m:jc m:val="centerGroup"/>
+                    </m:oMathParaPr>
+                    <m:oMath xmlns:m="http://schemas.openxmlformats.org/officeDocument/2006/math">
+                      <m:f>
+                        <m:fPr>
+                          <m:ctrlPr>
+                            <a:rPr kumimoji="1" lang="en-US" altLang="ja-JP" b="0" i="1" smtClean="0">
+                              <a:latin typeface="Cambria Math" panose="02040503050406030204" pitchFamily="18" charset="0"/>
+                            </a:rPr>
+                          </m:ctrlPr>
+                        </m:fPr>
+                        <m:num>
+                          <m:r>
+                            <a:rPr kumimoji="1" lang="en-US" altLang="ja-JP" b="0" i="1" smtClean="0">
+                              <a:latin typeface="Cambria Math" panose="02040503050406030204" pitchFamily="18" charset="0"/>
+                            </a:rPr>
+                            <m:t>𝜕𝜌</m:t>
+                          </m:r>
+                        </m:num>
+                        <m:den>
+                          <m:r>
+                            <a:rPr kumimoji="1" lang="en-US" altLang="ja-JP" b="0" i="1" smtClean="0">
+                              <a:latin typeface="Cambria Math" panose="02040503050406030204" pitchFamily="18" charset="0"/>
+                            </a:rPr>
+                            <m:t>𝜕</m:t>
+                          </m:r>
+                          <m:r>
+                            <a:rPr kumimoji="1" lang="en-US" altLang="ja-JP" b="0" i="1" smtClean="0">
+                              <a:latin typeface="Cambria Math" panose="02040503050406030204" pitchFamily="18" charset="0"/>
+                            </a:rPr>
+                            <m:t>𝑡</m:t>
+                          </m:r>
+                        </m:den>
+                      </m:f>
+                    </m:oMath>
+                  </m:oMathPara>
+                </a14:m>
+                <a:endParaRPr kumimoji="1" lang="ja-JP" altLang="en-US"/>
+              </a:p>
+            </p:txBody>
+          </p:sp>
+        </mc:Choice>
+        <mc:Fallback>
+          <p:sp>
+            <p:nvSpPr>
+              <p:cNvPr id="48" name="テキスト ボックス 47">
+                <a:extLst>
+                  <a:ext uri="{FF2B5EF4-FFF2-40B4-BE49-F238E27FC236}">
+                    <a16:creationId xmlns:a16="http://schemas.microsoft.com/office/drawing/2014/main" id="{9C0A487F-BEA3-0C2B-9E74-2D88150F18EE}"/>
+                  </a:ext>
+                </a:extLst>
+              </p:cNvPr>
+              <p:cNvSpPr txBox="1">
+                <a:spLocks noRot="1" noChangeAspect="1" noMove="1" noResize="1" noEditPoints="1" noAdjustHandles="1" noChangeArrowheads="1" noChangeShapeType="1" noTextEdit="1"/>
+              </p:cNvSpPr>
+              <p:nvPr/>
+            </p:nvSpPr>
+            <p:spPr>
+              <a:xfrm>
+                <a:off x="1271464" y="4077072"/>
+                <a:ext cx="313804" cy="526683"/>
+              </a:xfrm>
+              <a:prstGeom prst="rect">
+                <a:avLst/>
+              </a:prstGeom>
+              <a:blipFill>
+                <a:blip r:embed="rId12"/>
+                <a:stretch>
+                  <a:fillRect/>
+                </a:stretch>
+              </a:blipFill>
+            </p:spPr>
+            <p:txBody>
+              <a:bodyPr/>
+              <a:lstStyle/>
+              <a:p>
+                <a:r>
+                  <a:rPr lang="ja-JP" altLang="en-US">
+                    <a:noFill/>
+                  </a:rPr>
+                  <a:t> </a:t>
+                </a:r>
+              </a:p>
+            </p:txBody>
+          </p:sp>
+        </mc:Fallback>
+      </mc:AlternateContent>
+    </p:spTree>
+    <p:extLst>
+      <p:ext uri="{BB962C8B-B14F-4D97-AF65-F5344CB8AC3E}">
+        <p14:creationId xmlns:p14="http://schemas.microsoft.com/office/powerpoint/2010/main" val="2804781972"/>
       </p:ext>
     </p:extLst>
   </p:cSld>
@@ -10781,7 +14291,35 @@
       </a:bgFillStyleLst>
     </a:fmtScheme>
   </a:themeElements>
-  <a:objectDefaults/>
+  <a:objectDefaults>
+    <a:lnDef>
+      <a:spPr>
+        <a:ln>
+          <a:solidFill>
+            <a:schemeClr val="tx1"/>
+          </a:solidFill>
+          <a:headEnd type="none" w="med" len="med"/>
+          <a:tailEnd type="none" w="med" len="med"/>
+        </a:ln>
+      </a:spPr>
+      <a:bodyPr/>
+      <a:lstStyle/>
+      <a:style>
+        <a:lnRef idx="1">
+          <a:schemeClr val="accent1"/>
+        </a:lnRef>
+        <a:fillRef idx="0">
+          <a:schemeClr val="accent1"/>
+        </a:fillRef>
+        <a:effectRef idx="0">
+          <a:schemeClr val="accent1"/>
+        </a:effectRef>
+        <a:fontRef idx="minor">
+          <a:schemeClr val="tx1"/>
+        </a:fontRef>
+      </a:style>
+    </a:lnDef>
+  </a:objectDefaults>
   <a:extraClrSchemeLst/>
   <a:extLst>
     <a:ext uri="{05A4C25C-085E-4340-85A3-A5531E510DB2}">
